--- a/RPackage_en.pptx
+++ b/RPackage_en.pptx
@@ -228,7 +228,7 @@
               <a:rPr lang="de-CH" smtClean="0">
                 <a:latin typeface="Arial" panose="020B0604020202020204" pitchFamily="34" charset="0"/>
               </a:rPr>
-              <a:t>07.02.2022</a:t>
+              <a:t>09.02.2022</a:t>
             </a:fld>
             <a:endParaRPr lang="de-CH" dirty="0">
               <a:latin typeface="Arial" panose="020B0604020202020204" pitchFamily="34" charset="0"/>
@@ -406,7 +406,7 @@
             <a:fld id="{5991B98F-1650-405D-9DF5-D564DF2E9405}" type="datetimeFigureOut">
               <a:rPr lang="de-CH" smtClean="0"/>
               <a:pPr/>
-              <a:t>07.02.2022</a:t>
+              <a:t>09.02.2022</a:t>
             </a:fld>
             <a:endParaRPr lang="de-CH" dirty="0"/>
           </a:p>
@@ -937,7 +937,7 @@
           <a:p>
             <a:fld id="{E740862B-F753-4A74-A9C3-E9DDA495171F}" type="datetime1">
               <a:rPr lang="de-CH" smtClean="0"/>
-              <a:t>07.02.2022</a:t>
+              <a:t>09.02.2022</a:t>
             </a:fld>
             <a:endParaRPr lang="fr-CH" dirty="0"/>
           </a:p>
@@ -1138,7 +1138,7 @@
           <a:p>
             <a:fld id="{322A823A-C061-4C09-A423-1C486B957565}" type="datetime1">
               <a:rPr lang="de-CH" smtClean="0"/>
-              <a:t>07.02.2022</a:t>
+              <a:t>09.02.2022</a:t>
             </a:fld>
             <a:endParaRPr lang="fr-CH" dirty="0"/>
           </a:p>
@@ -1339,7 +1339,7 @@
           <a:p>
             <a:fld id="{6F40CD7E-2D4A-4D7A-843D-6D90BA790C77}" type="datetime1">
               <a:rPr lang="de-CH" smtClean="0"/>
-              <a:t>07.02.2022</a:t>
+              <a:t>09.02.2022</a:t>
             </a:fld>
             <a:endParaRPr lang="fr-CH" dirty="0"/>
           </a:p>
@@ -1540,7 +1540,7 @@
           <a:p>
             <a:fld id="{1964E26F-0851-4BD7-828A-DDF163727273}" type="datetime1">
               <a:rPr lang="de-CH" smtClean="0"/>
-              <a:t>07.02.2022</a:t>
+              <a:t>09.02.2022</a:t>
             </a:fld>
             <a:endParaRPr lang="fr-CH" dirty="0"/>
           </a:p>
@@ -1741,7 +1741,7 @@
           <a:p>
             <a:fld id="{6C2D6A15-5615-4C46-908A-BBF3C061BF07}" type="datetime1">
               <a:rPr lang="de-CH" smtClean="0"/>
-              <a:t>07.02.2022</a:t>
+              <a:t>09.02.2022</a:t>
             </a:fld>
             <a:endParaRPr lang="fr-CH" dirty="0"/>
           </a:p>
@@ -1887,7 +1887,7 @@
           <a:p>
             <a:fld id="{7345CE87-CE41-420C-BFE3-A50DE9122969}" type="datetime1">
               <a:rPr lang="de-CH" smtClean="0"/>
-              <a:t>07.02.2022</a:t>
+              <a:t>09.02.2022</a:t>
             </a:fld>
             <a:endParaRPr lang="fr-CH" dirty="0"/>
           </a:p>
@@ -2043,7 +2043,7 @@
           <a:p>
             <a:fld id="{144741D9-BBCD-4A5E-8F75-DB38F8C9223A}" type="datetime1">
               <a:rPr lang="de-CH" smtClean="0"/>
-              <a:t>07.02.2022</a:t>
+              <a:t>09.02.2022</a:t>
             </a:fld>
             <a:endParaRPr lang="fr-CH" dirty="0"/>
           </a:p>
@@ -2230,7 +2230,7 @@
           <a:p>
             <a:fld id="{590323A2-A89B-4232-8144-E1B984358244}" type="datetime1">
               <a:rPr lang="de-CH" smtClean="0"/>
-              <a:t>07.02.2022</a:t>
+              <a:t>09.02.2022</a:t>
             </a:fld>
             <a:endParaRPr lang="fr-CH" dirty="0"/>
           </a:p>
@@ -2370,7 +2370,7 @@
           <a:p>
             <a:fld id="{10E6F3AA-70B5-4C81-B19F-9375D1896B4A}" type="datetime1">
               <a:rPr lang="de-CH" smtClean="0"/>
-              <a:t>07.02.2022</a:t>
+              <a:t>09.02.2022</a:t>
             </a:fld>
             <a:endParaRPr lang="fr-CH" dirty="0"/>
           </a:p>
@@ -2510,7 +2510,7 @@
           <a:p>
             <a:fld id="{4DACBA1C-6C88-462E-B4BF-9929FD547BFF}" type="datetime1">
               <a:rPr lang="de-CH" smtClean="0"/>
-              <a:t>07.02.2022</a:t>
+              <a:t>09.02.2022</a:t>
             </a:fld>
             <a:endParaRPr lang="fr-CH" dirty="0"/>
           </a:p>
@@ -2945,7 +2945,7 @@
           <a:p>
             <a:fld id="{BE2D5AED-D2E5-4683-BA53-CE031DFD36F7}" type="datetime1">
               <a:rPr lang="de-CH" smtClean="0"/>
-              <a:t>07.02.2022</a:t>
+              <a:t>09.02.2022</a:t>
             </a:fld>
             <a:endParaRPr lang="fr-CH" dirty="0"/>
           </a:p>
@@ -3243,7 +3243,7 @@
           <a:p>
             <a:fld id="{2901940B-835C-4E14-9765-B00BA93465B8}" type="datetime1">
               <a:rPr lang="de-CH" smtClean="0"/>
-              <a:t>07.02.2022</a:t>
+              <a:t>09.02.2022</a:t>
             </a:fld>
             <a:endParaRPr lang="fr-CH" dirty="0"/>
           </a:p>
@@ -3579,7 +3579,7 @@
           <a:p>
             <a:fld id="{0ED2030C-75A9-4FAF-B3FB-013DBBD37E56}" type="datetime1">
               <a:rPr lang="de-CH" smtClean="0"/>
-              <a:t>07.02.2022</a:t>
+              <a:t>09.02.2022</a:t>
             </a:fld>
             <a:endParaRPr lang="fr-CH" dirty="0"/>
           </a:p>
@@ -4091,7 +4091,7 @@
           <a:p>
             <a:fld id="{771DE1CA-CDE7-4CB5-8FF3-CFA7C49F3DAC}" type="datetime1">
               <a:rPr lang="de-CH" smtClean="0"/>
-              <a:t>07.02.2022</a:t>
+              <a:t>09.02.2022</a:t>
             </a:fld>
             <a:endParaRPr lang="fr-CH" dirty="0"/>
           </a:p>
@@ -4313,7 +4313,7 @@
           <a:p>
             <a:fld id="{610489CE-FBB6-480E-B489-CE91A0A4A37D}" type="datetime1">
               <a:rPr lang="de-CH" smtClean="0"/>
-              <a:t>07.02.2022</a:t>
+              <a:t>09.02.2022</a:t>
             </a:fld>
             <a:endParaRPr lang="fr-CH" dirty="0"/>
           </a:p>
@@ -4491,7 +4491,7 @@
           <a:p>
             <a:fld id="{647C40AA-CA50-40CE-9CC4-07C3161D2D94}" type="datetime1">
               <a:rPr lang="de-CH" smtClean="0"/>
-              <a:t>07.02.2022</a:t>
+              <a:t>09.02.2022</a:t>
             </a:fld>
             <a:endParaRPr lang="fr-CH" dirty="0"/>
           </a:p>
@@ -4750,7 +4750,7 @@
           <a:p>
             <a:fld id="{97951D55-766C-4073-B6D6-F844DD2AD6BD}" type="datetime1">
               <a:rPr lang="de-CH" smtClean="0"/>
-              <a:t>07.02.2022</a:t>
+              <a:t>09.02.2022</a:t>
             </a:fld>
             <a:endParaRPr lang="fr-CH" dirty="0"/>
           </a:p>
@@ -4898,7 +4898,7 @@
           <a:p>
             <a:fld id="{A494620C-7B72-43D0-9AB8-7532B2719D4E}" type="datetime1">
               <a:rPr lang="de-CH" smtClean="0"/>
-              <a:t>07.02.2022</a:t>
+              <a:t>09.02.2022</a:t>
             </a:fld>
             <a:endParaRPr lang="fr-CH" dirty="0"/>
           </a:p>
@@ -5040,7 +5040,7 @@
           <a:p>
             <a:fld id="{0C485A22-3884-4195-8C09-C1ADD9DB16DA}" type="datetime1">
               <a:rPr lang="de-CH" smtClean="0"/>
-              <a:t>07.02.2022</a:t>
+              <a:t>09.02.2022</a:t>
             </a:fld>
             <a:endParaRPr lang="fr-CH" dirty="0"/>
           </a:p>
@@ -5281,7 +5281,7 @@
           <a:p>
             <a:fld id="{E81CF062-5697-4CAB-A913-E646257F8F9E}" type="datetime1">
               <a:rPr lang="de-CH" smtClean="0"/>
-              <a:t>07.02.2022</a:t>
+              <a:t>09.02.2022</a:t>
             </a:fld>
             <a:endParaRPr lang="fr-CH" dirty="0"/>
           </a:p>
@@ -5657,7 +5657,7 @@
           <a:p>
             <a:fld id="{78FE72B2-31B8-4ABB-B926-99823DABB20B}" type="datetime1">
               <a:rPr lang="de-CH" smtClean="0"/>
-              <a:t>07.02.2022</a:t>
+              <a:t>09.02.2022</a:t>
             </a:fld>
             <a:endParaRPr lang="fr-CH" dirty="0"/>
           </a:p>
@@ -5902,7 +5902,7 @@
           <a:p>
             <a:fld id="{9B14CB66-76A4-4740-A994-08456E8DCAEB}" type="datetime1">
               <a:rPr lang="de-CH" smtClean="0"/>
-              <a:t>07.02.2022</a:t>
+              <a:t>09.02.2022</a:t>
             </a:fld>
             <a:endParaRPr lang="fr-CH" dirty="0"/>
           </a:p>
@@ -6171,7 +6171,7 @@
           <a:p>
             <a:fld id="{1DD2F9DE-E085-465A-AFCD-9143BC0CE701}" type="datetime1">
               <a:rPr lang="de-CH" smtClean="0"/>
-              <a:t>07.02.2022</a:t>
+              <a:t>09.02.2022</a:t>
             </a:fld>
             <a:endParaRPr lang="fr-CH" dirty="0"/>
           </a:p>
@@ -6402,7 +6402,7 @@
           <a:p>
             <a:fld id="{DE81F515-B529-4E53-B041-9174A301693D}" type="datetime1">
               <a:rPr lang="de-CH" smtClean="0"/>
-              <a:t>07.02.2022</a:t>
+              <a:t>09.02.2022</a:t>
             </a:fld>
             <a:endParaRPr lang="fr-CH" dirty="0"/>
           </a:p>
@@ -6679,7 +6679,7 @@
           <a:p>
             <a:fld id="{6766DAFF-4DD6-4136-BB56-356AC4CE71A7}" type="datetime1">
               <a:rPr lang="de-CH" smtClean="0"/>
-              <a:t>07.02.2022</a:t>
+              <a:t>09.02.2022</a:t>
             </a:fld>
             <a:endParaRPr lang="fr-CH" dirty="0"/>
           </a:p>
@@ -6936,7 +6936,7 @@
           <a:p>
             <a:fld id="{86B5E76D-0E3A-401B-B7FA-66C67C98CFE9}" type="datetime1">
               <a:rPr lang="de-CH" smtClean="0"/>
-              <a:t>07.02.2022</a:t>
+              <a:t>09.02.2022</a:t>
             </a:fld>
             <a:endParaRPr lang="fr-CH" dirty="0"/>
           </a:p>
@@ -7137,7 +7137,7 @@
           <a:p>
             <a:fld id="{EEAB6B76-9E8E-4349-8B67-30BA00A05EA6}" type="datetime1">
               <a:rPr lang="de-CH" smtClean="0"/>
-              <a:t>07.02.2022</a:t>
+              <a:t>09.02.2022</a:t>
             </a:fld>
             <a:endParaRPr lang="fr-CH" dirty="0"/>
           </a:p>
@@ -7402,7 +7402,7 @@
           <a:p>
             <a:fld id="{01FAA826-5F5E-4E1E-AAE4-E43658568A6E}" type="datetime1">
               <a:rPr lang="de-CH" smtClean="0"/>
-              <a:t>07.02.2022</a:t>
+              <a:t>09.02.2022</a:t>
             </a:fld>
             <a:endParaRPr lang="fr-CH" dirty="0"/>
           </a:p>
@@ -8108,8 +8108,8 @@
         </p:blipFill>
         <p:spPr>
           <a:xfrm>
-            <a:off x="767408" y="2636912"/>
-            <a:ext cx="5076825" cy="2905125"/>
+            <a:off x="1703512" y="2564904"/>
+            <a:ext cx="6291846" cy="3600400"/>
           </a:xfrm>
           <a:prstGeom prst="rect">
             <a:avLst/>
@@ -8164,7 +8164,7 @@
           <a:p>
             <a:fld id="{9968C99E-1E27-4D09-BCD4-A3391F8E8EE9}" type="datetime1">
               <a:rPr lang="de-CH" smtClean="0"/>
-              <a:t>07.02.2022</a:t>
+              <a:t>09.02.2022</a:t>
             </a:fld>
             <a:endParaRPr lang="fr-CH" dirty="0"/>
           </a:p>
@@ -8232,7 +8232,12 @@
             <p:ph idx="1"/>
           </p:nvPr>
         </p:nvSpPr>
-        <p:spPr/>
+        <p:spPr>
+          <a:xfrm>
+            <a:off x="542925" y="1273296"/>
+            <a:ext cx="6777212" cy="4532192"/>
+          </a:xfrm>
+        </p:spPr>
         <p:txBody>
           <a:bodyPr/>
           <a:lstStyle/>
@@ -8424,8 +8429,8 @@
         </p:nvSpPr>
         <p:spPr>
           <a:xfrm>
-            <a:off x="911424" y="2852936"/>
-            <a:ext cx="1368152" cy="255391"/>
+            <a:off x="1885937" y="2835285"/>
+            <a:ext cx="1451576" cy="255391"/>
           </a:xfrm>
           <a:prstGeom prst="rect">
             <a:avLst/>
@@ -8470,8 +8475,8 @@
         </p:nvSpPr>
         <p:spPr>
           <a:xfrm>
-            <a:off x="911424" y="4124140"/>
-            <a:ext cx="1368152" cy="255391"/>
+            <a:off x="1885937" y="4449473"/>
+            <a:ext cx="1451576" cy="255391"/>
           </a:xfrm>
           <a:prstGeom prst="rect">
             <a:avLst/>
@@ -8606,7 +8611,7 @@
           <a:p>
             <a:fld id="{4C38BF51-FD12-4780-9282-8B4B82423C53}" type="datetime1">
               <a:rPr lang="de-CH" smtClean="0"/>
-              <a:t>07.02.2022</a:t>
+              <a:t>09.02.2022</a:t>
             </a:fld>
             <a:endParaRPr lang="fr-CH" dirty="0"/>
           </a:p>
@@ -9434,7 +9439,7 @@
           <a:p>
             <a:fld id="{76AA5BC4-8BF6-4DDD-B3E1-1D2BF7222D22}" type="datetime1">
               <a:rPr lang="de-CH" smtClean="0"/>
-              <a:t>07.02.2022</a:t>
+              <a:t>09.02.2022</a:t>
             </a:fld>
             <a:endParaRPr lang="fr-CH" dirty="0"/>
           </a:p>
@@ -9786,7 +9791,7 @@
         <p:spPr>
           <a:xfrm>
             <a:off x="586297" y="3386138"/>
-            <a:ext cx="8048625" cy="2419350"/>
+            <a:ext cx="9006096" cy="2707158"/>
           </a:xfrm>
           <a:prstGeom prst="rect">
             <a:avLst/>
@@ -9853,6 +9858,36 @@
           </a:prstGeom>
         </p:spPr>
       </p:pic>
+      <p:pic>
+        <p:nvPicPr>
+          <p:cNvPr id="12" name="Grafik 11">
+            <a:extLst>
+              <a:ext uri="{FF2B5EF4-FFF2-40B4-BE49-F238E27FC236}">
+                <a16:creationId xmlns:a16="http://schemas.microsoft.com/office/drawing/2014/main" id="{33035CD4-5616-49C0-B38F-2B2578428F25}"/>
+              </a:ext>
+            </a:extLst>
+          </p:cNvPr>
+          <p:cNvPicPr>
+            <a:picLocks noChangeAspect="1"/>
+          </p:cNvPicPr>
+          <p:nvPr/>
+        </p:nvPicPr>
+        <p:blipFill>
+          <a:blip r:embed="rId3"/>
+          <a:stretch>
+            <a:fillRect/>
+          </a:stretch>
+        </p:blipFill>
+        <p:spPr>
+          <a:xfrm>
+            <a:off x="2079012" y="3328583"/>
+            <a:ext cx="1358970" cy="1358970"/>
+          </a:xfrm>
+          <a:prstGeom prst="rect">
+            <a:avLst/>
+          </a:prstGeom>
+        </p:spPr>
+      </p:pic>
       <p:sp>
         <p:nvSpPr>
           <p:cNvPr id="2" name="Title 1"/>
@@ -9917,7 +9952,7 @@
           <a:p>
             <a:fld id="{1AB4C5C6-AF87-45AC-AA88-6A0A0087A591}" type="datetime1">
               <a:rPr lang="de-CH" smtClean="0"/>
-              <a:t>07.02.2022</a:t>
+              <a:t>09.02.2022</a:t>
             </a:fld>
             <a:endParaRPr lang="fr-CH" dirty="0"/>
           </a:p>
@@ -10491,36 +10526,6 @@
           </a:p>
         </p:txBody>
       </p:sp>
-      <p:pic>
-        <p:nvPicPr>
-          <p:cNvPr id="15" name="Grafik 14">
-            <a:extLst>
-              <a:ext uri="{FF2B5EF4-FFF2-40B4-BE49-F238E27FC236}">
-                <a16:creationId xmlns:a16="http://schemas.microsoft.com/office/drawing/2014/main" id="{3D537F2E-8892-418B-8326-A1CAEBC30B26}"/>
-              </a:ext>
-            </a:extLst>
-          </p:cNvPr>
-          <p:cNvPicPr>
-            <a:picLocks noChangeAspect="1"/>
-          </p:cNvPicPr>
-          <p:nvPr/>
-        </p:nvPicPr>
-        <p:blipFill>
-          <a:blip r:embed="rId3"/>
-          <a:stretch>
-            <a:fillRect/>
-          </a:stretch>
-        </p:blipFill>
-        <p:spPr>
-          <a:xfrm>
-            <a:off x="2083912" y="3824130"/>
-            <a:ext cx="1781175" cy="1200150"/>
-          </a:xfrm>
-          <a:prstGeom prst="rect">
-            <a:avLst/>
-          </a:prstGeom>
-        </p:spPr>
-      </p:pic>
       <p:cxnSp>
         <p:nvCxnSpPr>
           <p:cNvPr id="17" name="Gerade Verbindung mit Pfeil 16">
@@ -10611,8 +10616,8 @@
         </p:nvCxnSpPr>
         <p:spPr>
           <a:xfrm>
-            <a:off x="2823079" y="4178126"/>
-            <a:ext cx="764372" cy="330994"/>
+            <a:off x="3182950" y="4120534"/>
+            <a:ext cx="404501" cy="244570"/>
           </a:xfrm>
           <a:prstGeom prst="straightConnector1">
             <a:avLst/>
@@ -10815,7 +10820,7 @@
           <a:p>
             <a:fld id="{F3F6CB59-E58D-41F2-8112-AD0E20BFAE57}" type="datetime1">
               <a:rPr lang="de-CH" smtClean="0"/>
-              <a:t>07.02.2022</a:t>
+              <a:t>09.02.2022</a:t>
             </a:fld>
             <a:endParaRPr lang="fr-CH" dirty="0"/>
           </a:p>
@@ -11126,8 +11131,50 @@
                 </a:solidFill>
                 <a:cs typeface="Courier New" panose="02070309020205020404" pitchFamily="49" charset="0"/>
               </a:rPr>
-              <a:t> 2</a:t>
-            </a:r>
+              <a:t> 2 (</a:t>
+            </a:r>
+            <a:r>
+              <a:rPr lang="de-CH" dirty="0" err="1">
+                <a:solidFill>
+                  <a:srgbClr val="C00000"/>
+                </a:solidFill>
+                <a:cs typeface="Courier New" panose="02070309020205020404" pitchFamily="49" charset="0"/>
+              </a:rPr>
+              <a:t>copy</a:t>
+            </a:r>
+            <a:r>
+              <a:rPr lang="de-CH" dirty="0">
+                <a:solidFill>
+                  <a:srgbClr val="C00000"/>
+                </a:solidFill>
+                <a:cs typeface="Courier New" panose="02070309020205020404" pitchFamily="49" charset="0"/>
+              </a:rPr>
+              <a:t> </a:t>
+            </a:r>
+            <a:r>
+              <a:rPr lang="de-CH" dirty="0" err="1">
+                <a:solidFill>
+                  <a:srgbClr val="C00000"/>
+                </a:solidFill>
+                <a:cs typeface="Courier New" panose="02070309020205020404" pitchFamily="49" charset="0"/>
+              </a:rPr>
+              <a:t>to</a:t>
+            </a:r>
+            <a:r>
+              <a:rPr lang="de-CH">
+                <a:solidFill>
+                  <a:srgbClr val="C00000"/>
+                </a:solidFill>
+                <a:cs typeface="Courier New" panose="02070309020205020404" pitchFamily="49" charset="0"/>
+              </a:rPr>
+              <a:t> R)</a:t>
+            </a:r>
+            <a:endParaRPr lang="de-CH" dirty="0">
+              <a:solidFill>
+                <a:srgbClr val="C00000"/>
+              </a:solidFill>
+              <a:cs typeface="Courier New" panose="02070309020205020404" pitchFamily="49" charset="0"/>
+            </a:endParaRPr>
           </a:p>
           <a:p>
             <a:pPr marL="0" indent="0">
@@ -11551,7 +11598,7 @@
           <a:p>
             <a:fld id="{5BFE5645-FFB5-47FD-B669-EE82B30CEDEC}" type="datetime1">
               <a:rPr lang="de-CH" smtClean="0"/>
-              <a:t>07.02.2022</a:t>
+              <a:t>09.02.2022</a:t>
             </a:fld>
             <a:endParaRPr lang="fr-CH" dirty="0"/>
           </a:p>
@@ -11962,31 +12009,43 @@
               <a:rPr lang="de-CH" dirty="0" err="1">
                 <a:cs typeface="Courier New" panose="02070309020205020404" pitchFamily="49" charset="0"/>
               </a:rPr>
-              <a:t>every</a:t>
+              <a:t>your</a:t>
             </a:r>
             <a:r>
               <a:rPr lang="de-CH" dirty="0">
                 <a:cs typeface="Courier New" panose="02070309020205020404" pitchFamily="49" charset="0"/>
               </a:rPr>
+              <a:t> R </a:t>
+            </a:r>
+            <a:r>
+              <a:rPr lang="de-CH" dirty="0" err="1">
+                <a:cs typeface="Courier New" panose="02070309020205020404" pitchFamily="49" charset="0"/>
+              </a:rPr>
+              <a:t>functions</a:t>
+            </a:r>
+            <a:r>
+              <a:rPr lang="de-CH" dirty="0">
+                <a:cs typeface="Courier New" panose="02070309020205020404" pitchFamily="49" charset="0"/>
+              </a:rPr>
               <a:t> </a:t>
             </a:r>
             <a:r>
               <a:rPr lang="de-CH" dirty="0" err="1">
                 <a:cs typeface="Courier New" panose="02070309020205020404" pitchFamily="49" charset="0"/>
               </a:rPr>
-              <a:t>important</a:t>
+              <a:t>into</a:t>
             </a:r>
             <a:r>
               <a:rPr lang="de-CH" dirty="0">
                 <a:cs typeface="Courier New" panose="02070309020205020404" pitchFamily="49" charset="0"/>
               </a:rPr>
-              <a:t> R </a:t>
+              <a:t> </a:t>
             </a:r>
             <a:r>
               <a:rPr lang="de-CH" dirty="0" err="1">
                 <a:cs typeface="Courier New" panose="02070309020205020404" pitchFamily="49" charset="0"/>
               </a:rPr>
-              <a:t>function</a:t>
+              <a:t>one</a:t>
             </a:r>
             <a:r>
               <a:rPr lang="de-CH" dirty="0">
@@ -11998,57 +12057,45 @@
               <a:rPr lang="de-CH" dirty="0" err="1">
                 <a:cs typeface="Courier New" panose="02070309020205020404" pitchFamily="49" charset="0"/>
               </a:rPr>
-              <a:t>into</a:t>
+              <a:t>or</a:t>
             </a:r>
             <a:r>
               <a:rPr lang="de-CH" dirty="0">
                 <a:cs typeface="Courier New" panose="02070309020205020404" pitchFamily="49" charset="0"/>
               </a:rPr>
+              <a:t> multiple R </a:t>
+            </a:r>
+            <a:r>
+              <a:rPr lang="de-CH" dirty="0" err="1">
+                <a:cs typeface="Courier New" panose="02070309020205020404" pitchFamily="49" charset="0"/>
+              </a:rPr>
+              <a:t>scripts</a:t>
+            </a:r>
+            <a:r>
+              <a:rPr lang="de-CH" dirty="0">
+                <a:cs typeface="Courier New" panose="02070309020205020404" pitchFamily="49" charset="0"/>
+              </a:rPr>
+              <a:t>.</a:t>
+            </a:r>
+          </a:p>
+          <a:p>
+            <a:r>
+              <a:rPr lang="de-CH" dirty="0" err="1">
+                <a:cs typeface="Courier New" panose="02070309020205020404" pitchFamily="49" charset="0"/>
+              </a:rPr>
+              <a:t>Document</a:t>
+            </a:r>
+            <a:r>
+              <a:rPr lang="de-CH" dirty="0">
+                <a:cs typeface="Courier New" panose="02070309020205020404" pitchFamily="49" charset="0"/>
+              </a:rPr>
               <a:t> </a:t>
             </a:r>
             <a:r>
               <a:rPr lang="de-CH" dirty="0" err="1">
                 <a:cs typeface="Courier New" panose="02070309020205020404" pitchFamily="49" charset="0"/>
               </a:rPr>
-              <a:t>its</a:t>
-            </a:r>
-            <a:r>
-              <a:rPr lang="de-CH" dirty="0">
-                <a:cs typeface="Courier New" panose="02070309020205020404" pitchFamily="49" charset="0"/>
-              </a:rPr>
-              <a:t> own R </a:t>
-            </a:r>
-            <a:r>
-              <a:rPr lang="de-CH" dirty="0" err="1">
-                <a:cs typeface="Courier New" panose="02070309020205020404" pitchFamily="49" charset="0"/>
-              </a:rPr>
-              <a:t>script</a:t>
-            </a:r>
-            <a:r>
-              <a:rPr lang="de-CH" dirty="0">
-                <a:cs typeface="Courier New" panose="02070309020205020404" pitchFamily="49" charset="0"/>
-              </a:rPr>
-              <a:t>.</a:t>
-            </a:r>
-          </a:p>
-          <a:p>
-            <a:r>
-              <a:rPr lang="de-CH" dirty="0" err="1">
-                <a:cs typeface="Courier New" panose="02070309020205020404" pitchFamily="49" charset="0"/>
-              </a:rPr>
-              <a:t>Document</a:t>
-            </a:r>
-            <a:r>
-              <a:rPr lang="de-CH" dirty="0">
-                <a:cs typeface="Courier New" panose="02070309020205020404" pitchFamily="49" charset="0"/>
-              </a:rPr>
-              <a:t> </a:t>
-            </a:r>
-            <a:r>
-              <a:rPr lang="de-CH" dirty="0" err="1">
-                <a:cs typeface="Courier New" panose="02070309020205020404" pitchFamily="49" charset="0"/>
-              </a:rPr>
-              <a:t>it</a:t>
+              <a:t>them</a:t>
             </a:r>
             <a:r>
               <a:rPr lang="de-CH" dirty="0">
@@ -12346,7 +12393,7 @@
           <a:p>
             <a:fld id="{AC5354E2-64B9-4772-9397-C2841773751B}" type="datetime1">
               <a:rPr lang="de-CH" smtClean="0"/>
-              <a:t>07.02.2022</a:t>
+              <a:t>09.02.2022</a:t>
             </a:fld>
             <a:endParaRPr lang="fr-CH" dirty="0"/>
           </a:p>
@@ -12544,7 +12591,7 @@
         <p:spPr>
           <a:xfrm>
             <a:off x="548221" y="3792314"/>
-            <a:ext cx="3090590" cy="1124860"/>
+            <a:ext cx="4577600" cy="811825"/>
           </a:xfrm>
           <a:prstGeom prst="rect">
             <a:avLst/>
@@ -12568,59 +12615,8 @@
                   <a:srgbClr val="C00000"/>
                 </a:solidFill>
               </a:rPr>
-              <a:t>Test </a:t>
-            </a:r>
-            <a:r>
-              <a:rPr lang="fr-CH" sz="3200" dirty="0" err="1">
-                <a:solidFill>
-                  <a:srgbClr val="C00000"/>
-                </a:solidFill>
-              </a:rPr>
-              <a:t>it!</a:t>
-            </a:r>
-            <a:endParaRPr lang="fr-CH" sz="3200" dirty="0">
-              <a:solidFill>
-                <a:srgbClr val="C00000"/>
-              </a:solidFill>
-            </a:endParaRPr>
-          </a:p>
-          <a:p>
-            <a:pPr>
-              <a:lnSpc>
-                <a:spcPct val="113000"/>
-              </a:lnSpc>
-            </a:pPr>
-            <a:r>
-              <a:rPr lang="fr-CH" sz="1800" dirty="0">
-                <a:solidFill>
-                  <a:srgbClr val="C00000"/>
-                </a:solidFill>
-              </a:rPr>
-              <a:t>(Google and Michael </a:t>
-            </a:r>
-            <a:r>
-              <a:rPr lang="fr-CH" sz="1800" dirty="0" err="1">
-                <a:solidFill>
-                  <a:srgbClr val="C00000"/>
-                </a:solidFill>
-              </a:rPr>
-              <a:t>will</a:t>
-            </a:r>
-            <a:r>
-              <a:rPr lang="fr-CH" sz="1800" dirty="0">
-                <a:solidFill>
-                  <a:srgbClr val="C00000"/>
-                </a:solidFill>
-              </a:rPr>
-              <a:t> help)</a:t>
-            </a:r>
-            <a:endParaRPr lang="de-CH" sz="1800" dirty="0">
-              <a:solidFill>
-                <a:srgbClr val="C00000"/>
-              </a:solidFill>
-              <a:latin typeface="Courier New" panose="02070309020205020404" pitchFamily="49" charset="0"/>
-              <a:cs typeface="Courier New" panose="02070309020205020404" pitchFamily="49" charset="0"/>
-            </a:endParaRPr>
+              <a:t>Test with your own code!</a:t>
+            </a:r>
           </a:p>
           <a:p>
             <a:pPr>
@@ -12646,8 +12642,8 @@
         </p:nvSpPr>
         <p:spPr>
           <a:xfrm>
-            <a:off x="407368" y="2923425"/>
-            <a:ext cx="6096000" cy="343620"/>
+            <a:off x="479071" y="2860372"/>
+            <a:ext cx="6096000" cy="594906"/>
           </a:xfrm>
           <a:prstGeom prst="rect">
             <a:avLst/>
@@ -12675,6 +12671,54 @@
               <a:t>https://github.com/mayer79/apero</a:t>
             </a:r>
             <a:endParaRPr lang="de-CH" dirty="0"/>
+          </a:p>
+          <a:p>
+            <a:r>
+              <a:rPr lang="en-US" dirty="0" err="1">
+                <a:latin typeface="Courier New" panose="02070309020205020404" pitchFamily="49" charset="0"/>
+                <a:cs typeface="Courier New" panose="02070309020205020404" pitchFamily="49" charset="0"/>
+              </a:rPr>
+              <a:t>devtools</a:t>
+            </a:r>
+            <a:r>
+              <a:rPr lang="en-US" dirty="0">
+                <a:latin typeface="Courier New" panose="02070309020205020404" pitchFamily="49" charset="0"/>
+                <a:cs typeface="Courier New" panose="02070309020205020404" pitchFamily="49" charset="0"/>
+              </a:rPr>
+              <a:t>::</a:t>
+            </a:r>
+            <a:r>
+              <a:rPr lang="en-US" dirty="0" err="1">
+                <a:latin typeface="Courier New" panose="02070309020205020404" pitchFamily="49" charset="0"/>
+                <a:cs typeface="Courier New" panose="02070309020205020404" pitchFamily="49" charset="0"/>
+              </a:rPr>
+              <a:t>install_github</a:t>
+            </a:r>
+            <a:r>
+              <a:rPr lang="en-US" dirty="0">
+                <a:latin typeface="Courier New" panose="02070309020205020404" pitchFamily="49" charset="0"/>
+                <a:cs typeface="Courier New" panose="02070309020205020404" pitchFamily="49" charset="0"/>
+              </a:rPr>
+              <a:t>("mayer79/</a:t>
+            </a:r>
+            <a:r>
+              <a:rPr lang="en-US" dirty="0" err="1">
+                <a:latin typeface="Courier New" panose="02070309020205020404" pitchFamily="49" charset="0"/>
+                <a:cs typeface="Courier New" panose="02070309020205020404" pitchFamily="49" charset="0"/>
+              </a:rPr>
+              <a:t>apero</a:t>
+            </a:r>
+            <a:r>
+              <a:rPr lang="en-US" dirty="0">
+                <a:latin typeface="Courier New" panose="02070309020205020404" pitchFamily="49" charset="0"/>
+                <a:cs typeface="Courier New" panose="02070309020205020404" pitchFamily="49" charset="0"/>
+              </a:rPr>
+              <a:t>")</a:t>
+            </a:r>
+            <a:endParaRPr lang="de-CH" dirty="0">
+              <a:latin typeface="Courier New" panose="02070309020205020404" pitchFamily="49" charset="0"/>
+              <a:cs typeface="Courier New" panose="02070309020205020404" pitchFamily="49" charset="0"/>
+            </a:endParaRPr>
           </a:p>
         </p:txBody>
       </p:sp>
@@ -12733,9 +12777,12 @@
           </a:p>
           <a:p>
             <a:r>
-              <a:rPr lang="de-CH" dirty="0"/>
+              <a:rPr lang="de-CH" dirty="0">
+                <a:hlinkClick r:id="rId3"/>
+              </a:rPr>
               <a:t>https://r-pkgs.org/</a:t>
             </a:r>
+            <a:endParaRPr lang="de-CH" dirty="0"/>
           </a:p>
         </p:txBody>
       </p:sp>
@@ -12754,7 +12801,7 @@
           <p:nvPr/>
         </p:nvPicPr>
         <p:blipFill>
-          <a:blip r:embed="rId3">
+          <a:blip r:embed="rId4">
             <a:extLst>
               <a:ext uri="{28A0092B-C50C-407E-A947-70E740481C1C}">
                 <a14:useLocalDpi xmlns:a14="http://schemas.microsoft.com/office/drawing/2010/main" val="0"/>

--- a/RPackage_en.pptx
+++ b/RPackage_en.pptx
@@ -228,7 +228,7 @@
               <a:rPr lang="de-CH" smtClean="0">
                 <a:latin typeface="Arial" panose="020B0604020202020204" pitchFamily="34" charset="0"/>
               </a:rPr>
-              <a:t>09.02.2022</a:t>
+              <a:t>11.02.2022</a:t>
             </a:fld>
             <a:endParaRPr lang="de-CH" dirty="0">
               <a:latin typeface="Arial" panose="020B0604020202020204" pitchFamily="34" charset="0"/>
@@ -406,7 +406,7 @@
             <a:fld id="{5991B98F-1650-405D-9DF5-D564DF2E9405}" type="datetimeFigureOut">
               <a:rPr lang="de-CH" smtClean="0"/>
               <a:pPr/>
-              <a:t>09.02.2022</a:t>
+              <a:t>11.02.2022</a:t>
             </a:fld>
             <a:endParaRPr lang="de-CH" dirty="0"/>
           </a:p>
@@ -937,7 +937,7 @@
           <a:p>
             <a:fld id="{E740862B-F753-4A74-A9C3-E9DDA495171F}" type="datetime1">
               <a:rPr lang="de-CH" smtClean="0"/>
-              <a:t>09.02.2022</a:t>
+              <a:t>11.02.2022</a:t>
             </a:fld>
             <a:endParaRPr lang="fr-CH" dirty="0"/>
           </a:p>
@@ -1138,7 +1138,7 @@
           <a:p>
             <a:fld id="{322A823A-C061-4C09-A423-1C486B957565}" type="datetime1">
               <a:rPr lang="de-CH" smtClean="0"/>
-              <a:t>09.02.2022</a:t>
+              <a:t>11.02.2022</a:t>
             </a:fld>
             <a:endParaRPr lang="fr-CH" dirty="0"/>
           </a:p>
@@ -1339,7 +1339,7 @@
           <a:p>
             <a:fld id="{6F40CD7E-2D4A-4D7A-843D-6D90BA790C77}" type="datetime1">
               <a:rPr lang="de-CH" smtClean="0"/>
-              <a:t>09.02.2022</a:t>
+              <a:t>11.02.2022</a:t>
             </a:fld>
             <a:endParaRPr lang="fr-CH" dirty="0"/>
           </a:p>
@@ -1540,7 +1540,7 @@
           <a:p>
             <a:fld id="{1964E26F-0851-4BD7-828A-DDF163727273}" type="datetime1">
               <a:rPr lang="de-CH" smtClean="0"/>
-              <a:t>09.02.2022</a:t>
+              <a:t>11.02.2022</a:t>
             </a:fld>
             <a:endParaRPr lang="fr-CH" dirty="0"/>
           </a:p>
@@ -1741,7 +1741,7 @@
           <a:p>
             <a:fld id="{6C2D6A15-5615-4C46-908A-BBF3C061BF07}" type="datetime1">
               <a:rPr lang="de-CH" smtClean="0"/>
-              <a:t>09.02.2022</a:t>
+              <a:t>11.02.2022</a:t>
             </a:fld>
             <a:endParaRPr lang="fr-CH" dirty="0"/>
           </a:p>
@@ -1887,7 +1887,7 @@
           <a:p>
             <a:fld id="{7345CE87-CE41-420C-BFE3-A50DE9122969}" type="datetime1">
               <a:rPr lang="de-CH" smtClean="0"/>
-              <a:t>09.02.2022</a:t>
+              <a:t>11.02.2022</a:t>
             </a:fld>
             <a:endParaRPr lang="fr-CH" dirty="0"/>
           </a:p>
@@ -2043,7 +2043,7 @@
           <a:p>
             <a:fld id="{144741D9-BBCD-4A5E-8F75-DB38F8C9223A}" type="datetime1">
               <a:rPr lang="de-CH" smtClean="0"/>
-              <a:t>09.02.2022</a:t>
+              <a:t>11.02.2022</a:t>
             </a:fld>
             <a:endParaRPr lang="fr-CH" dirty="0"/>
           </a:p>
@@ -2230,7 +2230,7 @@
           <a:p>
             <a:fld id="{590323A2-A89B-4232-8144-E1B984358244}" type="datetime1">
               <a:rPr lang="de-CH" smtClean="0"/>
-              <a:t>09.02.2022</a:t>
+              <a:t>11.02.2022</a:t>
             </a:fld>
             <a:endParaRPr lang="fr-CH" dirty="0"/>
           </a:p>
@@ -2370,7 +2370,7 @@
           <a:p>
             <a:fld id="{10E6F3AA-70B5-4C81-B19F-9375D1896B4A}" type="datetime1">
               <a:rPr lang="de-CH" smtClean="0"/>
-              <a:t>09.02.2022</a:t>
+              <a:t>11.02.2022</a:t>
             </a:fld>
             <a:endParaRPr lang="fr-CH" dirty="0"/>
           </a:p>
@@ -2510,7 +2510,7 @@
           <a:p>
             <a:fld id="{4DACBA1C-6C88-462E-B4BF-9929FD547BFF}" type="datetime1">
               <a:rPr lang="de-CH" smtClean="0"/>
-              <a:t>09.02.2022</a:t>
+              <a:t>11.02.2022</a:t>
             </a:fld>
             <a:endParaRPr lang="fr-CH" dirty="0"/>
           </a:p>
@@ -2945,7 +2945,7 @@
           <a:p>
             <a:fld id="{BE2D5AED-D2E5-4683-BA53-CE031DFD36F7}" type="datetime1">
               <a:rPr lang="de-CH" smtClean="0"/>
-              <a:t>09.02.2022</a:t>
+              <a:t>11.02.2022</a:t>
             </a:fld>
             <a:endParaRPr lang="fr-CH" dirty="0"/>
           </a:p>
@@ -3243,7 +3243,7 @@
           <a:p>
             <a:fld id="{2901940B-835C-4E14-9765-B00BA93465B8}" type="datetime1">
               <a:rPr lang="de-CH" smtClean="0"/>
-              <a:t>09.02.2022</a:t>
+              <a:t>11.02.2022</a:t>
             </a:fld>
             <a:endParaRPr lang="fr-CH" dirty="0"/>
           </a:p>
@@ -3579,7 +3579,7 @@
           <a:p>
             <a:fld id="{0ED2030C-75A9-4FAF-B3FB-013DBBD37E56}" type="datetime1">
               <a:rPr lang="de-CH" smtClean="0"/>
-              <a:t>09.02.2022</a:t>
+              <a:t>11.02.2022</a:t>
             </a:fld>
             <a:endParaRPr lang="fr-CH" dirty="0"/>
           </a:p>
@@ -4091,7 +4091,7 @@
           <a:p>
             <a:fld id="{771DE1CA-CDE7-4CB5-8FF3-CFA7C49F3DAC}" type="datetime1">
               <a:rPr lang="de-CH" smtClean="0"/>
-              <a:t>09.02.2022</a:t>
+              <a:t>11.02.2022</a:t>
             </a:fld>
             <a:endParaRPr lang="fr-CH" dirty="0"/>
           </a:p>
@@ -4313,7 +4313,7 @@
           <a:p>
             <a:fld id="{610489CE-FBB6-480E-B489-CE91A0A4A37D}" type="datetime1">
               <a:rPr lang="de-CH" smtClean="0"/>
-              <a:t>09.02.2022</a:t>
+              <a:t>11.02.2022</a:t>
             </a:fld>
             <a:endParaRPr lang="fr-CH" dirty="0"/>
           </a:p>
@@ -4491,7 +4491,7 @@
           <a:p>
             <a:fld id="{647C40AA-CA50-40CE-9CC4-07C3161D2D94}" type="datetime1">
               <a:rPr lang="de-CH" smtClean="0"/>
-              <a:t>09.02.2022</a:t>
+              <a:t>11.02.2022</a:t>
             </a:fld>
             <a:endParaRPr lang="fr-CH" dirty="0"/>
           </a:p>
@@ -4750,7 +4750,7 @@
           <a:p>
             <a:fld id="{97951D55-766C-4073-B6D6-F844DD2AD6BD}" type="datetime1">
               <a:rPr lang="de-CH" smtClean="0"/>
-              <a:t>09.02.2022</a:t>
+              <a:t>11.02.2022</a:t>
             </a:fld>
             <a:endParaRPr lang="fr-CH" dirty="0"/>
           </a:p>
@@ -4898,7 +4898,7 @@
           <a:p>
             <a:fld id="{A494620C-7B72-43D0-9AB8-7532B2719D4E}" type="datetime1">
               <a:rPr lang="de-CH" smtClean="0"/>
-              <a:t>09.02.2022</a:t>
+              <a:t>11.02.2022</a:t>
             </a:fld>
             <a:endParaRPr lang="fr-CH" dirty="0"/>
           </a:p>
@@ -5040,7 +5040,7 @@
           <a:p>
             <a:fld id="{0C485A22-3884-4195-8C09-C1ADD9DB16DA}" type="datetime1">
               <a:rPr lang="de-CH" smtClean="0"/>
-              <a:t>09.02.2022</a:t>
+              <a:t>11.02.2022</a:t>
             </a:fld>
             <a:endParaRPr lang="fr-CH" dirty="0"/>
           </a:p>
@@ -5281,7 +5281,7 @@
           <a:p>
             <a:fld id="{E81CF062-5697-4CAB-A913-E646257F8F9E}" type="datetime1">
               <a:rPr lang="de-CH" smtClean="0"/>
-              <a:t>09.02.2022</a:t>
+              <a:t>11.02.2022</a:t>
             </a:fld>
             <a:endParaRPr lang="fr-CH" dirty="0"/>
           </a:p>
@@ -5657,7 +5657,7 @@
           <a:p>
             <a:fld id="{78FE72B2-31B8-4ABB-B926-99823DABB20B}" type="datetime1">
               <a:rPr lang="de-CH" smtClean="0"/>
-              <a:t>09.02.2022</a:t>
+              <a:t>11.02.2022</a:t>
             </a:fld>
             <a:endParaRPr lang="fr-CH" dirty="0"/>
           </a:p>
@@ -5902,7 +5902,7 @@
           <a:p>
             <a:fld id="{9B14CB66-76A4-4740-A994-08456E8DCAEB}" type="datetime1">
               <a:rPr lang="de-CH" smtClean="0"/>
-              <a:t>09.02.2022</a:t>
+              <a:t>11.02.2022</a:t>
             </a:fld>
             <a:endParaRPr lang="fr-CH" dirty="0"/>
           </a:p>
@@ -6171,7 +6171,7 @@
           <a:p>
             <a:fld id="{1DD2F9DE-E085-465A-AFCD-9143BC0CE701}" type="datetime1">
               <a:rPr lang="de-CH" smtClean="0"/>
-              <a:t>09.02.2022</a:t>
+              <a:t>11.02.2022</a:t>
             </a:fld>
             <a:endParaRPr lang="fr-CH" dirty="0"/>
           </a:p>
@@ -6402,7 +6402,7 @@
           <a:p>
             <a:fld id="{DE81F515-B529-4E53-B041-9174A301693D}" type="datetime1">
               <a:rPr lang="de-CH" smtClean="0"/>
-              <a:t>09.02.2022</a:t>
+              <a:t>11.02.2022</a:t>
             </a:fld>
             <a:endParaRPr lang="fr-CH" dirty="0"/>
           </a:p>
@@ -6679,7 +6679,7 @@
           <a:p>
             <a:fld id="{6766DAFF-4DD6-4136-BB56-356AC4CE71A7}" type="datetime1">
               <a:rPr lang="de-CH" smtClean="0"/>
-              <a:t>09.02.2022</a:t>
+              <a:t>11.02.2022</a:t>
             </a:fld>
             <a:endParaRPr lang="fr-CH" dirty="0"/>
           </a:p>
@@ -6936,7 +6936,7 @@
           <a:p>
             <a:fld id="{86B5E76D-0E3A-401B-B7FA-66C67C98CFE9}" type="datetime1">
               <a:rPr lang="de-CH" smtClean="0"/>
-              <a:t>09.02.2022</a:t>
+              <a:t>11.02.2022</a:t>
             </a:fld>
             <a:endParaRPr lang="fr-CH" dirty="0"/>
           </a:p>
@@ -7137,7 +7137,7 @@
           <a:p>
             <a:fld id="{EEAB6B76-9E8E-4349-8B67-30BA00A05EA6}" type="datetime1">
               <a:rPr lang="de-CH" smtClean="0"/>
-              <a:t>09.02.2022</a:t>
+              <a:t>11.02.2022</a:t>
             </a:fld>
             <a:endParaRPr lang="fr-CH" dirty="0"/>
           </a:p>
@@ -7402,7 +7402,7 @@
           <a:p>
             <a:fld id="{01FAA826-5F5E-4E1E-AAE4-E43658568A6E}" type="datetime1">
               <a:rPr lang="de-CH" smtClean="0"/>
-              <a:t>09.02.2022</a:t>
+              <a:t>11.02.2022</a:t>
             </a:fld>
             <a:endParaRPr lang="fr-CH" dirty="0"/>
           </a:p>
@@ -8086,12 +8086,311 @@
           <a:chExt cx="0" cy="0"/>
         </a:xfrm>
       </p:grpSpPr>
+      <p:sp>
+        <p:nvSpPr>
+          <p:cNvPr id="2" name="Title 1"/>
+          <p:cNvSpPr>
+            <a:spLocks noGrp="1"/>
+          </p:cNvSpPr>
+          <p:nvPr>
+            <p:ph type="title"/>
+          </p:nvPr>
+        </p:nvSpPr>
+        <p:spPr>
+          <a:xfrm>
+            <a:off x="542922" y="410368"/>
+            <a:ext cx="9275765" cy="862928"/>
+          </a:xfrm>
+        </p:spPr>
+        <p:txBody>
+          <a:bodyPr/>
+          <a:lstStyle/>
+          <a:p>
+            <a:r>
+              <a:rPr lang="fr-CH" dirty="0" err="1"/>
+              <a:t>Functions</a:t>
+            </a:r>
+            <a:r>
+              <a:rPr lang="fr-CH" dirty="0"/>
+              <a:t> are the Basis of R</a:t>
+            </a:r>
+          </a:p>
+        </p:txBody>
+      </p:sp>
+      <p:sp>
+        <p:nvSpPr>
+          <p:cNvPr id="4" name="Date Placeholder 3"/>
+          <p:cNvSpPr>
+            <a:spLocks noGrp="1"/>
+          </p:cNvSpPr>
+          <p:nvPr>
+            <p:ph type="dt" sz="half" idx="10"/>
+          </p:nvPr>
+        </p:nvSpPr>
+        <p:spPr/>
+        <p:txBody>
+          <a:bodyPr/>
+          <a:lstStyle/>
+          <a:p>
+            <a:fld id="{9968C99E-1E27-4D09-BCD4-A3391F8E8EE9}" type="datetime1">
+              <a:rPr lang="de-CH" smtClean="0"/>
+              <a:t>11.02.2022</a:t>
+            </a:fld>
+            <a:endParaRPr lang="fr-CH" dirty="0"/>
+          </a:p>
+        </p:txBody>
+      </p:sp>
+      <p:sp>
+        <p:nvSpPr>
+          <p:cNvPr id="5" name="Footer Placeholder 4"/>
+          <p:cNvSpPr>
+            <a:spLocks noGrp="1"/>
+          </p:cNvSpPr>
+          <p:nvPr>
+            <p:ph type="ftr" sz="quarter" idx="11"/>
+          </p:nvPr>
+        </p:nvSpPr>
+        <p:spPr/>
+        <p:txBody>
+          <a:bodyPr/>
+          <a:lstStyle/>
+          <a:p>
+            <a:r>
+              <a:rPr lang="fr-CH"/>
+              <a:t>R Packages</a:t>
+            </a:r>
+            <a:endParaRPr lang="fr-CH" dirty="0"/>
+          </a:p>
+        </p:txBody>
+      </p:sp>
+      <p:sp>
+        <p:nvSpPr>
+          <p:cNvPr id="6" name="Slide Number Placeholder 5"/>
+          <p:cNvSpPr>
+            <a:spLocks noGrp="1"/>
+          </p:cNvSpPr>
+          <p:nvPr>
+            <p:ph type="sldNum" sz="quarter" idx="12"/>
+          </p:nvPr>
+        </p:nvSpPr>
+        <p:spPr/>
+        <p:txBody>
+          <a:bodyPr/>
+          <a:lstStyle/>
+          <a:p>
+            <a:fld id="{6516D846-5C16-4076-A4B5-B3209FD30D05}" type="slidenum">
+              <a:rPr lang="fr-CH" smtClean="0"/>
+              <a:t>2</a:t>
+            </a:fld>
+            <a:endParaRPr lang="fr-CH" dirty="0"/>
+          </a:p>
+        </p:txBody>
+      </p:sp>
+      <p:sp>
+        <p:nvSpPr>
+          <p:cNvPr id="7" name="Inhaltsplatzhalter 6">
+            <a:extLst>
+              <a:ext uri="{FF2B5EF4-FFF2-40B4-BE49-F238E27FC236}">
+                <a16:creationId xmlns:a16="http://schemas.microsoft.com/office/drawing/2014/main" id="{522762F6-468C-4C2D-A443-724F0B3A5DDF}"/>
+              </a:ext>
+            </a:extLst>
+          </p:cNvPr>
+          <p:cNvSpPr>
+            <a:spLocks noGrp="1"/>
+          </p:cNvSpPr>
+          <p:nvPr>
+            <p:ph idx="1"/>
+          </p:nvPr>
+        </p:nvSpPr>
+        <p:spPr>
+          <a:xfrm>
+            <a:off x="695400" y="1115053"/>
+            <a:ext cx="6777212" cy="1152128"/>
+          </a:xfrm>
+        </p:spPr>
+        <p:txBody>
+          <a:bodyPr/>
+          <a:lstStyle/>
+          <a:p>
+            <a:r>
+              <a:rPr lang="de-CH" dirty="0"/>
+              <a:t>R Packages </a:t>
+            </a:r>
+            <a:r>
+              <a:rPr lang="de-CH" dirty="0" err="1"/>
+              <a:t>mainly</a:t>
+            </a:r>
+            <a:r>
+              <a:rPr lang="de-CH" dirty="0"/>
+              <a:t> </a:t>
+            </a:r>
+            <a:r>
+              <a:rPr lang="de-CH" dirty="0" err="1"/>
+              <a:t>consist</a:t>
+            </a:r>
+            <a:r>
+              <a:rPr lang="de-CH" dirty="0"/>
+              <a:t> </a:t>
+            </a:r>
+            <a:r>
+              <a:rPr lang="de-CH" dirty="0" err="1"/>
+              <a:t>of</a:t>
+            </a:r>
+            <a:r>
+              <a:rPr lang="de-CH" dirty="0"/>
+              <a:t> </a:t>
+            </a:r>
+            <a:r>
+              <a:rPr lang="de-CH" dirty="0" err="1"/>
+              <a:t>functions</a:t>
+            </a:r>
+            <a:r>
+              <a:rPr lang="de-CH" dirty="0"/>
+              <a:t> </a:t>
+            </a:r>
+            <a:r>
+              <a:rPr lang="de-CH" dirty="0">
+                <a:solidFill>
+                  <a:srgbClr val="C00000"/>
+                </a:solidFill>
+              </a:rPr>
+              <a:t>(</a:t>
+            </a:r>
+            <a:r>
+              <a:rPr lang="de-CH" dirty="0" err="1">
+                <a:solidFill>
+                  <a:srgbClr val="C00000"/>
+                </a:solidFill>
+              </a:rPr>
+              <a:t>demo</a:t>
+            </a:r>
+            <a:r>
+              <a:rPr lang="de-CH" dirty="0">
+                <a:solidFill>
+                  <a:srgbClr val="C00000"/>
+                </a:solidFill>
+              </a:rPr>
+              <a:t> in R)</a:t>
+            </a:r>
+            <a:endParaRPr lang="de-CH" dirty="0"/>
+          </a:p>
+          <a:p>
+            <a:r>
+              <a:rPr lang="de-CH" dirty="0" err="1"/>
+              <a:t>Define</a:t>
+            </a:r>
+            <a:r>
+              <a:rPr lang="de-CH" dirty="0"/>
+              <a:t> own </a:t>
+            </a:r>
+            <a:r>
+              <a:rPr lang="de-CH" dirty="0" err="1"/>
+              <a:t>functions</a:t>
+            </a:r>
+            <a:r>
+              <a:rPr lang="de-CH" dirty="0"/>
+              <a:t> </a:t>
+            </a:r>
+            <a:r>
+              <a:rPr lang="de-CH" dirty="0">
+                <a:solidFill>
+                  <a:srgbClr val="C00000"/>
+                </a:solidFill>
+                <a:latin typeface="Arial" panose="020B0604020202020204" pitchFamily="34" charset="0"/>
+                <a:cs typeface="Arial" panose="020B0604020202020204" pitchFamily="34" charset="0"/>
+              </a:rPr>
+              <a:t>→</a:t>
+            </a:r>
+            <a:r>
+              <a:rPr lang="de-CH" dirty="0"/>
+              <a:t> </a:t>
+            </a:r>
+            <a:r>
+              <a:rPr lang="de-CH" dirty="0" err="1"/>
+              <a:t>structures</a:t>
+            </a:r>
+            <a:r>
+              <a:rPr lang="de-CH" dirty="0"/>
+              <a:t> code and </a:t>
+            </a:r>
+            <a:r>
+              <a:rPr lang="de-CH" dirty="0" err="1"/>
+              <a:t>improves</a:t>
+            </a:r>
+            <a:r>
+              <a:rPr lang="de-CH" dirty="0"/>
+              <a:t> </a:t>
+            </a:r>
+            <a:r>
+              <a:rPr lang="de-CH" dirty="0" err="1"/>
+              <a:t>maintainability</a:t>
+            </a:r>
+            <a:endParaRPr lang="de-CH" dirty="0"/>
+          </a:p>
+          <a:p>
+            <a:endParaRPr lang="de-CH" dirty="0"/>
+          </a:p>
+          <a:p>
+            <a:pPr marL="0" indent="0">
+              <a:buNone/>
+            </a:pPr>
+            <a:r>
+              <a:rPr lang="de-CH" dirty="0" err="1">
+                <a:solidFill>
+                  <a:srgbClr val="C00000"/>
+                </a:solidFill>
+              </a:rPr>
+              <a:t>Examples</a:t>
+            </a:r>
+            <a:r>
+              <a:rPr lang="de-CH" dirty="0">
+                <a:solidFill>
+                  <a:srgbClr val="C00000"/>
+                </a:solidFill>
+              </a:rPr>
+              <a:t> (</a:t>
+            </a:r>
+            <a:r>
+              <a:rPr lang="de-CH" dirty="0" err="1">
+                <a:solidFill>
+                  <a:srgbClr val="C00000"/>
+                </a:solidFill>
+              </a:rPr>
+              <a:t>bad</a:t>
+            </a:r>
+            <a:r>
+              <a:rPr lang="de-CH" dirty="0">
+                <a:solidFill>
+                  <a:srgbClr val="C00000"/>
+                </a:solidFill>
+              </a:rPr>
+              <a:t> and </a:t>
+            </a:r>
+            <a:r>
+              <a:rPr lang="de-CH" dirty="0" err="1">
+                <a:solidFill>
+                  <a:srgbClr val="C00000"/>
+                </a:solidFill>
+              </a:rPr>
+              <a:t>good</a:t>
+            </a:r>
+            <a:r>
+              <a:rPr lang="de-CH" dirty="0">
+                <a:solidFill>
+                  <a:srgbClr val="C00000"/>
+                </a:solidFill>
+              </a:rPr>
+              <a:t>)</a:t>
+            </a:r>
+          </a:p>
+        </p:txBody>
+      </p:sp>
       <p:pic>
         <p:nvPicPr>
-          <p:cNvPr id="12" name="Grafik 11">
+          <p:cNvPr id="10" name="Grafik 9">
             <a:extLst>
               <a:ext uri="{FF2B5EF4-FFF2-40B4-BE49-F238E27FC236}">
-                <a16:creationId xmlns:a16="http://schemas.microsoft.com/office/drawing/2014/main" id="{E0EC741A-E80A-4079-AB86-ED68CC98252B}"/>
+                <a16:creationId xmlns:a16="http://schemas.microsoft.com/office/drawing/2014/main" id="{4A93173D-C363-465C-A9F8-A0F53AAB0A4F}"/>
               </a:ext>
             </a:extLst>
           </p:cNvPr>
@@ -8108,8 +8407,8 @@
         </p:blipFill>
         <p:spPr>
           <a:xfrm>
-            <a:off x="1703512" y="2564904"/>
-            <a:ext cx="6291846" cy="3600400"/>
+            <a:off x="6036660" y="2294467"/>
+            <a:ext cx="5318138" cy="3448480"/>
           </a:xfrm>
           <a:prstGeom prst="rect">
             <a:avLst/>
@@ -8118,309 +8417,10 @@
       </p:pic>
       <p:sp>
         <p:nvSpPr>
-          <p:cNvPr id="2" name="Title 1"/>
-          <p:cNvSpPr>
-            <a:spLocks noGrp="1"/>
-          </p:cNvSpPr>
-          <p:nvPr>
-            <p:ph type="title"/>
-          </p:nvPr>
-        </p:nvSpPr>
-        <p:spPr>
-          <a:xfrm>
-            <a:off x="542922" y="410368"/>
-            <a:ext cx="9275765" cy="862928"/>
-          </a:xfrm>
-        </p:spPr>
-        <p:txBody>
-          <a:bodyPr/>
-          <a:lstStyle/>
-          <a:p>
-            <a:r>
-              <a:rPr lang="fr-CH" dirty="0" err="1"/>
-              <a:t>Functions</a:t>
-            </a:r>
-            <a:r>
-              <a:rPr lang="fr-CH" dirty="0"/>
-              <a:t> are the Basis of R</a:t>
-            </a:r>
-          </a:p>
-        </p:txBody>
-      </p:sp>
-      <p:sp>
-        <p:nvSpPr>
-          <p:cNvPr id="4" name="Date Placeholder 3"/>
-          <p:cNvSpPr>
-            <a:spLocks noGrp="1"/>
-          </p:cNvSpPr>
-          <p:nvPr>
-            <p:ph type="dt" sz="half" idx="10"/>
-          </p:nvPr>
-        </p:nvSpPr>
-        <p:spPr/>
-        <p:txBody>
-          <a:bodyPr/>
-          <a:lstStyle/>
-          <a:p>
-            <a:fld id="{9968C99E-1E27-4D09-BCD4-A3391F8E8EE9}" type="datetime1">
-              <a:rPr lang="de-CH" smtClean="0"/>
-              <a:t>09.02.2022</a:t>
-            </a:fld>
-            <a:endParaRPr lang="fr-CH" dirty="0"/>
-          </a:p>
-        </p:txBody>
-      </p:sp>
-      <p:sp>
-        <p:nvSpPr>
-          <p:cNvPr id="5" name="Footer Placeholder 4"/>
-          <p:cNvSpPr>
-            <a:spLocks noGrp="1"/>
-          </p:cNvSpPr>
-          <p:nvPr>
-            <p:ph type="ftr" sz="quarter" idx="11"/>
-          </p:nvPr>
-        </p:nvSpPr>
-        <p:spPr/>
-        <p:txBody>
-          <a:bodyPr/>
-          <a:lstStyle/>
-          <a:p>
-            <a:r>
-              <a:rPr lang="fr-CH"/>
-              <a:t>R Packages</a:t>
-            </a:r>
-            <a:endParaRPr lang="fr-CH" dirty="0"/>
-          </a:p>
-        </p:txBody>
-      </p:sp>
-      <p:sp>
-        <p:nvSpPr>
-          <p:cNvPr id="6" name="Slide Number Placeholder 5"/>
-          <p:cNvSpPr>
-            <a:spLocks noGrp="1"/>
-          </p:cNvSpPr>
-          <p:nvPr>
-            <p:ph type="sldNum" sz="quarter" idx="12"/>
-          </p:nvPr>
-        </p:nvSpPr>
-        <p:spPr/>
-        <p:txBody>
-          <a:bodyPr/>
-          <a:lstStyle/>
-          <a:p>
-            <a:fld id="{6516D846-5C16-4076-A4B5-B3209FD30D05}" type="slidenum">
-              <a:rPr lang="fr-CH" smtClean="0"/>
-              <a:t>2</a:t>
-            </a:fld>
-            <a:endParaRPr lang="fr-CH" dirty="0"/>
-          </a:p>
-        </p:txBody>
-      </p:sp>
-      <p:sp>
-        <p:nvSpPr>
-          <p:cNvPr id="7" name="Inhaltsplatzhalter 6">
+          <p:cNvPr id="13" name="Textfeld 12">
             <a:extLst>
               <a:ext uri="{FF2B5EF4-FFF2-40B4-BE49-F238E27FC236}">
-                <a16:creationId xmlns:a16="http://schemas.microsoft.com/office/drawing/2014/main" id="{522762F6-468C-4C2D-A443-724F0B3A5DDF}"/>
-              </a:ext>
-            </a:extLst>
-          </p:cNvPr>
-          <p:cNvSpPr>
-            <a:spLocks noGrp="1"/>
-          </p:cNvSpPr>
-          <p:nvPr>
-            <p:ph idx="1"/>
-          </p:nvPr>
-        </p:nvSpPr>
-        <p:spPr>
-          <a:xfrm>
-            <a:off x="542925" y="1273296"/>
-            <a:ext cx="6777212" cy="4532192"/>
-          </a:xfrm>
-        </p:spPr>
-        <p:txBody>
-          <a:bodyPr/>
-          <a:lstStyle/>
-          <a:p>
-            <a:r>
-              <a:rPr lang="de-CH" dirty="0"/>
-              <a:t>R Packages </a:t>
-            </a:r>
-            <a:r>
-              <a:rPr lang="de-CH" dirty="0" err="1"/>
-              <a:t>mainly</a:t>
-            </a:r>
-            <a:r>
-              <a:rPr lang="de-CH" dirty="0"/>
-              <a:t> </a:t>
-            </a:r>
-            <a:r>
-              <a:rPr lang="de-CH" dirty="0" err="1"/>
-              <a:t>consist</a:t>
-            </a:r>
-            <a:r>
-              <a:rPr lang="de-CH" dirty="0"/>
-              <a:t> </a:t>
-            </a:r>
-            <a:r>
-              <a:rPr lang="de-CH" dirty="0" err="1"/>
-              <a:t>of</a:t>
-            </a:r>
-            <a:r>
-              <a:rPr lang="de-CH" dirty="0"/>
-              <a:t> </a:t>
-            </a:r>
-            <a:r>
-              <a:rPr lang="de-CH" dirty="0" err="1"/>
-              <a:t>functions</a:t>
-            </a:r>
-            <a:r>
-              <a:rPr lang="de-CH" dirty="0"/>
-              <a:t> </a:t>
-            </a:r>
-            <a:r>
-              <a:rPr lang="de-CH" dirty="0">
-                <a:solidFill>
-                  <a:srgbClr val="C00000"/>
-                </a:solidFill>
-              </a:rPr>
-              <a:t>(</a:t>
-            </a:r>
-            <a:r>
-              <a:rPr lang="de-CH" dirty="0" err="1">
-                <a:solidFill>
-                  <a:srgbClr val="C00000"/>
-                </a:solidFill>
-              </a:rPr>
-              <a:t>demo</a:t>
-            </a:r>
-            <a:r>
-              <a:rPr lang="de-CH" dirty="0">
-                <a:solidFill>
-                  <a:srgbClr val="C00000"/>
-                </a:solidFill>
-              </a:rPr>
-              <a:t> in R)</a:t>
-            </a:r>
-            <a:endParaRPr lang="de-CH" dirty="0"/>
-          </a:p>
-          <a:p>
-            <a:r>
-              <a:rPr lang="de-CH" dirty="0" err="1"/>
-              <a:t>Define</a:t>
-            </a:r>
-            <a:r>
-              <a:rPr lang="de-CH" dirty="0"/>
-              <a:t> own </a:t>
-            </a:r>
-            <a:r>
-              <a:rPr lang="de-CH" dirty="0" err="1"/>
-              <a:t>functions</a:t>
-            </a:r>
-            <a:r>
-              <a:rPr lang="de-CH" dirty="0"/>
-              <a:t> </a:t>
-            </a:r>
-            <a:r>
-              <a:rPr lang="de-CH" dirty="0">
-                <a:solidFill>
-                  <a:srgbClr val="C00000"/>
-                </a:solidFill>
-                <a:latin typeface="Arial" panose="020B0604020202020204" pitchFamily="34" charset="0"/>
-                <a:cs typeface="Arial" panose="020B0604020202020204" pitchFamily="34" charset="0"/>
-              </a:rPr>
-              <a:t>→</a:t>
-            </a:r>
-            <a:r>
-              <a:rPr lang="de-CH" dirty="0"/>
-              <a:t> </a:t>
-            </a:r>
-            <a:r>
-              <a:rPr lang="de-CH" dirty="0" err="1"/>
-              <a:t>structures</a:t>
-            </a:r>
-            <a:r>
-              <a:rPr lang="de-CH" dirty="0"/>
-              <a:t> code and </a:t>
-            </a:r>
-            <a:r>
-              <a:rPr lang="de-CH" dirty="0" err="1"/>
-              <a:t>improves</a:t>
-            </a:r>
-            <a:r>
-              <a:rPr lang="de-CH" dirty="0"/>
-              <a:t> </a:t>
-            </a:r>
-            <a:r>
-              <a:rPr lang="de-CH" dirty="0" err="1"/>
-              <a:t>maintainability</a:t>
-            </a:r>
-            <a:endParaRPr lang="de-CH" dirty="0"/>
-          </a:p>
-          <a:p>
-            <a:endParaRPr lang="de-CH" dirty="0"/>
-          </a:p>
-          <a:p>
-            <a:pPr marL="0" indent="0">
-              <a:buNone/>
-            </a:pPr>
-            <a:r>
-              <a:rPr lang="de-CH" dirty="0" err="1">
-                <a:solidFill>
-                  <a:srgbClr val="C00000"/>
-                </a:solidFill>
-              </a:rPr>
-              <a:t>Examples</a:t>
-            </a:r>
-            <a:r>
-              <a:rPr lang="de-CH" dirty="0">
-                <a:solidFill>
-                  <a:srgbClr val="C00000"/>
-                </a:solidFill>
-              </a:rPr>
-              <a:t> (</a:t>
-            </a:r>
-            <a:r>
-              <a:rPr lang="de-CH" dirty="0" err="1">
-                <a:solidFill>
-                  <a:srgbClr val="C00000"/>
-                </a:solidFill>
-              </a:rPr>
-              <a:t>bad</a:t>
-            </a:r>
-            <a:r>
-              <a:rPr lang="de-CH" dirty="0">
-                <a:solidFill>
-                  <a:srgbClr val="C00000"/>
-                </a:solidFill>
-              </a:rPr>
-              <a:t> and </a:t>
-            </a:r>
-            <a:r>
-              <a:rPr lang="de-CH" dirty="0" err="1">
-                <a:solidFill>
-                  <a:srgbClr val="C00000"/>
-                </a:solidFill>
-              </a:rPr>
-              <a:t>good</a:t>
-            </a:r>
-            <a:r>
-              <a:rPr lang="de-CH" dirty="0">
-                <a:solidFill>
-                  <a:srgbClr val="C00000"/>
-                </a:solidFill>
-              </a:rPr>
-              <a:t>)</a:t>
-            </a:r>
-          </a:p>
-        </p:txBody>
-      </p:sp>
-      <p:sp>
-        <p:nvSpPr>
-          <p:cNvPr id="3" name="Textfeld 2">
-            <a:extLst>
-              <a:ext uri="{FF2B5EF4-FFF2-40B4-BE49-F238E27FC236}">
-                <a16:creationId xmlns:a16="http://schemas.microsoft.com/office/drawing/2014/main" id="{CE723686-D0ED-4521-9774-757A9A30068D}"/>
+                <a16:creationId xmlns:a16="http://schemas.microsoft.com/office/drawing/2014/main" id="{D52DAE7A-7348-48BF-AF65-BF7C205EA81B}"/>
               </a:ext>
             </a:extLst>
           </p:cNvPr>
@@ -8429,86 +8429,719 @@
         </p:nvSpPr>
         <p:spPr>
           <a:xfrm>
-            <a:off x="1885937" y="2835285"/>
-            <a:ext cx="1451576" cy="255391"/>
+            <a:off x="662675" y="2420888"/>
+            <a:ext cx="5538932" cy="3600986"/>
           </a:xfrm>
           <a:prstGeom prst="rect">
             <a:avLst/>
           </a:prstGeom>
-          <a:solidFill>
-            <a:schemeClr val="bg1"/>
-          </a:solidFill>
+          <a:noFill/>
         </p:spPr>
         <p:txBody>
-          <a:bodyPr wrap="square" lIns="0" tIns="0" rIns="0" bIns="0" rtlCol="0">
+          <a:bodyPr wrap="square">
             <a:spAutoFit/>
           </a:bodyPr>
           <a:lstStyle/>
           <a:p>
-            <a:pPr>
-              <a:lnSpc>
-                <a:spcPct val="113000"/>
-              </a:lnSpc>
-            </a:pPr>
-            <a:r>
-              <a:rPr lang="de-CH" sz="1600" dirty="0">
-                <a:solidFill>
-                  <a:schemeClr val="accent3"/>
-                </a:solidFill>
-              </a:rPr>
-              <a:t>Bad</a:t>
-            </a:r>
-          </a:p>
-        </p:txBody>
-      </p:sp>
-      <p:sp>
-        <p:nvSpPr>
-          <p:cNvPr id="9" name="Textfeld 8">
-            <a:extLst>
-              <a:ext uri="{FF2B5EF4-FFF2-40B4-BE49-F238E27FC236}">
-                <a16:creationId xmlns:a16="http://schemas.microsoft.com/office/drawing/2014/main" id="{C3ADB696-B95D-460C-8215-11ACAD98B059}"/>
-              </a:ext>
-            </a:extLst>
-          </p:cNvPr>
-          <p:cNvSpPr txBox="1"/>
-          <p:nvPr/>
-        </p:nvSpPr>
-        <p:spPr>
-          <a:xfrm>
-            <a:off x="1885937" y="4449473"/>
-            <a:ext cx="1451576" cy="255391"/>
-          </a:xfrm>
-          <a:prstGeom prst="rect">
-            <a:avLst/>
-          </a:prstGeom>
-          <a:solidFill>
-            <a:schemeClr val="bg1"/>
-          </a:solidFill>
-        </p:spPr>
-        <p:txBody>
-          <a:bodyPr wrap="square" lIns="0" tIns="0" rIns="0" bIns="0" rtlCol="0">
-            <a:spAutoFit/>
-          </a:bodyPr>
-          <a:lstStyle/>
-          <a:p>
-            <a:pPr>
-              <a:lnSpc>
-                <a:spcPct val="113000"/>
-              </a:lnSpc>
-            </a:pPr>
-            <a:r>
-              <a:rPr lang="de-CH" sz="1600" dirty="0" err="1">
-                <a:solidFill>
-                  <a:schemeClr val="accent3"/>
-                </a:solidFill>
+            <a:r>
+              <a:rPr lang="de-CH" sz="1200" dirty="0" err="1">
+                <a:latin typeface="Courier New" panose="02070309020205020404" pitchFamily="49" charset="0"/>
+                <a:cs typeface="Courier New" panose="02070309020205020404" pitchFamily="49" charset="0"/>
+              </a:rPr>
+              <a:t>library</a:t>
+            </a:r>
+            <a:r>
+              <a:rPr lang="de-CH" sz="1200" dirty="0">
+                <a:latin typeface="Courier New" panose="02070309020205020404" pitchFamily="49" charset="0"/>
+                <a:cs typeface="Courier New" panose="02070309020205020404" pitchFamily="49" charset="0"/>
+              </a:rPr>
+              <a:t>(ggplot2)</a:t>
+            </a:r>
+          </a:p>
+          <a:p>
+            <a:endParaRPr lang="de-CH" sz="1200" dirty="0">
+              <a:latin typeface="Courier New" panose="02070309020205020404" pitchFamily="49" charset="0"/>
+              <a:cs typeface="Courier New" panose="02070309020205020404" pitchFamily="49" charset="0"/>
+            </a:endParaRPr>
+          </a:p>
+          <a:p>
+            <a:r>
+              <a:rPr lang="de-CH" sz="1200" b="1" dirty="0">
+                <a:solidFill>
+                  <a:schemeClr val="tx2"/>
+                </a:solidFill>
+                <a:latin typeface="Courier New" panose="02070309020205020404" pitchFamily="49" charset="0"/>
+                <a:cs typeface="Courier New" panose="02070309020205020404" pitchFamily="49" charset="0"/>
+              </a:rPr>
+              <a:t># Bad</a:t>
+            </a:r>
+          </a:p>
+          <a:p>
+            <a:r>
+              <a:rPr lang="de-CH" sz="1200" dirty="0" err="1">
+                <a:latin typeface="Courier New" panose="02070309020205020404" pitchFamily="49" charset="0"/>
+                <a:cs typeface="Courier New" panose="02070309020205020404" pitchFamily="49" charset="0"/>
+              </a:rPr>
+              <a:t>ggplot</a:t>
+            </a:r>
+            <a:r>
+              <a:rPr lang="de-CH" sz="1200" dirty="0">
+                <a:latin typeface="Courier New" panose="02070309020205020404" pitchFamily="49" charset="0"/>
+                <a:cs typeface="Courier New" panose="02070309020205020404" pitchFamily="49" charset="0"/>
+              </a:rPr>
+              <a:t>(</a:t>
+            </a:r>
+            <a:r>
+              <a:rPr lang="de-CH" sz="1200" dirty="0" err="1">
+                <a:latin typeface="Courier New" panose="02070309020205020404" pitchFamily="49" charset="0"/>
+                <a:cs typeface="Courier New" panose="02070309020205020404" pitchFamily="49" charset="0"/>
+              </a:rPr>
+              <a:t>iris</a:t>
+            </a:r>
+            <a:r>
+              <a:rPr lang="de-CH" sz="1200" dirty="0">
+                <a:latin typeface="Courier New" panose="02070309020205020404" pitchFamily="49" charset="0"/>
+                <a:cs typeface="Courier New" panose="02070309020205020404" pitchFamily="49" charset="0"/>
+              </a:rPr>
+              <a:t>, </a:t>
+            </a:r>
+            <a:r>
+              <a:rPr lang="de-CH" sz="1200" dirty="0" err="1">
+                <a:latin typeface="Courier New" panose="02070309020205020404" pitchFamily="49" charset="0"/>
+                <a:cs typeface="Courier New" panose="02070309020205020404" pitchFamily="49" charset="0"/>
+              </a:rPr>
+              <a:t>aes</a:t>
+            </a:r>
+            <a:r>
+              <a:rPr lang="de-CH" sz="1200" dirty="0">
+                <a:latin typeface="Courier New" panose="02070309020205020404" pitchFamily="49" charset="0"/>
+                <a:cs typeface="Courier New" panose="02070309020205020404" pitchFamily="49" charset="0"/>
+              </a:rPr>
+              <a:t>(x = </a:t>
+            </a:r>
+            <a:r>
+              <a:rPr lang="de-CH" sz="1200" b="1" dirty="0" err="1">
+                <a:solidFill>
+                  <a:schemeClr val="tx2"/>
+                </a:solidFill>
+                <a:latin typeface="Courier New" panose="02070309020205020404" pitchFamily="49" charset="0"/>
+                <a:cs typeface="Courier New" panose="02070309020205020404" pitchFamily="49" charset="0"/>
+              </a:rPr>
+              <a:t>Sepal.Width</a:t>
+            </a:r>
+            <a:r>
+              <a:rPr lang="de-CH" sz="1200" dirty="0">
+                <a:latin typeface="Courier New" panose="02070309020205020404" pitchFamily="49" charset="0"/>
+                <a:cs typeface="Courier New" panose="02070309020205020404" pitchFamily="49" charset="0"/>
+              </a:rPr>
+              <a:t>, y = </a:t>
+            </a:r>
+            <a:r>
+              <a:rPr lang="de-CH" sz="1200" dirty="0" err="1">
+                <a:latin typeface="Courier New" panose="02070309020205020404" pitchFamily="49" charset="0"/>
+                <a:cs typeface="Courier New" panose="02070309020205020404" pitchFamily="49" charset="0"/>
+              </a:rPr>
+              <a:t>Petal.Width</a:t>
+            </a:r>
+            <a:r>
+              <a:rPr lang="de-CH" sz="1200" dirty="0">
+                <a:latin typeface="Courier New" panose="02070309020205020404" pitchFamily="49" charset="0"/>
+                <a:cs typeface="Courier New" panose="02070309020205020404" pitchFamily="49" charset="0"/>
+              </a:rPr>
+              <a:t>)) +</a:t>
+            </a:r>
+          </a:p>
+          <a:p>
+            <a:r>
+              <a:rPr lang="de-CH" sz="1200" dirty="0">
+                <a:latin typeface="Courier New" panose="02070309020205020404" pitchFamily="49" charset="0"/>
+                <a:cs typeface="Courier New" panose="02070309020205020404" pitchFamily="49" charset="0"/>
+              </a:rPr>
+              <a:t>  </a:t>
+            </a:r>
+            <a:r>
+              <a:rPr lang="de-CH" sz="1200" dirty="0" err="1">
+                <a:latin typeface="Courier New" panose="02070309020205020404" pitchFamily="49" charset="0"/>
+                <a:cs typeface="Courier New" panose="02070309020205020404" pitchFamily="49" charset="0"/>
+              </a:rPr>
+              <a:t>geom_point</a:t>
+            </a:r>
+            <a:r>
+              <a:rPr lang="de-CH" sz="1200" dirty="0">
+                <a:latin typeface="Courier New" panose="02070309020205020404" pitchFamily="49" charset="0"/>
+                <a:cs typeface="Courier New" panose="02070309020205020404" pitchFamily="49" charset="0"/>
+              </a:rPr>
+              <a:t>(</a:t>
+            </a:r>
+            <a:r>
+              <a:rPr lang="de-CH" sz="1200" dirty="0" err="1">
+                <a:latin typeface="Courier New" panose="02070309020205020404" pitchFamily="49" charset="0"/>
+                <a:cs typeface="Courier New" panose="02070309020205020404" pitchFamily="49" charset="0"/>
+              </a:rPr>
+              <a:t>aes</a:t>
+            </a:r>
+            <a:r>
+              <a:rPr lang="de-CH" sz="1200" dirty="0">
+                <a:latin typeface="Courier New" panose="02070309020205020404" pitchFamily="49" charset="0"/>
+                <a:cs typeface="Courier New" panose="02070309020205020404" pitchFamily="49" charset="0"/>
+              </a:rPr>
+              <a:t>(</a:t>
+            </a:r>
+            <a:r>
+              <a:rPr lang="de-CH" sz="1200" dirty="0" err="1">
+                <a:latin typeface="Courier New" panose="02070309020205020404" pitchFamily="49" charset="0"/>
+                <a:cs typeface="Courier New" panose="02070309020205020404" pitchFamily="49" charset="0"/>
+              </a:rPr>
+              <a:t>color</a:t>
+            </a:r>
+            <a:r>
+              <a:rPr lang="de-CH" sz="1200" dirty="0">
+                <a:latin typeface="Courier New" panose="02070309020205020404" pitchFamily="49" charset="0"/>
+                <a:cs typeface="Courier New" panose="02070309020205020404" pitchFamily="49" charset="0"/>
+              </a:rPr>
+              <a:t> = </a:t>
+            </a:r>
+            <a:r>
+              <a:rPr lang="de-CH" sz="1200" dirty="0" err="1">
+                <a:latin typeface="Courier New" panose="02070309020205020404" pitchFamily="49" charset="0"/>
+                <a:cs typeface="Courier New" panose="02070309020205020404" pitchFamily="49" charset="0"/>
+              </a:rPr>
+              <a:t>Species</a:t>
+            </a:r>
+            <a:r>
+              <a:rPr lang="de-CH" sz="1200" dirty="0">
+                <a:latin typeface="Courier New" panose="02070309020205020404" pitchFamily="49" charset="0"/>
+                <a:cs typeface="Courier New" panose="02070309020205020404" pitchFamily="49" charset="0"/>
+              </a:rPr>
+              <a:t>)) +</a:t>
+            </a:r>
+          </a:p>
+          <a:p>
+            <a:r>
+              <a:rPr lang="de-CH" sz="1200" dirty="0">
+                <a:latin typeface="Courier New" panose="02070309020205020404" pitchFamily="49" charset="0"/>
+                <a:cs typeface="Courier New" panose="02070309020205020404" pitchFamily="49" charset="0"/>
+              </a:rPr>
+              <a:t>  </a:t>
+            </a:r>
+            <a:r>
+              <a:rPr lang="de-CH" sz="1200" dirty="0" err="1">
+                <a:latin typeface="Courier New" panose="02070309020205020404" pitchFamily="49" charset="0"/>
+                <a:cs typeface="Courier New" panose="02070309020205020404" pitchFamily="49" charset="0"/>
+              </a:rPr>
+              <a:t>theme_classic</a:t>
+            </a:r>
+            <a:r>
+              <a:rPr lang="de-CH" sz="1200" dirty="0">
+                <a:latin typeface="Courier New" panose="02070309020205020404" pitchFamily="49" charset="0"/>
+                <a:cs typeface="Courier New" panose="02070309020205020404" pitchFamily="49" charset="0"/>
+              </a:rPr>
+              <a:t>(</a:t>
+            </a:r>
+            <a:r>
+              <a:rPr lang="de-CH" sz="1200" dirty="0" err="1">
+                <a:latin typeface="Courier New" panose="02070309020205020404" pitchFamily="49" charset="0"/>
+                <a:cs typeface="Courier New" panose="02070309020205020404" pitchFamily="49" charset="0"/>
+              </a:rPr>
+              <a:t>base_size</a:t>
+            </a:r>
+            <a:r>
+              <a:rPr lang="de-CH" sz="1200" dirty="0">
+                <a:latin typeface="Courier New" panose="02070309020205020404" pitchFamily="49" charset="0"/>
+                <a:cs typeface="Courier New" panose="02070309020205020404" pitchFamily="49" charset="0"/>
+              </a:rPr>
+              <a:t> = 12)</a:t>
+            </a:r>
+          </a:p>
+          <a:p>
+            <a:endParaRPr lang="de-CH" sz="1200" dirty="0">
+              <a:latin typeface="Courier New" panose="02070309020205020404" pitchFamily="49" charset="0"/>
+              <a:cs typeface="Courier New" panose="02070309020205020404" pitchFamily="49" charset="0"/>
+            </a:endParaRPr>
+          </a:p>
+          <a:p>
+            <a:r>
+              <a:rPr lang="de-CH" sz="1200" dirty="0" err="1">
+                <a:latin typeface="Courier New" panose="02070309020205020404" pitchFamily="49" charset="0"/>
+                <a:cs typeface="Courier New" panose="02070309020205020404" pitchFamily="49" charset="0"/>
+              </a:rPr>
+              <a:t>ggplot</a:t>
+            </a:r>
+            <a:r>
+              <a:rPr lang="de-CH" sz="1200" dirty="0">
+                <a:latin typeface="Courier New" panose="02070309020205020404" pitchFamily="49" charset="0"/>
+                <a:cs typeface="Courier New" panose="02070309020205020404" pitchFamily="49" charset="0"/>
+              </a:rPr>
+              <a:t>(</a:t>
+            </a:r>
+            <a:r>
+              <a:rPr lang="de-CH" sz="1200" dirty="0" err="1">
+                <a:latin typeface="Courier New" panose="02070309020205020404" pitchFamily="49" charset="0"/>
+                <a:cs typeface="Courier New" panose="02070309020205020404" pitchFamily="49" charset="0"/>
+              </a:rPr>
+              <a:t>iris</a:t>
+            </a:r>
+            <a:r>
+              <a:rPr lang="de-CH" sz="1200" dirty="0">
+                <a:latin typeface="Courier New" panose="02070309020205020404" pitchFamily="49" charset="0"/>
+                <a:cs typeface="Courier New" panose="02070309020205020404" pitchFamily="49" charset="0"/>
+              </a:rPr>
+              <a:t>, </a:t>
+            </a:r>
+            <a:r>
+              <a:rPr lang="de-CH" sz="1200" dirty="0" err="1">
+                <a:latin typeface="Courier New" panose="02070309020205020404" pitchFamily="49" charset="0"/>
+                <a:cs typeface="Courier New" panose="02070309020205020404" pitchFamily="49" charset="0"/>
+              </a:rPr>
+              <a:t>aes</a:t>
+            </a:r>
+            <a:r>
+              <a:rPr lang="de-CH" sz="1200" dirty="0">
+                <a:latin typeface="Courier New" panose="02070309020205020404" pitchFamily="49" charset="0"/>
+                <a:cs typeface="Courier New" panose="02070309020205020404" pitchFamily="49" charset="0"/>
+              </a:rPr>
+              <a:t>(x = </a:t>
+            </a:r>
+            <a:r>
+              <a:rPr lang="de-CH" sz="1200" b="1" dirty="0" err="1">
+                <a:solidFill>
+                  <a:schemeClr val="tx2"/>
+                </a:solidFill>
+                <a:latin typeface="Courier New" panose="02070309020205020404" pitchFamily="49" charset="0"/>
+                <a:cs typeface="Courier New" panose="02070309020205020404" pitchFamily="49" charset="0"/>
+              </a:rPr>
+              <a:t>Sepal.Length</a:t>
+            </a:r>
+            <a:r>
+              <a:rPr lang="de-CH" sz="1200" dirty="0">
+                <a:latin typeface="Courier New" panose="02070309020205020404" pitchFamily="49" charset="0"/>
+                <a:cs typeface="Courier New" panose="02070309020205020404" pitchFamily="49" charset="0"/>
+              </a:rPr>
+              <a:t>, y = </a:t>
+            </a:r>
+            <a:r>
+              <a:rPr lang="de-CH" sz="1200" dirty="0" err="1">
+                <a:latin typeface="Courier New" panose="02070309020205020404" pitchFamily="49" charset="0"/>
+                <a:cs typeface="Courier New" panose="02070309020205020404" pitchFamily="49" charset="0"/>
+              </a:rPr>
+              <a:t>Petal.Width</a:t>
+            </a:r>
+            <a:r>
+              <a:rPr lang="de-CH" sz="1200" dirty="0">
+                <a:latin typeface="Courier New" panose="02070309020205020404" pitchFamily="49" charset="0"/>
+                <a:cs typeface="Courier New" panose="02070309020205020404" pitchFamily="49" charset="0"/>
+              </a:rPr>
+              <a:t>)) +</a:t>
+            </a:r>
+          </a:p>
+          <a:p>
+            <a:r>
+              <a:rPr lang="de-CH" sz="1200" dirty="0">
+                <a:latin typeface="Courier New" panose="02070309020205020404" pitchFamily="49" charset="0"/>
+                <a:cs typeface="Courier New" panose="02070309020205020404" pitchFamily="49" charset="0"/>
+              </a:rPr>
+              <a:t>  </a:t>
+            </a:r>
+            <a:r>
+              <a:rPr lang="de-CH" sz="1200" dirty="0" err="1">
+                <a:latin typeface="Courier New" panose="02070309020205020404" pitchFamily="49" charset="0"/>
+                <a:cs typeface="Courier New" panose="02070309020205020404" pitchFamily="49" charset="0"/>
+              </a:rPr>
+              <a:t>geom_point</a:t>
+            </a:r>
+            <a:r>
+              <a:rPr lang="de-CH" sz="1200" dirty="0">
+                <a:latin typeface="Courier New" panose="02070309020205020404" pitchFamily="49" charset="0"/>
+                <a:cs typeface="Courier New" panose="02070309020205020404" pitchFamily="49" charset="0"/>
+              </a:rPr>
+              <a:t>(</a:t>
+            </a:r>
+            <a:r>
+              <a:rPr lang="de-CH" sz="1200" dirty="0" err="1">
+                <a:latin typeface="Courier New" panose="02070309020205020404" pitchFamily="49" charset="0"/>
+                <a:cs typeface="Courier New" panose="02070309020205020404" pitchFamily="49" charset="0"/>
+              </a:rPr>
+              <a:t>aes</a:t>
+            </a:r>
+            <a:r>
+              <a:rPr lang="de-CH" sz="1200" dirty="0">
+                <a:latin typeface="Courier New" panose="02070309020205020404" pitchFamily="49" charset="0"/>
+                <a:cs typeface="Courier New" panose="02070309020205020404" pitchFamily="49" charset="0"/>
+              </a:rPr>
+              <a:t>(</a:t>
+            </a:r>
+            <a:r>
+              <a:rPr lang="de-CH" sz="1200" dirty="0" err="1">
+                <a:latin typeface="Courier New" panose="02070309020205020404" pitchFamily="49" charset="0"/>
+                <a:cs typeface="Courier New" panose="02070309020205020404" pitchFamily="49" charset="0"/>
+              </a:rPr>
+              <a:t>color</a:t>
+            </a:r>
+            <a:r>
+              <a:rPr lang="de-CH" sz="1200" dirty="0">
+                <a:latin typeface="Courier New" panose="02070309020205020404" pitchFamily="49" charset="0"/>
+                <a:cs typeface="Courier New" panose="02070309020205020404" pitchFamily="49" charset="0"/>
+              </a:rPr>
+              <a:t> = </a:t>
+            </a:r>
+            <a:r>
+              <a:rPr lang="de-CH" sz="1200" dirty="0" err="1">
+                <a:latin typeface="Courier New" panose="02070309020205020404" pitchFamily="49" charset="0"/>
+                <a:cs typeface="Courier New" panose="02070309020205020404" pitchFamily="49" charset="0"/>
+              </a:rPr>
+              <a:t>Species</a:t>
+            </a:r>
+            <a:r>
+              <a:rPr lang="de-CH" sz="1200" dirty="0">
+                <a:latin typeface="Courier New" panose="02070309020205020404" pitchFamily="49" charset="0"/>
+                <a:cs typeface="Courier New" panose="02070309020205020404" pitchFamily="49" charset="0"/>
+              </a:rPr>
+              <a:t>)) +</a:t>
+            </a:r>
+          </a:p>
+          <a:p>
+            <a:r>
+              <a:rPr lang="de-CH" sz="1200" dirty="0">
+                <a:latin typeface="Courier New" panose="02070309020205020404" pitchFamily="49" charset="0"/>
+                <a:cs typeface="Courier New" panose="02070309020205020404" pitchFamily="49" charset="0"/>
+              </a:rPr>
+              <a:t>  </a:t>
+            </a:r>
+            <a:r>
+              <a:rPr lang="de-CH" sz="1200" dirty="0" err="1">
+                <a:latin typeface="Courier New" panose="02070309020205020404" pitchFamily="49" charset="0"/>
+                <a:cs typeface="Courier New" panose="02070309020205020404" pitchFamily="49" charset="0"/>
+              </a:rPr>
+              <a:t>theme_classic</a:t>
+            </a:r>
+            <a:r>
+              <a:rPr lang="de-CH" sz="1200" dirty="0">
+                <a:latin typeface="Courier New" panose="02070309020205020404" pitchFamily="49" charset="0"/>
+                <a:cs typeface="Courier New" panose="02070309020205020404" pitchFamily="49" charset="0"/>
+              </a:rPr>
+              <a:t>(</a:t>
+            </a:r>
+            <a:r>
+              <a:rPr lang="de-CH" sz="1200" dirty="0" err="1">
+                <a:latin typeface="Courier New" panose="02070309020205020404" pitchFamily="49" charset="0"/>
+                <a:cs typeface="Courier New" panose="02070309020205020404" pitchFamily="49" charset="0"/>
+              </a:rPr>
+              <a:t>base_size</a:t>
+            </a:r>
+            <a:r>
+              <a:rPr lang="de-CH" sz="1200" dirty="0">
+                <a:latin typeface="Courier New" panose="02070309020205020404" pitchFamily="49" charset="0"/>
+                <a:cs typeface="Courier New" panose="02070309020205020404" pitchFamily="49" charset="0"/>
+              </a:rPr>
+              <a:t> = 12)</a:t>
+            </a:r>
+          </a:p>
+          <a:p>
+            <a:endParaRPr lang="de-CH" sz="1200" dirty="0">
+              <a:latin typeface="Courier New" panose="02070309020205020404" pitchFamily="49" charset="0"/>
+              <a:cs typeface="Courier New" panose="02070309020205020404" pitchFamily="49" charset="0"/>
+            </a:endParaRPr>
+          </a:p>
+          <a:p>
+            <a:r>
+              <a:rPr lang="de-CH" sz="1200" b="1" dirty="0">
+                <a:solidFill>
+                  <a:schemeClr val="tx2"/>
+                </a:solidFill>
+                <a:latin typeface="Courier New" panose="02070309020205020404" pitchFamily="49" charset="0"/>
+                <a:cs typeface="Courier New" panose="02070309020205020404" pitchFamily="49" charset="0"/>
+              </a:rPr>
+              <a:t># </a:t>
+            </a:r>
+            <a:r>
+              <a:rPr lang="de-CH" sz="1200" b="1" dirty="0" err="1">
+                <a:solidFill>
+                  <a:schemeClr val="tx2"/>
+                </a:solidFill>
+                <a:latin typeface="Courier New" panose="02070309020205020404" pitchFamily="49" charset="0"/>
+                <a:cs typeface="Courier New" panose="02070309020205020404" pitchFamily="49" charset="0"/>
               </a:rPr>
               <a:t>Good</a:t>
             </a:r>
-            <a:endParaRPr lang="de-CH" sz="1600" dirty="0">
+            <a:endParaRPr lang="de-CH" sz="1200" b="1" dirty="0">
               <a:solidFill>
-                <a:schemeClr val="accent3"/>
+                <a:schemeClr val="tx2"/>
               </a:solidFill>
+              <a:latin typeface="Courier New" panose="02070309020205020404" pitchFamily="49" charset="0"/>
+              <a:cs typeface="Courier New" panose="02070309020205020404" pitchFamily="49" charset="0"/>
             </a:endParaRPr>
+          </a:p>
+          <a:p>
+            <a:r>
+              <a:rPr lang="de-CH" sz="1200" dirty="0" err="1">
+                <a:latin typeface="Courier New" panose="02070309020205020404" pitchFamily="49" charset="0"/>
+                <a:cs typeface="Courier New" panose="02070309020205020404" pitchFamily="49" charset="0"/>
+              </a:rPr>
+              <a:t>scatter</a:t>
+            </a:r>
+            <a:r>
+              <a:rPr lang="de-CH" sz="1200" dirty="0">
+                <a:latin typeface="Courier New" panose="02070309020205020404" pitchFamily="49" charset="0"/>
+                <a:cs typeface="Courier New" panose="02070309020205020404" pitchFamily="49" charset="0"/>
+              </a:rPr>
+              <a:t> &lt;- </a:t>
+            </a:r>
+            <a:r>
+              <a:rPr lang="de-CH" sz="1200" dirty="0" err="1">
+                <a:latin typeface="Courier New" panose="02070309020205020404" pitchFamily="49" charset="0"/>
+                <a:cs typeface="Courier New" panose="02070309020205020404" pitchFamily="49" charset="0"/>
+              </a:rPr>
+              <a:t>function</a:t>
+            </a:r>
+            <a:r>
+              <a:rPr lang="de-CH" sz="1200" dirty="0">
+                <a:latin typeface="Courier New" panose="02070309020205020404" pitchFamily="49" charset="0"/>
+                <a:cs typeface="Courier New" panose="02070309020205020404" pitchFamily="49" charset="0"/>
+              </a:rPr>
+              <a:t>(x, y = "</a:t>
+            </a:r>
+            <a:r>
+              <a:rPr lang="de-CH" sz="1200" dirty="0" err="1">
+                <a:latin typeface="Courier New" panose="02070309020205020404" pitchFamily="49" charset="0"/>
+                <a:cs typeface="Courier New" panose="02070309020205020404" pitchFamily="49" charset="0"/>
+              </a:rPr>
+              <a:t>Petal.Width</a:t>
+            </a:r>
+            <a:r>
+              <a:rPr lang="de-CH" sz="1200" dirty="0">
+                <a:latin typeface="Courier New" panose="02070309020205020404" pitchFamily="49" charset="0"/>
+                <a:cs typeface="Courier New" panose="02070309020205020404" pitchFamily="49" charset="0"/>
+              </a:rPr>
+              <a:t>") {</a:t>
+            </a:r>
+          </a:p>
+          <a:p>
+            <a:r>
+              <a:rPr lang="de-CH" sz="1200" dirty="0">
+                <a:latin typeface="Courier New" panose="02070309020205020404" pitchFamily="49" charset="0"/>
+                <a:cs typeface="Courier New" panose="02070309020205020404" pitchFamily="49" charset="0"/>
+              </a:rPr>
+              <a:t>  </a:t>
+            </a:r>
+            <a:r>
+              <a:rPr lang="de-CH" sz="1200" dirty="0" err="1">
+                <a:latin typeface="Courier New" panose="02070309020205020404" pitchFamily="49" charset="0"/>
+                <a:cs typeface="Courier New" panose="02070309020205020404" pitchFamily="49" charset="0"/>
+              </a:rPr>
+              <a:t>ggplot</a:t>
+            </a:r>
+            <a:r>
+              <a:rPr lang="de-CH" sz="1200" dirty="0">
+                <a:latin typeface="Courier New" panose="02070309020205020404" pitchFamily="49" charset="0"/>
+                <a:cs typeface="Courier New" panose="02070309020205020404" pitchFamily="49" charset="0"/>
+              </a:rPr>
+              <a:t>(</a:t>
+            </a:r>
+            <a:r>
+              <a:rPr lang="de-CH" sz="1200" dirty="0" err="1">
+                <a:latin typeface="Courier New" panose="02070309020205020404" pitchFamily="49" charset="0"/>
+                <a:cs typeface="Courier New" panose="02070309020205020404" pitchFamily="49" charset="0"/>
+              </a:rPr>
+              <a:t>iris</a:t>
+            </a:r>
+            <a:r>
+              <a:rPr lang="de-CH" sz="1200" dirty="0">
+                <a:latin typeface="Courier New" panose="02070309020205020404" pitchFamily="49" charset="0"/>
+                <a:cs typeface="Courier New" panose="02070309020205020404" pitchFamily="49" charset="0"/>
+              </a:rPr>
+              <a:t>, </a:t>
+            </a:r>
+            <a:r>
+              <a:rPr lang="de-CH" sz="1200" dirty="0" err="1">
+                <a:latin typeface="Courier New" panose="02070309020205020404" pitchFamily="49" charset="0"/>
+                <a:cs typeface="Courier New" panose="02070309020205020404" pitchFamily="49" charset="0"/>
+              </a:rPr>
+              <a:t>aes_string</a:t>
+            </a:r>
+            <a:r>
+              <a:rPr lang="de-CH" sz="1200" dirty="0">
+                <a:latin typeface="Courier New" panose="02070309020205020404" pitchFamily="49" charset="0"/>
+                <a:cs typeface="Courier New" panose="02070309020205020404" pitchFamily="49" charset="0"/>
+              </a:rPr>
+              <a:t>(x = x, y = y)) +</a:t>
+            </a:r>
+          </a:p>
+          <a:p>
+            <a:r>
+              <a:rPr lang="de-CH" sz="1200" dirty="0">
+                <a:latin typeface="Courier New" panose="02070309020205020404" pitchFamily="49" charset="0"/>
+                <a:cs typeface="Courier New" panose="02070309020205020404" pitchFamily="49" charset="0"/>
+              </a:rPr>
+              <a:t>    </a:t>
+            </a:r>
+            <a:r>
+              <a:rPr lang="de-CH" sz="1200" dirty="0" err="1">
+                <a:latin typeface="Courier New" panose="02070309020205020404" pitchFamily="49" charset="0"/>
+                <a:cs typeface="Courier New" panose="02070309020205020404" pitchFamily="49" charset="0"/>
+              </a:rPr>
+              <a:t>geom_point</a:t>
+            </a:r>
+            <a:r>
+              <a:rPr lang="de-CH" sz="1200" dirty="0">
+                <a:latin typeface="Courier New" panose="02070309020205020404" pitchFamily="49" charset="0"/>
+                <a:cs typeface="Courier New" panose="02070309020205020404" pitchFamily="49" charset="0"/>
+              </a:rPr>
+              <a:t>(</a:t>
+            </a:r>
+            <a:r>
+              <a:rPr lang="de-CH" sz="1200" dirty="0" err="1">
+                <a:latin typeface="Courier New" panose="02070309020205020404" pitchFamily="49" charset="0"/>
+                <a:cs typeface="Courier New" panose="02070309020205020404" pitchFamily="49" charset="0"/>
+              </a:rPr>
+              <a:t>aes</a:t>
+            </a:r>
+            <a:r>
+              <a:rPr lang="de-CH" sz="1200" dirty="0">
+                <a:latin typeface="Courier New" panose="02070309020205020404" pitchFamily="49" charset="0"/>
+                <a:cs typeface="Courier New" panose="02070309020205020404" pitchFamily="49" charset="0"/>
+              </a:rPr>
+              <a:t>(</a:t>
+            </a:r>
+            <a:r>
+              <a:rPr lang="de-CH" sz="1200" dirty="0" err="1">
+                <a:latin typeface="Courier New" panose="02070309020205020404" pitchFamily="49" charset="0"/>
+                <a:cs typeface="Courier New" panose="02070309020205020404" pitchFamily="49" charset="0"/>
+              </a:rPr>
+              <a:t>color</a:t>
+            </a:r>
+            <a:r>
+              <a:rPr lang="de-CH" sz="1200" dirty="0">
+                <a:latin typeface="Courier New" panose="02070309020205020404" pitchFamily="49" charset="0"/>
+                <a:cs typeface="Courier New" panose="02070309020205020404" pitchFamily="49" charset="0"/>
+              </a:rPr>
+              <a:t> = </a:t>
+            </a:r>
+            <a:r>
+              <a:rPr lang="de-CH" sz="1200" dirty="0" err="1">
+                <a:latin typeface="Courier New" panose="02070309020205020404" pitchFamily="49" charset="0"/>
+                <a:cs typeface="Courier New" panose="02070309020205020404" pitchFamily="49" charset="0"/>
+              </a:rPr>
+              <a:t>Species</a:t>
+            </a:r>
+            <a:r>
+              <a:rPr lang="de-CH" sz="1200" dirty="0">
+                <a:latin typeface="Courier New" panose="02070309020205020404" pitchFamily="49" charset="0"/>
+                <a:cs typeface="Courier New" panose="02070309020205020404" pitchFamily="49" charset="0"/>
+              </a:rPr>
+              <a:t>)) +</a:t>
+            </a:r>
+          </a:p>
+          <a:p>
+            <a:r>
+              <a:rPr lang="de-CH" sz="1200" dirty="0">
+                <a:latin typeface="Courier New" panose="02070309020205020404" pitchFamily="49" charset="0"/>
+                <a:cs typeface="Courier New" panose="02070309020205020404" pitchFamily="49" charset="0"/>
+              </a:rPr>
+              <a:t>    </a:t>
+            </a:r>
+            <a:r>
+              <a:rPr lang="de-CH" sz="1200" dirty="0" err="1">
+                <a:latin typeface="Courier New" panose="02070309020205020404" pitchFamily="49" charset="0"/>
+                <a:cs typeface="Courier New" panose="02070309020205020404" pitchFamily="49" charset="0"/>
+              </a:rPr>
+              <a:t>theme_classic</a:t>
+            </a:r>
+            <a:r>
+              <a:rPr lang="de-CH" sz="1200" dirty="0">
+                <a:latin typeface="Courier New" panose="02070309020205020404" pitchFamily="49" charset="0"/>
+                <a:cs typeface="Courier New" panose="02070309020205020404" pitchFamily="49" charset="0"/>
+              </a:rPr>
+              <a:t>(</a:t>
+            </a:r>
+            <a:r>
+              <a:rPr lang="de-CH" sz="1200" dirty="0" err="1">
+                <a:latin typeface="Courier New" panose="02070309020205020404" pitchFamily="49" charset="0"/>
+                <a:cs typeface="Courier New" panose="02070309020205020404" pitchFamily="49" charset="0"/>
+              </a:rPr>
+              <a:t>base_size</a:t>
+            </a:r>
+            <a:r>
+              <a:rPr lang="de-CH" sz="1200" dirty="0">
+                <a:latin typeface="Courier New" panose="02070309020205020404" pitchFamily="49" charset="0"/>
+                <a:cs typeface="Courier New" panose="02070309020205020404" pitchFamily="49" charset="0"/>
+              </a:rPr>
+              <a:t> = 12)</a:t>
+            </a:r>
+          </a:p>
+          <a:p>
+            <a:r>
+              <a:rPr lang="de-CH" sz="1200" dirty="0">
+                <a:latin typeface="Courier New" panose="02070309020205020404" pitchFamily="49" charset="0"/>
+                <a:cs typeface="Courier New" panose="02070309020205020404" pitchFamily="49" charset="0"/>
+              </a:rPr>
+              <a:t>}</a:t>
+            </a:r>
+          </a:p>
+          <a:p>
+            <a:r>
+              <a:rPr lang="de-CH" sz="1200" dirty="0" err="1">
+                <a:latin typeface="Courier New" panose="02070309020205020404" pitchFamily="49" charset="0"/>
+                <a:cs typeface="Courier New" panose="02070309020205020404" pitchFamily="49" charset="0"/>
+              </a:rPr>
+              <a:t>scatter</a:t>
+            </a:r>
+            <a:r>
+              <a:rPr lang="de-CH" sz="1200" dirty="0">
+                <a:latin typeface="Courier New" panose="02070309020205020404" pitchFamily="49" charset="0"/>
+                <a:cs typeface="Courier New" panose="02070309020205020404" pitchFamily="49" charset="0"/>
+              </a:rPr>
+              <a:t>("</a:t>
+            </a:r>
+            <a:r>
+              <a:rPr lang="de-CH" sz="1200" b="1" dirty="0" err="1">
+                <a:solidFill>
+                  <a:schemeClr val="tx2"/>
+                </a:solidFill>
+                <a:latin typeface="Courier New" panose="02070309020205020404" pitchFamily="49" charset="0"/>
+                <a:cs typeface="Courier New" panose="02070309020205020404" pitchFamily="49" charset="0"/>
+              </a:rPr>
+              <a:t>Sepal.Width</a:t>
+            </a:r>
+            <a:r>
+              <a:rPr lang="de-CH" sz="1200" dirty="0">
+                <a:latin typeface="Courier New" panose="02070309020205020404" pitchFamily="49" charset="0"/>
+                <a:cs typeface="Courier New" panose="02070309020205020404" pitchFamily="49" charset="0"/>
+              </a:rPr>
+              <a:t>")</a:t>
+            </a:r>
+          </a:p>
+          <a:p>
+            <a:r>
+              <a:rPr lang="de-CH" sz="1200" dirty="0" err="1">
+                <a:latin typeface="Courier New" panose="02070309020205020404" pitchFamily="49" charset="0"/>
+                <a:cs typeface="Courier New" panose="02070309020205020404" pitchFamily="49" charset="0"/>
+              </a:rPr>
+              <a:t>scatter</a:t>
+            </a:r>
+            <a:r>
+              <a:rPr lang="de-CH" sz="1200" dirty="0">
+                <a:latin typeface="Courier New" panose="02070309020205020404" pitchFamily="49" charset="0"/>
+                <a:cs typeface="Courier New" panose="02070309020205020404" pitchFamily="49" charset="0"/>
+              </a:rPr>
+              <a:t>("</a:t>
+            </a:r>
+            <a:r>
+              <a:rPr lang="de-CH" sz="1200" b="1" dirty="0" err="1">
+                <a:solidFill>
+                  <a:schemeClr val="tx2"/>
+                </a:solidFill>
+                <a:latin typeface="Courier New" panose="02070309020205020404" pitchFamily="49" charset="0"/>
+                <a:cs typeface="Courier New" panose="02070309020205020404" pitchFamily="49" charset="0"/>
+              </a:rPr>
+              <a:t>Sepal.Length</a:t>
+            </a:r>
+            <a:r>
+              <a:rPr lang="de-CH" sz="1200" dirty="0">
+                <a:latin typeface="Courier New" panose="02070309020205020404" pitchFamily="49" charset="0"/>
+                <a:cs typeface="Courier New" panose="02070309020205020404" pitchFamily="49" charset="0"/>
+              </a:rPr>
+              <a:t>")</a:t>
+            </a:r>
           </a:p>
         </p:txBody>
       </p:sp>
@@ -8611,7 +9244,7 @@
           <a:p>
             <a:fld id="{4C38BF51-FD12-4780-9282-8B4B82423C53}" type="datetime1">
               <a:rPr lang="de-CH" smtClean="0"/>
-              <a:t>09.02.2022</a:t>
+              <a:t>11.02.2022</a:t>
             </a:fld>
             <a:endParaRPr lang="fr-CH" dirty="0"/>
           </a:p>
@@ -8679,10 +9312,15 @@
             <p:ph idx="1"/>
           </p:nvPr>
         </p:nvSpPr>
-        <p:spPr/>
+        <p:spPr>
+          <a:xfrm>
+            <a:off x="767408" y="1844824"/>
+            <a:ext cx="4040907" cy="1783776"/>
+          </a:xfrm>
+        </p:spPr>
         <p:txBody>
           <a:bodyPr>
-            <a:normAutofit fontScale="92500" lnSpcReduction="10000"/>
+            <a:normAutofit/>
           </a:bodyPr>
           <a:lstStyle/>
           <a:p>
@@ -8737,6 +9375,9 @@
               <a:rPr lang="de-CH" dirty="0"/>
               <a:t> </a:t>
             </a:r>
+            <a:br>
+              <a:rPr lang="de-CH" dirty="0"/>
+            </a:br>
             <a:r>
               <a:rPr lang="de-CH" dirty="0" err="1"/>
               <a:t>functions</a:t>
@@ -8797,19 +9438,11 @@
             </a:r>
             <a:r>
               <a:rPr lang="de-CH" dirty="0"/>
-              <a:t> in a separate </a:t>
+              <a:t> in a </a:t>
             </a:r>
             <a:r>
               <a:rPr lang="de-CH" dirty="0" err="1"/>
               <a:t>script</a:t>
-            </a:r>
-            <a:r>
-              <a:rPr lang="de-CH" dirty="0"/>
-              <a:t> </a:t>
-            </a:r>
-            <a:r>
-              <a:rPr lang="de-CH" dirty="0" err="1"/>
-              <a:t>called</a:t>
             </a:r>
             <a:r>
               <a:rPr lang="de-CH" dirty="0"/>
@@ -8835,7 +9468,7 @@
             </a:r>
             <a:r>
               <a:rPr lang="de-CH" dirty="0" err="1"/>
-              <a:t>it</a:t>
+              <a:t>this</a:t>
             </a:r>
             <a:r>
               <a:rPr lang="de-CH" dirty="0"/>
@@ -8869,10 +9502,7 @@
               <a:rPr lang="de-CH" dirty="0" err="1"/>
               <a:t>by</a:t>
             </a:r>
-            <a:r>
-              <a:rPr lang="de-CH" dirty="0"/>
-              <a:t> </a:t>
-            </a:r>
+            <a:endParaRPr lang="de-CH" dirty="0"/>
           </a:p>
           <a:p>
             <a:pPr marL="0" indent="0">
@@ -8883,375 +9513,42 @@
                 <a:latin typeface="Courier New" panose="02070309020205020404" pitchFamily="49" charset="0"/>
                 <a:cs typeface="Courier New" panose="02070309020205020404" pitchFamily="49" charset="0"/>
               </a:rPr>
-              <a:t>	source("</a:t>
-            </a:r>
-            <a:r>
-              <a:rPr lang="de-CH" dirty="0" err="1">
-                <a:latin typeface="Courier New" panose="02070309020205020404" pitchFamily="49" charset="0"/>
-                <a:cs typeface="Courier New" panose="02070309020205020404" pitchFamily="49" charset="0"/>
-              </a:rPr>
-              <a:t>functions.R</a:t>
-            </a:r>
-            <a:r>
-              <a:rPr lang="de-CH" dirty="0">
-                <a:latin typeface="Courier New" panose="02070309020205020404" pitchFamily="49" charset="0"/>
-                <a:cs typeface="Courier New" panose="02070309020205020404" pitchFamily="49" charset="0"/>
-              </a:rPr>
-              <a:t>")</a:t>
-            </a:r>
-          </a:p>
-          <a:p>
-            <a:endParaRPr lang="de-CH" dirty="0"/>
+              <a:t>	</a:t>
+            </a:r>
           </a:p>
           <a:p>
             <a:pPr marL="0" indent="0">
               <a:buNone/>
             </a:pPr>
             <a:r>
-              <a:rPr lang="de-CH" dirty="0" err="1">
-                <a:solidFill>
-                  <a:srgbClr val="C00000"/>
-                </a:solidFill>
-              </a:rPr>
-              <a:t>Example</a:t>
-            </a:r>
-            <a:r>
-              <a:rPr lang="de-CH" dirty="0">
-                <a:solidFill>
-                  <a:srgbClr val="C00000"/>
-                </a:solidFill>
-              </a:rPr>
-              <a:t> </a:t>
-            </a:r>
-            <a:r>
-              <a:rPr lang="de-CH" dirty="0" err="1">
-                <a:solidFill>
-                  <a:srgbClr val="C00000"/>
-                </a:solidFill>
-              </a:rPr>
-              <a:t>of</a:t>
-            </a:r>
-            <a:r>
-              <a:rPr lang="de-CH" dirty="0">
-                <a:solidFill>
-                  <a:srgbClr val="C00000"/>
-                </a:solidFill>
-              </a:rPr>
-              <a:t> a "</a:t>
-            </a:r>
-            <a:r>
-              <a:rPr lang="de-CH" dirty="0" err="1">
-                <a:solidFill>
-                  <a:srgbClr val="C00000"/>
-                </a:solidFill>
+              <a:rPr lang="de-CH" b="1" dirty="0">
+                <a:solidFill>
+                  <a:schemeClr val="tx2"/>
+                </a:solidFill>
+                <a:latin typeface="Courier New" panose="02070309020205020404" pitchFamily="49" charset="0"/>
+                <a:cs typeface="Courier New" panose="02070309020205020404" pitchFamily="49" charset="0"/>
+              </a:rPr>
+              <a:t>source("</a:t>
+            </a:r>
+            <a:r>
+              <a:rPr lang="de-CH" b="1" dirty="0" err="1">
+                <a:solidFill>
+                  <a:schemeClr val="tx2"/>
+                </a:solidFill>
+                <a:latin typeface="Courier New" panose="02070309020205020404" pitchFamily="49" charset="0"/>
+                <a:cs typeface="Courier New" panose="02070309020205020404" pitchFamily="49" charset="0"/>
               </a:rPr>
               <a:t>functions.R</a:t>
             </a:r>
             <a:r>
-              <a:rPr lang="de-CH" dirty="0">
-                <a:solidFill>
-                  <a:srgbClr val="C00000"/>
-                </a:solidFill>
-              </a:rPr>
-              <a:t>" </a:t>
-            </a:r>
-            <a:r>
-              <a:rPr lang="de-CH" dirty="0" err="1">
-                <a:solidFill>
-                  <a:srgbClr val="C00000"/>
-                </a:solidFill>
-              </a:rPr>
-              <a:t>file</a:t>
-            </a:r>
-            <a:endParaRPr lang="de-CH" dirty="0">
-              <a:solidFill>
-                <a:srgbClr val="C00000"/>
-              </a:solidFill>
-            </a:endParaRPr>
-          </a:p>
-          <a:p>
-            <a:pPr marL="0" indent="0">
-              <a:buNone/>
-            </a:pPr>
-            <a:endParaRPr lang="de-CH" dirty="0">
-              <a:solidFill>
-                <a:srgbClr val="C00000"/>
-              </a:solidFill>
-            </a:endParaRPr>
-          </a:p>
-          <a:p>
-            <a:pPr marL="0" indent="0">
-              <a:buNone/>
-            </a:pPr>
-            <a:r>
-              <a:rPr lang="de-CH" dirty="0">
-                <a:latin typeface="Courier New" panose="02070309020205020404" pitchFamily="49" charset="0"/>
-                <a:cs typeface="Courier New" panose="02070309020205020404" pitchFamily="49" charset="0"/>
-              </a:rPr>
-              <a:t># </a:t>
-            </a:r>
-            <a:r>
-              <a:rPr lang="de-CH" dirty="0" err="1">
-                <a:latin typeface="Courier New" panose="02070309020205020404" pitchFamily="49" charset="0"/>
-                <a:cs typeface="Courier New" panose="02070309020205020404" pitchFamily="49" charset="0"/>
-              </a:rPr>
-              <a:t>Scatter</a:t>
-            </a:r>
-            <a:r>
-              <a:rPr lang="de-CH" dirty="0">
-                <a:latin typeface="Courier New" panose="02070309020205020404" pitchFamily="49" charset="0"/>
-                <a:cs typeface="Courier New" panose="02070309020205020404" pitchFamily="49" charset="0"/>
-              </a:rPr>
-              <a:t> </a:t>
-            </a:r>
-            <a:r>
-              <a:rPr lang="de-CH" dirty="0" err="1">
-                <a:latin typeface="Courier New" panose="02070309020205020404" pitchFamily="49" charset="0"/>
-                <a:cs typeface="Courier New" panose="02070309020205020404" pitchFamily="49" charset="0"/>
-              </a:rPr>
-              <a:t>of</a:t>
-            </a:r>
-            <a:r>
-              <a:rPr lang="de-CH" dirty="0">
-                <a:latin typeface="Courier New" panose="02070309020205020404" pitchFamily="49" charset="0"/>
-                <a:cs typeface="Courier New" panose="02070309020205020404" pitchFamily="49" charset="0"/>
-              </a:rPr>
-              <a:t> y </a:t>
-            </a:r>
-            <a:r>
-              <a:rPr lang="de-CH" dirty="0" err="1">
-                <a:latin typeface="Courier New" panose="02070309020205020404" pitchFamily="49" charset="0"/>
-                <a:cs typeface="Courier New" panose="02070309020205020404" pitchFamily="49" charset="0"/>
-              </a:rPr>
-              <a:t>against</a:t>
-            </a:r>
-            <a:r>
-              <a:rPr lang="de-CH" dirty="0">
-                <a:latin typeface="Courier New" panose="02070309020205020404" pitchFamily="49" charset="0"/>
-                <a:cs typeface="Courier New" panose="02070309020205020404" pitchFamily="49" charset="0"/>
-              </a:rPr>
-              <a:t> x</a:t>
-            </a:r>
-          </a:p>
-          <a:p>
-            <a:pPr marL="0" indent="0">
-              <a:buNone/>
-            </a:pPr>
-            <a:r>
-              <a:rPr lang="de-CH" dirty="0" err="1">
-                <a:latin typeface="Courier New" panose="02070309020205020404" pitchFamily="49" charset="0"/>
-                <a:cs typeface="Courier New" panose="02070309020205020404" pitchFamily="49" charset="0"/>
-              </a:rPr>
-              <a:t>scatter</a:t>
-            </a:r>
-            <a:r>
-              <a:rPr lang="de-CH" dirty="0">
-                <a:latin typeface="Courier New" panose="02070309020205020404" pitchFamily="49" charset="0"/>
-                <a:cs typeface="Courier New" panose="02070309020205020404" pitchFamily="49" charset="0"/>
-              </a:rPr>
-              <a:t> &lt;- </a:t>
-            </a:r>
-            <a:r>
-              <a:rPr lang="de-CH" dirty="0" err="1">
-                <a:latin typeface="Courier New" panose="02070309020205020404" pitchFamily="49" charset="0"/>
-                <a:cs typeface="Courier New" panose="02070309020205020404" pitchFamily="49" charset="0"/>
-              </a:rPr>
-              <a:t>function</a:t>
-            </a:r>
-            <a:r>
-              <a:rPr lang="de-CH" dirty="0">
-                <a:latin typeface="Courier New" panose="02070309020205020404" pitchFamily="49" charset="0"/>
-                <a:cs typeface="Courier New" panose="02070309020205020404" pitchFamily="49" charset="0"/>
-              </a:rPr>
-              <a:t>(x, y = "</a:t>
-            </a:r>
-            <a:r>
-              <a:rPr lang="de-CH" dirty="0" err="1">
-                <a:latin typeface="Courier New" panose="02070309020205020404" pitchFamily="49" charset="0"/>
-                <a:cs typeface="Courier New" panose="02070309020205020404" pitchFamily="49" charset="0"/>
-              </a:rPr>
-              <a:t>Petal.Width</a:t>
-            </a:r>
-            <a:r>
-              <a:rPr lang="de-CH" dirty="0">
-                <a:latin typeface="Courier New" panose="02070309020205020404" pitchFamily="49" charset="0"/>
-                <a:cs typeface="Courier New" panose="02070309020205020404" pitchFamily="49" charset="0"/>
-              </a:rPr>
-              <a:t>") {</a:t>
-            </a:r>
-          </a:p>
-          <a:p>
-            <a:pPr marL="0" indent="0">
-              <a:buNone/>
-            </a:pPr>
-            <a:r>
-              <a:rPr lang="de-CH" dirty="0">
-                <a:latin typeface="Courier New" panose="02070309020205020404" pitchFamily="49" charset="0"/>
-                <a:cs typeface="Courier New" panose="02070309020205020404" pitchFamily="49" charset="0"/>
-              </a:rPr>
-              <a:t>  </a:t>
-            </a:r>
-            <a:r>
-              <a:rPr lang="de-CH" dirty="0" err="1">
-                <a:latin typeface="Courier New" panose="02070309020205020404" pitchFamily="49" charset="0"/>
-                <a:cs typeface="Courier New" panose="02070309020205020404" pitchFamily="49" charset="0"/>
-              </a:rPr>
-              <a:t>ggplot</a:t>
-            </a:r>
-            <a:r>
-              <a:rPr lang="de-CH" dirty="0">
-                <a:latin typeface="Courier New" panose="02070309020205020404" pitchFamily="49" charset="0"/>
-                <a:cs typeface="Courier New" panose="02070309020205020404" pitchFamily="49" charset="0"/>
-              </a:rPr>
-              <a:t>(</a:t>
-            </a:r>
-            <a:r>
-              <a:rPr lang="de-CH" dirty="0" err="1">
-                <a:latin typeface="Courier New" panose="02070309020205020404" pitchFamily="49" charset="0"/>
-                <a:cs typeface="Courier New" panose="02070309020205020404" pitchFamily="49" charset="0"/>
-              </a:rPr>
-              <a:t>iris</a:t>
-            </a:r>
-            <a:r>
-              <a:rPr lang="de-CH" dirty="0">
-                <a:latin typeface="Courier New" panose="02070309020205020404" pitchFamily="49" charset="0"/>
-                <a:cs typeface="Courier New" panose="02070309020205020404" pitchFamily="49" charset="0"/>
-              </a:rPr>
-              <a:t>, </a:t>
-            </a:r>
-            <a:r>
-              <a:rPr lang="de-CH" dirty="0" err="1">
-                <a:latin typeface="Courier New" panose="02070309020205020404" pitchFamily="49" charset="0"/>
-                <a:cs typeface="Courier New" panose="02070309020205020404" pitchFamily="49" charset="0"/>
-              </a:rPr>
-              <a:t>aes_string</a:t>
-            </a:r>
-            <a:r>
-              <a:rPr lang="de-CH" dirty="0">
-                <a:latin typeface="Courier New" panose="02070309020205020404" pitchFamily="49" charset="0"/>
-                <a:cs typeface="Courier New" panose="02070309020205020404" pitchFamily="49" charset="0"/>
-              </a:rPr>
-              <a:t>(x = x, y = y)) +</a:t>
-            </a:r>
-          </a:p>
-          <a:p>
-            <a:pPr marL="0" indent="0">
-              <a:buNone/>
-            </a:pPr>
-            <a:r>
-              <a:rPr lang="de-CH" dirty="0">
-                <a:latin typeface="Courier New" panose="02070309020205020404" pitchFamily="49" charset="0"/>
-                <a:cs typeface="Courier New" panose="02070309020205020404" pitchFamily="49" charset="0"/>
-              </a:rPr>
-              <a:t>    </a:t>
-            </a:r>
-            <a:r>
-              <a:rPr lang="de-CH" dirty="0" err="1">
-                <a:latin typeface="Courier New" panose="02070309020205020404" pitchFamily="49" charset="0"/>
-                <a:cs typeface="Courier New" panose="02070309020205020404" pitchFamily="49" charset="0"/>
-              </a:rPr>
-              <a:t>geom_point</a:t>
-            </a:r>
-            <a:r>
-              <a:rPr lang="de-CH" dirty="0">
-                <a:latin typeface="Courier New" panose="02070309020205020404" pitchFamily="49" charset="0"/>
-                <a:cs typeface="Courier New" panose="02070309020205020404" pitchFamily="49" charset="0"/>
-              </a:rPr>
-              <a:t>(</a:t>
-            </a:r>
-            <a:r>
-              <a:rPr lang="de-CH" dirty="0" err="1">
-                <a:latin typeface="Courier New" panose="02070309020205020404" pitchFamily="49" charset="0"/>
-                <a:cs typeface="Courier New" panose="02070309020205020404" pitchFamily="49" charset="0"/>
-              </a:rPr>
-              <a:t>aes</a:t>
-            </a:r>
-            <a:r>
-              <a:rPr lang="de-CH" dirty="0">
-                <a:latin typeface="Courier New" panose="02070309020205020404" pitchFamily="49" charset="0"/>
-                <a:cs typeface="Courier New" panose="02070309020205020404" pitchFamily="49" charset="0"/>
-              </a:rPr>
-              <a:t>(</a:t>
-            </a:r>
-            <a:r>
-              <a:rPr lang="de-CH" dirty="0" err="1">
-                <a:latin typeface="Courier New" panose="02070309020205020404" pitchFamily="49" charset="0"/>
-                <a:cs typeface="Courier New" panose="02070309020205020404" pitchFamily="49" charset="0"/>
-              </a:rPr>
-              <a:t>color</a:t>
-            </a:r>
-            <a:r>
-              <a:rPr lang="de-CH" dirty="0">
-                <a:latin typeface="Courier New" panose="02070309020205020404" pitchFamily="49" charset="0"/>
-                <a:cs typeface="Courier New" panose="02070309020205020404" pitchFamily="49" charset="0"/>
-              </a:rPr>
-              <a:t> = </a:t>
-            </a:r>
-            <a:r>
-              <a:rPr lang="de-CH" dirty="0" err="1">
-                <a:latin typeface="Courier New" panose="02070309020205020404" pitchFamily="49" charset="0"/>
-                <a:cs typeface="Courier New" panose="02070309020205020404" pitchFamily="49" charset="0"/>
-              </a:rPr>
-              <a:t>Species</a:t>
-            </a:r>
-            <a:r>
-              <a:rPr lang="de-CH" dirty="0">
-                <a:latin typeface="Courier New" panose="02070309020205020404" pitchFamily="49" charset="0"/>
-                <a:cs typeface="Courier New" panose="02070309020205020404" pitchFamily="49" charset="0"/>
-              </a:rPr>
-              <a:t>)) +</a:t>
-            </a:r>
-          </a:p>
-          <a:p>
-            <a:pPr marL="0" indent="0">
-              <a:buNone/>
-            </a:pPr>
-            <a:r>
-              <a:rPr lang="de-CH" dirty="0">
-                <a:latin typeface="Courier New" panose="02070309020205020404" pitchFamily="49" charset="0"/>
-                <a:cs typeface="Courier New" panose="02070309020205020404" pitchFamily="49" charset="0"/>
-              </a:rPr>
-              <a:t>    </a:t>
-            </a:r>
-            <a:r>
-              <a:rPr lang="de-CH" dirty="0" err="1">
-                <a:latin typeface="Courier New" panose="02070309020205020404" pitchFamily="49" charset="0"/>
-                <a:cs typeface="Courier New" panose="02070309020205020404" pitchFamily="49" charset="0"/>
-              </a:rPr>
-              <a:t>theme_classic</a:t>
-            </a:r>
-            <a:r>
-              <a:rPr lang="de-CH" dirty="0">
-                <a:latin typeface="Courier New" panose="02070309020205020404" pitchFamily="49" charset="0"/>
-                <a:cs typeface="Courier New" panose="02070309020205020404" pitchFamily="49" charset="0"/>
-              </a:rPr>
-              <a:t>(</a:t>
-            </a:r>
-            <a:r>
-              <a:rPr lang="de-CH" dirty="0" err="1">
-                <a:latin typeface="Courier New" panose="02070309020205020404" pitchFamily="49" charset="0"/>
-                <a:cs typeface="Courier New" panose="02070309020205020404" pitchFamily="49" charset="0"/>
-              </a:rPr>
-              <a:t>base_size</a:t>
-            </a:r>
-            <a:r>
-              <a:rPr lang="de-CH" dirty="0">
-                <a:latin typeface="Courier New" panose="02070309020205020404" pitchFamily="49" charset="0"/>
-                <a:cs typeface="Courier New" panose="02070309020205020404" pitchFamily="49" charset="0"/>
-              </a:rPr>
-              <a:t> = 12)</a:t>
-            </a:r>
-          </a:p>
-          <a:p>
-            <a:pPr marL="0" indent="0">
-              <a:buNone/>
-            </a:pPr>
-            <a:r>
-              <a:rPr lang="de-CH" dirty="0">
-                <a:latin typeface="Courier New" panose="02070309020205020404" pitchFamily="49" charset="0"/>
-                <a:cs typeface="Courier New" panose="02070309020205020404" pitchFamily="49" charset="0"/>
-              </a:rPr>
-              <a:t>}</a:t>
+              <a:rPr lang="de-CH" b="1" dirty="0">
+                <a:solidFill>
+                  <a:schemeClr val="tx2"/>
+                </a:solidFill>
+                <a:latin typeface="Courier New" panose="02070309020205020404" pitchFamily="49" charset="0"/>
+                <a:cs typeface="Courier New" panose="02070309020205020404" pitchFamily="49" charset="0"/>
+              </a:rPr>
+              <a:t>")</a:t>
             </a:r>
           </a:p>
           <a:p>
@@ -9260,77 +9557,180 @@
             </a:pPr>
             <a:endParaRPr lang="de-CH" dirty="0"/>
           </a:p>
+        </p:txBody>
+      </p:sp>
+      <p:sp>
+        <p:nvSpPr>
+          <p:cNvPr id="8" name="Textfeld 7">
+            <a:extLst>
+              <a:ext uri="{FF2B5EF4-FFF2-40B4-BE49-F238E27FC236}">
+                <a16:creationId xmlns:a16="http://schemas.microsoft.com/office/drawing/2014/main" id="{761A2F0C-8B43-4C13-8B0C-25D98C7620D1}"/>
+              </a:ext>
+            </a:extLst>
+          </p:cNvPr>
+          <p:cNvSpPr txBox="1"/>
+          <p:nvPr/>
+        </p:nvSpPr>
+        <p:spPr>
+          <a:xfrm>
+            <a:off x="5375920" y="1809800"/>
+            <a:ext cx="5727501" cy="3359061"/>
+          </a:xfrm>
+          <a:prstGeom prst="rect">
+            <a:avLst/>
+          </a:prstGeom>
+          <a:noFill/>
+        </p:spPr>
+        <p:txBody>
+          <a:bodyPr wrap="square">
+            <a:spAutoFit/>
+          </a:bodyPr>
+          <a:lstStyle/>
+          <a:p>
+            <a:r>
+              <a:rPr lang="de-CH" dirty="0" err="1">
+                <a:solidFill>
+                  <a:schemeClr val="tx2"/>
+                </a:solidFill>
+              </a:rPr>
+              <a:t>Example</a:t>
+            </a:r>
+            <a:r>
+              <a:rPr lang="de-CH" dirty="0">
+                <a:solidFill>
+                  <a:schemeClr val="tx2"/>
+                </a:solidFill>
+              </a:rPr>
+              <a:t> </a:t>
+            </a:r>
+            <a:r>
+              <a:rPr lang="de-CH" dirty="0" err="1">
+                <a:solidFill>
+                  <a:schemeClr val="tx2"/>
+                </a:solidFill>
+              </a:rPr>
+              <a:t>of</a:t>
+            </a:r>
+            <a:r>
+              <a:rPr lang="de-CH" dirty="0">
+                <a:solidFill>
+                  <a:schemeClr val="tx2"/>
+                </a:solidFill>
+              </a:rPr>
+              <a:t> a "</a:t>
+            </a:r>
+            <a:r>
+              <a:rPr lang="de-CH" dirty="0" err="1">
+                <a:solidFill>
+                  <a:schemeClr val="tx2"/>
+                </a:solidFill>
+              </a:rPr>
+              <a:t>functions.R</a:t>
+            </a:r>
+            <a:r>
+              <a:rPr lang="de-CH" dirty="0">
+                <a:solidFill>
+                  <a:schemeClr val="tx2"/>
+                </a:solidFill>
+              </a:rPr>
+              <a:t>" </a:t>
+            </a:r>
+            <a:r>
+              <a:rPr lang="de-CH" dirty="0" err="1">
+                <a:solidFill>
+                  <a:schemeClr val="tx2"/>
+                </a:solidFill>
+              </a:rPr>
+              <a:t>file</a:t>
+            </a:r>
+            <a:endParaRPr lang="de-CH" dirty="0">
+              <a:solidFill>
+                <a:schemeClr val="tx2"/>
+              </a:solidFill>
+            </a:endParaRPr>
+          </a:p>
           <a:p>
             <a:pPr marL="0" indent="0">
               <a:buNone/>
             </a:pPr>
-            <a:r>
-              <a:rPr lang="de-CH" dirty="0">
-                <a:latin typeface="Courier New" panose="02070309020205020404" pitchFamily="49" charset="0"/>
-                <a:cs typeface="Courier New" panose="02070309020205020404" pitchFamily="49" charset="0"/>
-              </a:rPr>
-              <a:t># </a:t>
-            </a:r>
-            <a:r>
-              <a:rPr lang="de-CH" dirty="0" err="1">
-                <a:latin typeface="Courier New" panose="02070309020205020404" pitchFamily="49" charset="0"/>
-                <a:cs typeface="Courier New" panose="02070309020205020404" pitchFamily="49" charset="0"/>
-              </a:rPr>
-              <a:t>Does</a:t>
-            </a:r>
-            <a:r>
-              <a:rPr lang="de-CH" dirty="0">
-                <a:latin typeface="Courier New" panose="02070309020205020404" pitchFamily="49" charset="0"/>
-                <a:cs typeface="Courier New" panose="02070309020205020404" pitchFamily="49" charset="0"/>
-              </a:rPr>
-              <a:t> </a:t>
-            </a:r>
-            <a:r>
-              <a:rPr lang="de-CH" dirty="0" err="1">
-                <a:latin typeface="Courier New" panose="02070309020205020404" pitchFamily="49" charset="0"/>
-                <a:cs typeface="Courier New" panose="02070309020205020404" pitchFamily="49" charset="0"/>
-              </a:rPr>
-              <a:t>something</a:t>
-            </a:r>
-            <a:r>
-              <a:rPr lang="de-CH" dirty="0">
-                <a:latin typeface="Courier New" panose="02070309020205020404" pitchFamily="49" charset="0"/>
-                <a:cs typeface="Courier New" panose="02070309020205020404" pitchFamily="49" charset="0"/>
-              </a:rPr>
-              <a:t> cool</a:t>
-            </a:r>
+            <a:endParaRPr lang="de-CH" b="1" dirty="0">
+              <a:latin typeface="Courier New" panose="02070309020205020404" pitchFamily="49" charset="0"/>
+              <a:cs typeface="Courier New" panose="02070309020205020404" pitchFamily="49" charset="0"/>
+            </a:endParaRPr>
           </a:p>
           <a:p>
             <a:pPr marL="0" indent="0">
               <a:buNone/>
             </a:pPr>
             <a:r>
-              <a:rPr lang="de-CH" dirty="0" err="1">
-                <a:latin typeface="Courier New" panose="02070309020205020404" pitchFamily="49" charset="0"/>
-                <a:cs typeface="Courier New" panose="02070309020205020404" pitchFamily="49" charset="0"/>
-              </a:rPr>
-              <a:t>something_cool</a:t>
-            </a:r>
-            <a:r>
-              <a:rPr lang="de-CH" dirty="0">
-                <a:latin typeface="Courier New" panose="02070309020205020404" pitchFamily="49" charset="0"/>
-                <a:cs typeface="Courier New" panose="02070309020205020404" pitchFamily="49" charset="0"/>
-              </a:rPr>
-              <a:t> &lt;- </a:t>
-            </a:r>
-            <a:r>
-              <a:rPr lang="de-CH" dirty="0" err="1">
-                <a:latin typeface="Courier New" panose="02070309020205020404" pitchFamily="49" charset="0"/>
-                <a:cs typeface="Courier New" panose="02070309020205020404" pitchFamily="49" charset="0"/>
-              </a:rPr>
-              <a:t>function</a:t>
-            </a:r>
-            <a:r>
-              <a:rPr lang="de-CH" dirty="0">
-                <a:latin typeface="Courier New" panose="02070309020205020404" pitchFamily="49" charset="0"/>
-                <a:cs typeface="Courier New" panose="02070309020205020404" pitchFamily="49" charset="0"/>
-              </a:rPr>
-              <a:t>(…) {</a:t>
+              <a:rPr lang="de-CH" b="1" dirty="0">
+                <a:solidFill>
+                  <a:schemeClr val="tx2"/>
+                </a:solidFill>
+                <a:latin typeface="Courier New" panose="02070309020205020404" pitchFamily="49" charset="0"/>
+                <a:cs typeface="Courier New" panose="02070309020205020404" pitchFamily="49" charset="0"/>
+              </a:rPr>
+              <a:t># </a:t>
+            </a:r>
+            <a:r>
+              <a:rPr lang="de-CH" b="1" dirty="0" err="1">
+                <a:solidFill>
+                  <a:schemeClr val="tx2"/>
+                </a:solidFill>
+                <a:latin typeface="Courier New" panose="02070309020205020404" pitchFamily="49" charset="0"/>
+                <a:cs typeface="Courier New" panose="02070309020205020404" pitchFamily="49" charset="0"/>
+              </a:rPr>
+              <a:t>Scatter</a:t>
+            </a:r>
+            <a:r>
+              <a:rPr lang="de-CH" b="1" dirty="0">
+                <a:solidFill>
+                  <a:schemeClr val="tx2"/>
+                </a:solidFill>
+                <a:latin typeface="Courier New" panose="02070309020205020404" pitchFamily="49" charset="0"/>
+                <a:cs typeface="Courier New" panose="02070309020205020404" pitchFamily="49" charset="0"/>
+              </a:rPr>
+              <a:t> </a:t>
+            </a:r>
+            <a:r>
+              <a:rPr lang="de-CH" b="1" dirty="0" err="1">
+                <a:solidFill>
+                  <a:schemeClr val="tx2"/>
+                </a:solidFill>
+                <a:latin typeface="Courier New" panose="02070309020205020404" pitchFamily="49" charset="0"/>
+                <a:cs typeface="Courier New" panose="02070309020205020404" pitchFamily="49" charset="0"/>
+              </a:rPr>
+              <a:t>of</a:t>
+            </a:r>
+            <a:r>
+              <a:rPr lang="de-CH" b="1" dirty="0">
+                <a:solidFill>
+                  <a:schemeClr val="tx2"/>
+                </a:solidFill>
+                <a:latin typeface="Courier New" panose="02070309020205020404" pitchFamily="49" charset="0"/>
+                <a:cs typeface="Courier New" panose="02070309020205020404" pitchFamily="49" charset="0"/>
+              </a:rPr>
+              <a:t> y </a:t>
+            </a:r>
+            <a:r>
+              <a:rPr lang="de-CH" b="1" dirty="0" err="1">
+                <a:solidFill>
+                  <a:schemeClr val="tx2"/>
+                </a:solidFill>
+                <a:latin typeface="Courier New" panose="02070309020205020404" pitchFamily="49" charset="0"/>
+                <a:cs typeface="Courier New" panose="02070309020205020404" pitchFamily="49" charset="0"/>
+              </a:rPr>
+              <a:t>against</a:t>
+            </a:r>
+            <a:r>
+              <a:rPr lang="de-CH" b="1" dirty="0">
+                <a:solidFill>
+                  <a:schemeClr val="tx2"/>
+                </a:solidFill>
+                <a:latin typeface="Courier New" panose="02070309020205020404" pitchFamily="49" charset="0"/>
+                <a:cs typeface="Courier New" panose="02070309020205020404" pitchFamily="49" charset="0"/>
+              </a:rPr>
+              <a:t> x</a:t>
             </a:r>
           </a:p>
           <a:p>
@@ -9338,11 +9738,208 @@
               <a:buNone/>
             </a:pPr>
             <a:r>
+              <a:rPr lang="de-CH" dirty="0" err="1">
+                <a:latin typeface="Courier New" panose="02070309020205020404" pitchFamily="49" charset="0"/>
+                <a:cs typeface="Courier New" panose="02070309020205020404" pitchFamily="49" charset="0"/>
+              </a:rPr>
+              <a:t>scatter</a:t>
+            </a:r>
+            <a:r>
               <a:rPr lang="de-CH" dirty="0">
                 <a:latin typeface="Courier New" panose="02070309020205020404" pitchFamily="49" charset="0"/>
                 <a:cs typeface="Courier New" panose="02070309020205020404" pitchFamily="49" charset="0"/>
               </a:rPr>
-              <a:t>…</a:t>
+              <a:t> &lt;- </a:t>
+            </a:r>
+            <a:r>
+              <a:rPr lang="de-CH" dirty="0" err="1">
+                <a:latin typeface="Courier New" panose="02070309020205020404" pitchFamily="49" charset="0"/>
+                <a:cs typeface="Courier New" panose="02070309020205020404" pitchFamily="49" charset="0"/>
+              </a:rPr>
+              <a:t>function</a:t>
+            </a:r>
+            <a:r>
+              <a:rPr lang="de-CH" dirty="0">
+                <a:latin typeface="Courier New" panose="02070309020205020404" pitchFamily="49" charset="0"/>
+                <a:cs typeface="Courier New" panose="02070309020205020404" pitchFamily="49" charset="0"/>
+              </a:rPr>
+              <a:t>(x, y = "</a:t>
+            </a:r>
+            <a:r>
+              <a:rPr lang="de-CH" dirty="0" err="1">
+                <a:latin typeface="Courier New" panose="02070309020205020404" pitchFamily="49" charset="0"/>
+                <a:cs typeface="Courier New" panose="02070309020205020404" pitchFamily="49" charset="0"/>
+              </a:rPr>
+              <a:t>Petal.Width</a:t>
+            </a:r>
+            <a:r>
+              <a:rPr lang="de-CH" dirty="0">
+                <a:latin typeface="Courier New" panose="02070309020205020404" pitchFamily="49" charset="0"/>
+                <a:cs typeface="Courier New" panose="02070309020205020404" pitchFamily="49" charset="0"/>
+              </a:rPr>
+              <a:t>") {</a:t>
+            </a:r>
+          </a:p>
+          <a:p>
+            <a:pPr marL="0" indent="0">
+              <a:buNone/>
+            </a:pPr>
+            <a:r>
+              <a:rPr lang="de-CH" dirty="0">
+                <a:latin typeface="Courier New" panose="02070309020205020404" pitchFamily="49" charset="0"/>
+                <a:cs typeface="Courier New" panose="02070309020205020404" pitchFamily="49" charset="0"/>
+              </a:rPr>
+              <a:t>  </a:t>
+            </a:r>
+            <a:r>
+              <a:rPr lang="de-CH" dirty="0" err="1">
+                <a:latin typeface="Courier New" panose="02070309020205020404" pitchFamily="49" charset="0"/>
+                <a:cs typeface="Courier New" panose="02070309020205020404" pitchFamily="49" charset="0"/>
+              </a:rPr>
+              <a:t>ggplot</a:t>
+            </a:r>
+            <a:r>
+              <a:rPr lang="de-CH" dirty="0">
+                <a:latin typeface="Courier New" panose="02070309020205020404" pitchFamily="49" charset="0"/>
+                <a:cs typeface="Courier New" panose="02070309020205020404" pitchFamily="49" charset="0"/>
+              </a:rPr>
+              <a:t>(</a:t>
+            </a:r>
+            <a:r>
+              <a:rPr lang="de-CH" dirty="0" err="1">
+                <a:latin typeface="Courier New" panose="02070309020205020404" pitchFamily="49" charset="0"/>
+                <a:cs typeface="Courier New" panose="02070309020205020404" pitchFamily="49" charset="0"/>
+              </a:rPr>
+              <a:t>iris</a:t>
+            </a:r>
+            <a:r>
+              <a:rPr lang="de-CH" dirty="0">
+                <a:latin typeface="Courier New" panose="02070309020205020404" pitchFamily="49" charset="0"/>
+                <a:cs typeface="Courier New" panose="02070309020205020404" pitchFamily="49" charset="0"/>
+              </a:rPr>
+              <a:t>, </a:t>
+            </a:r>
+            <a:r>
+              <a:rPr lang="de-CH" dirty="0" err="1">
+                <a:latin typeface="Courier New" panose="02070309020205020404" pitchFamily="49" charset="0"/>
+                <a:cs typeface="Courier New" panose="02070309020205020404" pitchFamily="49" charset="0"/>
+              </a:rPr>
+              <a:t>aes_string</a:t>
+            </a:r>
+            <a:r>
+              <a:rPr lang="de-CH" dirty="0">
+                <a:latin typeface="Courier New" panose="02070309020205020404" pitchFamily="49" charset="0"/>
+                <a:cs typeface="Courier New" panose="02070309020205020404" pitchFamily="49" charset="0"/>
+              </a:rPr>
+              <a:t>(x = x, y = y)) +</a:t>
+            </a:r>
+          </a:p>
+          <a:p>
+            <a:pPr marL="0" indent="0">
+              <a:buNone/>
+            </a:pPr>
+            <a:r>
+              <a:rPr lang="de-CH" dirty="0">
+                <a:latin typeface="Courier New" panose="02070309020205020404" pitchFamily="49" charset="0"/>
+                <a:cs typeface="Courier New" panose="02070309020205020404" pitchFamily="49" charset="0"/>
+              </a:rPr>
+              <a:t>    </a:t>
+            </a:r>
+            <a:r>
+              <a:rPr lang="de-CH" dirty="0" err="1">
+                <a:latin typeface="Courier New" panose="02070309020205020404" pitchFamily="49" charset="0"/>
+                <a:cs typeface="Courier New" panose="02070309020205020404" pitchFamily="49" charset="0"/>
+              </a:rPr>
+              <a:t>geom_point</a:t>
+            </a:r>
+            <a:r>
+              <a:rPr lang="de-CH" dirty="0">
+                <a:latin typeface="Courier New" panose="02070309020205020404" pitchFamily="49" charset="0"/>
+                <a:cs typeface="Courier New" panose="02070309020205020404" pitchFamily="49" charset="0"/>
+              </a:rPr>
+              <a:t>(</a:t>
+            </a:r>
+            <a:r>
+              <a:rPr lang="de-CH" dirty="0" err="1">
+                <a:latin typeface="Courier New" panose="02070309020205020404" pitchFamily="49" charset="0"/>
+                <a:cs typeface="Courier New" panose="02070309020205020404" pitchFamily="49" charset="0"/>
+              </a:rPr>
+              <a:t>aes</a:t>
+            </a:r>
+            <a:r>
+              <a:rPr lang="de-CH" dirty="0">
+                <a:latin typeface="Courier New" panose="02070309020205020404" pitchFamily="49" charset="0"/>
+                <a:cs typeface="Courier New" panose="02070309020205020404" pitchFamily="49" charset="0"/>
+              </a:rPr>
+              <a:t>(</a:t>
+            </a:r>
+            <a:r>
+              <a:rPr lang="de-CH" dirty="0" err="1">
+                <a:latin typeface="Courier New" panose="02070309020205020404" pitchFamily="49" charset="0"/>
+                <a:cs typeface="Courier New" panose="02070309020205020404" pitchFamily="49" charset="0"/>
+              </a:rPr>
+              <a:t>color</a:t>
+            </a:r>
+            <a:r>
+              <a:rPr lang="de-CH" dirty="0">
+                <a:latin typeface="Courier New" panose="02070309020205020404" pitchFamily="49" charset="0"/>
+                <a:cs typeface="Courier New" panose="02070309020205020404" pitchFamily="49" charset="0"/>
+              </a:rPr>
+              <a:t> = </a:t>
+            </a:r>
+            <a:r>
+              <a:rPr lang="de-CH" dirty="0" err="1">
+                <a:latin typeface="Courier New" panose="02070309020205020404" pitchFamily="49" charset="0"/>
+                <a:cs typeface="Courier New" panose="02070309020205020404" pitchFamily="49" charset="0"/>
+              </a:rPr>
+              <a:t>Species</a:t>
+            </a:r>
+            <a:r>
+              <a:rPr lang="de-CH" dirty="0">
+                <a:latin typeface="Courier New" panose="02070309020205020404" pitchFamily="49" charset="0"/>
+                <a:cs typeface="Courier New" panose="02070309020205020404" pitchFamily="49" charset="0"/>
+              </a:rPr>
+              <a:t>)) +</a:t>
+            </a:r>
+          </a:p>
+          <a:p>
+            <a:pPr marL="0" indent="0">
+              <a:buNone/>
+            </a:pPr>
+            <a:r>
+              <a:rPr lang="de-CH" dirty="0">
+                <a:latin typeface="Courier New" panose="02070309020205020404" pitchFamily="49" charset="0"/>
+                <a:cs typeface="Courier New" panose="02070309020205020404" pitchFamily="49" charset="0"/>
+              </a:rPr>
+              <a:t>    </a:t>
+            </a:r>
+            <a:r>
+              <a:rPr lang="de-CH" dirty="0" err="1">
+                <a:latin typeface="Courier New" panose="02070309020205020404" pitchFamily="49" charset="0"/>
+                <a:cs typeface="Courier New" panose="02070309020205020404" pitchFamily="49" charset="0"/>
+              </a:rPr>
+              <a:t>theme_classic</a:t>
+            </a:r>
+            <a:r>
+              <a:rPr lang="de-CH" dirty="0">
+                <a:latin typeface="Courier New" panose="02070309020205020404" pitchFamily="49" charset="0"/>
+                <a:cs typeface="Courier New" panose="02070309020205020404" pitchFamily="49" charset="0"/>
+              </a:rPr>
+              <a:t>(</a:t>
+            </a:r>
+            <a:r>
+              <a:rPr lang="de-CH" dirty="0" err="1">
+                <a:latin typeface="Courier New" panose="02070309020205020404" pitchFamily="49" charset="0"/>
+                <a:cs typeface="Courier New" panose="02070309020205020404" pitchFamily="49" charset="0"/>
+              </a:rPr>
+              <a:t>base_size</a:t>
+            </a:r>
+            <a:r>
+              <a:rPr lang="de-CH" dirty="0">
+                <a:latin typeface="Courier New" panose="02070309020205020404" pitchFamily="49" charset="0"/>
+                <a:cs typeface="Courier New" panose="02070309020205020404" pitchFamily="49" charset="0"/>
+              </a:rPr>
+              <a:t> = 12)</a:t>
             </a:r>
           </a:p>
           <a:p>
@@ -9362,6 +9959,118 @@
               <a:buNone/>
             </a:pPr>
             <a:endParaRPr lang="de-CH" dirty="0"/>
+          </a:p>
+          <a:p>
+            <a:pPr marL="0" indent="0">
+              <a:buNone/>
+            </a:pPr>
+            <a:r>
+              <a:rPr lang="de-CH" b="1" dirty="0">
+                <a:solidFill>
+                  <a:schemeClr val="tx2"/>
+                </a:solidFill>
+                <a:latin typeface="Courier New" panose="02070309020205020404" pitchFamily="49" charset="0"/>
+                <a:cs typeface="Courier New" panose="02070309020205020404" pitchFamily="49" charset="0"/>
+              </a:rPr>
+              <a:t># </a:t>
+            </a:r>
+            <a:r>
+              <a:rPr lang="de-CH" b="1" dirty="0" err="1">
+                <a:solidFill>
+                  <a:schemeClr val="tx2"/>
+                </a:solidFill>
+                <a:latin typeface="Courier New" panose="02070309020205020404" pitchFamily="49" charset="0"/>
+                <a:cs typeface="Courier New" panose="02070309020205020404" pitchFamily="49" charset="0"/>
+              </a:rPr>
+              <a:t>Does</a:t>
+            </a:r>
+            <a:r>
+              <a:rPr lang="de-CH" b="1" dirty="0">
+                <a:solidFill>
+                  <a:schemeClr val="tx2"/>
+                </a:solidFill>
+                <a:latin typeface="Courier New" panose="02070309020205020404" pitchFamily="49" charset="0"/>
+                <a:cs typeface="Courier New" panose="02070309020205020404" pitchFamily="49" charset="0"/>
+              </a:rPr>
+              <a:t> </a:t>
+            </a:r>
+            <a:r>
+              <a:rPr lang="de-CH" b="1" dirty="0" err="1">
+                <a:solidFill>
+                  <a:schemeClr val="tx2"/>
+                </a:solidFill>
+                <a:latin typeface="Courier New" panose="02070309020205020404" pitchFamily="49" charset="0"/>
+                <a:cs typeface="Courier New" panose="02070309020205020404" pitchFamily="49" charset="0"/>
+              </a:rPr>
+              <a:t>something</a:t>
+            </a:r>
+            <a:r>
+              <a:rPr lang="de-CH" b="1" dirty="0">
+                <a:solidFill>
+                  <a:schemeClr val="tx2"/>
+                </a:solidFill>
+                <a:latin typeface="Courier New" panose="02070309020205020404" pitchFamily="49" charset="0"/>
+                <a:cs typeface="Courier New" panose="02070309020205020404" pitchFamily="49" charset="0"/>
+              </a:rPr>
+              <a:t> cool</a:t>
+            </a:r>
+          </a:p>
+          <a:p>
+            <a:pPr marL="0" indent="0">
+              <a:buNone/>
+            </a:pPr>
+            <a:r>
+              <a:rPr lang="de-CH" dirty="0" err="1">
+                <a:latin typeface="Courier New" panose="02070309020205020404" pitchFamily="49" charset="0"/>
+                <a:cs typeface="Courier New" panose="02070309020205020404" pitchFamily="49" charset="0"/>
+              </a:rPr>
+              <a:t>something_cool</a:t>
+            </a:r>
+            <a:r>
+              <a:rPr lang="de-CH" dirty="0">
+                <a:latin typeface="Courier New" panose="02070309020205020404" pitchFamily="49" charset="0"/>
+                <a:cs typeface="Courier New" panose="02070309020205020404" pitchFamily="49" charset="0"/>
+              </a:rPr>
+              <a:t> &lt;- </a:t>
+            </a:r>
+            <a:r>
+              <a:rPr lang="de-CH" dirty="0" err="1">
+                <a:latin typeface="Courier New" panose="02070309020205020404" pitchFamily="49" charset="0"/>
+                <a:cs typeface="Courier New" panose="02070309020205020404" pitchFamily="49" charset="0"/>
+              </a:rPr>
+              <a:t>function</a:t>
+            </a:r>
+            <a:r>
+              <a:rPr lang="de-CH" dirty="0">
+                <a:latin typeface="Courier New" panose="02070309020205020404" pitchFamily="49" charset="0"/>
+                <a:cs typeface="Courier New" panose="02070309020205020404" pitchFamily="49" charset="0"/>
+              </a:rPr>
+              <a:t>(…) {</a:t>
+            </a:r>
+          </a:p>
+          <a:p>
+            <a:pPr marL="0" indent="0">
+              <a:buNone/>
+            </a:pPr>
+            <a:r>
+              <a:rPr lang="de-CH" dirty="0">
+                <a:latin typeface="Courier New" panose="02070309020205020404" pitchFamily="49" charset="0"/>
+                <a:cs typeface="Courier New" panose="02070309020205020404" pitchFamily="49" charset="0"/>
+              </a:rPr>
+              <a:t>…</a:t>
+            </a:r>
+          </a:p>
+          <a:p>
+            <a:pPr marL="0" indent="0">
+              <a:buNone/>
+            </a:pPr>
+            <a:r>
+              <a:rPr lang="de-CH" dirty="0">
+                <a:latin typeface="Courier New" panose="02070309020205020404" pitchFamily="49" charset="0"/>
+                <a:cs typeface="Courier New" panose="02070309020205020404" pitchFamily="49" charset="0"/>
+              </a:rPr>
+              <a:t>}</a:t>
+            </a:r>
           </a:p>
         </p:txBody>
       </p:sp>
@@ -9439,7 +10148,7 @@
           <a:p>
             <a:fld id="{76AA5BC4-8BF6-4DDD-B3E1-1D2BF7222D22}" type="datetime1">
               <a:rPr lang="de-CH" smtClean="0"/>
-              <a:t>09.02.2022</a:t>
+              <a:t>11.02.2022</a:t>
             </a:fld>
             <a:endParaRPr lang="fr-CH" dirty="0"/>
           </a:p>
@@ -9507,10 +10216,15 @@
             <p:ph idx="1"/>
           </p:nvPr>
         </p:nvSpPr>
-        <p:spPr/>
+        <p:spPr>
+          <a:xfrm>
+            <a:off x="640270" y="1338004"/>
+            <a:ext cx="3304489" cy="1495744"/>
+          </a:xfrm>
+        </p:spPr>
         <p:txBody>
           <a:bodyPr>
-            <a:normAutofit/>
+            <a:normAutofit fontScale="92500" lnSpcReduction="10000"/>
           </a:bodyPr>
           <a:lstStyle/>
           <a:p>
@@ -9518,8 +10232,101 @@
               <a:buNone/>
             </a:pPr>
             <a:r>
+              <a:rPr lang="de-CH" dirty="0" err="1">
+                <a:solidFill>
+                  <a:schemeClr val="tx2"/>
+                </a:solidFill>
+              </a:rPr>
+              <a:t>Good</a:t>
+            </a:r>
+            <a:r>
+              <a:rPr lang="de-CH" dirty="0">
+                <a:solidFill>
+                  <a:schemeClr val="tx2"/>
+                </a:solidFill>
+              </a:rPr>
+              <a:t> </a:t>
+            </a:r>
+            <a:r>
+              <a:rPr lang="de-CH" dirty="0" err="1">
+                <a:solidFill>
+                  <a:schemeClr val="tx2"/>
+                </a:solidFill>
+              </a:rPr>
+              <a:t>documentation</a:t>
+            </a:r>
+            <a:r>
+              <a:rPr lang="de-CH" dirty="0">
+                <a:solidFill>
+                  <a:schemeClr val="tx2"/>
+                </a:solidFill>
+              </a:rPr>
+              <a:t> </a:t>
+            </a:r>
+            <a:br>
+              <a:rPr lang="de-CH" dirty="0">
+                <a:solidFill>
+                  <a:schemeClr val="tx2"/>
+                </a:solidFill>
+              </a:rPr>
+            </a:br>
+            <a:r>
+              <a:rPr lang="de-CH" dirty="0" err="1">
+                <a:solidFill>
+                  <a:schemeClr val="tx2"/>
+                </a:solidFill>
+              </a:rPr>
+              <a:t>of</a:t>
+            </a:r>
+            <a:r>
+              <a:rPr lang="de-CH" dirty="0">
+                <a:solidFill>
+                  <a:schemeClr val="tx2"/>
+                </a:solidFill>
+              </a:rPr>
+              <a:t> a </a:t>
+            </a:r>
+            <a:r>
+              <a:rPr lang="de-CH" dirty="0" err="1">
+                <a:solidFill>
+                  <a:schemeClr val="tx2"/>
+                </a:solidFill>
+              </a:rPr>
+              <a:t>function</a:t>
+            </a:r>
+            <a:r>
+              <a:rPr lang="de-CH" dirty="0">
+                <a:solidFill>
+                  <a:schemeClr val="tx2"/>
+                </a:solidFill>
+              </a:rPr>
+              <a:t> </a:t>
+            </a:r>
+            <a:r>
+              <a:rPr lang="de-CH" dirty="0" err="1">
+                <a:solidFill>
+                  <a:schemeClr val="tx2"/>
+                </a:solidFill>
+              </a:rPr>
+              <a:t>is</a:t>
+            </a:r>
+            <a:r>
+              <a:rPr lang="de-CH" dirty="0">
+                <a:solidFill>
+                  <a:schemeClr val="tx2"/>
+                </a:solidFill>
+              </a:rPr>
+              <a:t> essential</a:t>
+            </a:r>
+          </a:p>
+          <a:p>
+            <a:r>
+              <a:rPr lang="de-CH" dirty="0"/>
+              <a:t>Human </a:t>
+            </a:r>
+            <a:r>
               <a:rPr lang="de-CH" dirty="0" err="1"/>
-              <a:t>Good</a:t>
+              <a:t>beings</a:t>
             </a:r>
             <a:r>
               <a:rPr lang="de-CH" dirty="0"/>
@@ -9527,7 +10334,7 @@
             </a:r>
             <a:r>
               <a:rPr lang="de-CH" dirty="0" err="1"/>
-              <a:t>documentation</a:t>
+              <a:t>are</a:t>
             </a:r>
             <a:r>
               <a:rPr lang="de-CH" dirty="0"/>
@@ -9535,15 +10342,18 @@
             </a:r>
             <a:r>
               <a:rPr lang="de-CH" dirty="0" err="1"/>
-              <a:t>of</a:t>
-            </a:r>
+              <a:t>forgetful</a:t>
+            </a:r>
+            <a:endParaRPr lang="de-CH" dirty="0"/>
+          </a:p>
+          <a:p>
             <a:r>
               <a:rPr lang="de-CH" dirty="0"/>
-              <a:t> a </a:t>
+              <a:t>At </a:t>
             </a:r>
             <a:r>
               <a:rPr lang="de-CH" dirty="0" err="1"/>
-              <a:t>function</a:t>
+              <a:t>some</a:t>
             </a:r>
             <a:r>
               <a:rPr lang="de-CH" dirty="0"/>
@@ -9551,21 +10361,15 @@
             </a:r>
             <a:r>
               <a:rPr lang="de-CH" dirty="0" err="1"/>
-              <a:t>is</a:t>
+              <a:t>point</a:t>
             </a:r>
             <a:r>
               <a:rPr lang="de-CH" dirty="0"/>
-              <a:t> essential</a:t>
-            </a:r>
-          </a:p>
-          <a:p>
-            <a:r>
-              <a:rPr lang="de-CH" dirty="0"/>
-              <a:t>Human </a:t>
+              <a:t>, </a:t>
             </a:r>
             <a:r>
               <a:rPr lang="de-CH" dirty="0" err="1"/>
-              <a:t>beings</a:t>
+              <a:t>the</a:t>
             </a:r>
             <a:r>
               <a:rPr lang="de-CH" dirty="0"/>
@@ -9573,124 +10377,89 @@
             </a:r>
             <a:r>
               <a:rPr lang="de-CH" dirty="0" err="1"/>
-              <a:t>are</a:t>
+              <a:t>project</a:t>
+            </a:r>
+            <a:r>
+              <a:rPr lang="de-CH" dirty="0"/>
+              <a:t> will </a:t>
+            </a:r>
+            <a:r>
+              <a:rPr lang="de-CH" dirty="0" err="1"/>
+              <a:t>be</a:t>
             </a:r>
             <a:r>
               <a:rPr lang="de-CH" dirty="0"/>
               <a:t> </a:t>
-            </a:r>
-            <a:r>
-              <a:rPr lang="de-CH" dirty="0" err="1"/>
-              <a:t>forgetful</a:t>
-            </a:r>
-            <a:endParaRPr lang="de-CH" dirty="0"/>
-          </a:p>
-          <a:p>
-            <a:r>
-              <a:rPr lang="de-CH" dirty="0"/>
-              <a:t>At </a:t>
-            </a:r>
-            <a:r>
-              <a:rPr lang="de-CH" dirty="0" err="1"/>
-              <a:t>some</a:t>
-            </a:r>
-            <a:r>
-              <a:rPr lang="de-CH" dirty="0"/>
-              <a:t> </a:t>
-            </a:r>
-            <a:r>
-              <a:rPr lang="de-CH" dirty="0" err="1"/>
-              <a:t>point</a:t>
-            </a:r>
-            <a:r>
-              <a:rPr lang="de-CH" dirty="0"/>
-              <a:t>, </a:t>
-            </a:r>
-            <a:r>
-              <a:rPr lang="de-CH" dirty="0" err="1"/>
-              <a:t>the</a:t>
-            </a:r>
-            <a:r>
-              <a:rPr lang="de-CH" dirty="0"/>
-              <a:t> </a:t>
-            </a:r>
-            <a:r>
-              <a:rPr lang="de-CH" dirty="0" err="1"/>
-              <a:t>project</a:t>
-            </a:r>
-            <a:r>
-              <a:rPr lang="de-CH" dirty="0"/>
-              <a:t> will </a:t>
-            </a:r>
-            <a:r>
-              <a:rPr lang="de-CH" dirty="0" err="1"/>
-              <a:t>be</a:t>
-            </a:r>
-            <a:r>
-              <a:rPr lang="de-CH" dirty="0"/>
-              <a:t> </a:t>
-            </a:r>
-            <a:r>
-              <a:rPr lang="de-CH" dirty="0" err="1"/>
-              <a:t>handed</a:t>
-            </a:r>
-            <a:r>
-              <a:rPr lang="de-CH" dirty="0"/>
-              <a:t> </a:t>
-            </a:r>
-            <a:r>
-              <a:rPr lang="de-CH" dirty="0" err="1"/>
-              <a:t>over</a:t>
-            </a:r>
-            <a:r>
-              <a:rPr lang="de-CH" dirty="0"/>
-              <a:t> </a:t>
-            </a:r>
-            <a:r>
-              <a:rPr lang="de-CH" dirty="0" err="1"/>
-              <a:t>to</a:t>
-            </a:r>
-            <a:r>
-              <a:rPr lang="de-CH" dirty="0"/>
-              <a:t> </a:t>
-            </a:r>
-            <a:r>
-              <a:rPr lang="de-CH" dirty="0" err="1"/>
-              <a:t>someone</a:t>
-            </a:r>
-            <a:r>
-              <a:rPr lang="de-CH" dirty="0"/>
-              <a:t> </a:t>
-            </a:r>
-            <a:r>
-              <a:rPr lang="de-CH" dirty="0" err="1"/>
-              <a:t>else</a:t>
-            </a:r>
-            <a:endParaRPr lang="de-CH" dirty="0"/>
-          </a:p>
-          <a:p>
-            <a:r>
-              <a:rPr lang="de-CH" dirty="0"/>
-              <a:t>Recommended: </a:t>
-            </a:r>
-            <a:r>
-              <a:rPr lang="de-CH" dirty="0" err="1"/>
-              <a:t>Roxygen</a:t>
-            </a:r>
-            <a:r>
-              <a:rPr lang="de-CH" dirty="0"/>
-              <a:t> style</a:t>
             </a:r>
             <a:br>
               <a:rPr lang="de-CH" dirty="0"/>
             </a:br>
             <a:r>
+              <a:rPr lang="de-CH" dirty="0" err="1"/>
+              <a:t>handed</a:t>
+            </a:r>
+            <a:r>
+              <a:rPr lang="de-CH" dirty="0"/>
+              <a:t> </a:t>
+            </a:r>
+            <a:r>
+              <a:rPr lang="de-CH" dirty="0" err="1"/>
+              <a:t>over</a:t>
+            </a:r>
+            <a:r>
+              <a:rPr lang="de-CH" dirty="0"/>
+              <a:t> </a:t>
+            </a:r>
+            <a:r>
+              <a:rPr lang="de-CH" dirty="0" err="1"/>
+              <a:t>to</a:t>
+            </a:r>
+            <a:r>
+              <a:rPr lang="de-CH" dirty="0"/>
+              <a:t> </a:t>
+            </a:r>
+            <a:r>
+              <a:rPr lang="de-CH" dirty="0" err="1"/>
+              <a:t>someone</a:t>
+            </a:r>
+            <a:r>
+              <a:rPr lang="de-CH" dirty="0"/>
+              <a:t> </a:t>
+            </a:r>
+            <a:r>
+              <a:rPr lang="de-CH" dirty="0" err="1"/>
+              <a:t>else</a:t>
+            </a:r>
+            <a:endParaRPr lang="de-CH" dirty="0"/>
+          </a:p>
+          <a:p>
+            <a:r>
+              <a:rPr lang="de-CH" dirty="0"/>
+              <a:t>Recommended: </a:t>
+            </a:r>
+            <a:r>
+              <a:rPr lang="de-CH" dirty="0" err="1">
+                <a:solidFill>
+                  <a:schemeClr val="tx2"/>
+                </a:solidFill>
+              </a:rPr>
+              <a:t>Roxygen</a:t>
+            </a:r>
+            <a:r>
               <a:rPr lang="de-CH" dirty="0">
-                <a:hlinkClick r:id="rId2"/>
-              </a:rPr>
-              <a:t>https://cran.r-project.org/web/packages/roxygen2/vignettes/roxygen2.html</a:t>
-            </a:r>
-            <a:endParaRPr lang="de-CH" dirty="0"/>
+                <a:solidFill>
+                  <a:schemeClr val="tx2"/>
+                </a:solidFill>
+              </a:rPr>
+              <a:t> style</a:t>
+            </a:r>
+            <a:endParaRPr lang="de-CH" dirty="0">
+              <a:solidFill>
+                <a:schemeClr val="tx2"/>
+              </a:solidFill>
+              <a:latin typeface="Courier New" panose="02070309020205020404" pitchFamily="49" charset="0"/>
+              <a:cs typeface="Courier New" panose="02070309020205020404" pitchFamily="49" charset="0"/>
+            </a:endParaRPr>
           </a:p>
           <a:p>
             <a:pPr marL="0" indent="0">
@@ -9698,106 +10467,1290 @@
             </a:pPr>
             <a:endParaRPr lang="de-CH" dirty="0"/>
           </a:p>
-          <a:p>
-            <a:pPr marL="0" indent="0">
-              <a:buNone/>
-            </a:pPr>
-            <a:r>
-              <a:rPr lang="de-CH" dirty="0" err="1">
-                <a:solidFill>
-                  <a:srgbClr val="C00000"/>
-                </a:solidFill>
-              </a:rPr>
-              <a:t>Example</a:t>
-            </a:r>
-            <a:r>
-              <a:rPr lang="de-CH" dirty="0">
-                <a:solidFill>
-                  <a:srgbClr val="C00000"/>
-                </a:solidFill>
-              </a:rPr>
-              <a:t> (incl. </a:t>
-            </a:r>
-            <a:r>
-              <a:rPr lang="de-CH" dirty="0" err="1">
-                <a:solidFill>
-                  <a:srgbClr val="C00000"/>
-                </a:solidFill>
-              </a:rPr>
-              <a:t>short</a:t>
-            </a:r>
-            <a:r>
-              <a:rPr lang="de-CH" dirty="0">
-                <a:solidFill>
-                  <a:srgbClr val="C00000"/>
-                </a:solidFill>
-              </a:rPr>
-              <a:t> </a:t>
-            </a:r>
-            <a:r>
-              <a:rPr lang="de-CH" dirty="0" err="1">
-                <a:solidFill>
-                  <a:srgbClr val="C00000"/>
-                </a:solidFill>
-              </a:rPr>
-              <a:t>demo</a:t>
-            </a:r>
-            <a:r>
-              <a:rPr lang="de-CH" dirty="0">
-                <a:solidFill>
-                  <a:srgbClr val="C00000"/>
-                </a:solidFill>
-              </a:rPr>
-              <a:t> in R)</a:t>
-            </a:r>
-          </a:p>
-          <a:p>
-            <a:pPr marL="0" indent="0">
-              <a:buNone/>
-            </a:pPr>
-            <a:endParaRPr lang="de-CH" dirty="0">
-              <a:latin typeface="Courier New" panose="02070309020205020404" pitchFamily="49" charset="0"/>
-              <a:cs typeface="Courier New" panose="02070309020205020404" pitchFamily="49" charset="0"/>
-            </a:endParaRPr>
-          </a:p>
-          <a:p>
-            <a:pPr marL="0" indent="0">
-              <a:buNone/>
-            </a:pPr>
-            <a:endParaRPr lang="de-CH" dirty="0"/>
-          </a:p>
-        </p:txBody>
-      </p:sp>
-      <p:pic>
-        <p:nvPicPr>
-          <p:cNvPr id="8" name="Grafik 7">
+        </p:txBody>
+      </p:sp>
+      <p:sp>
+        <p:nvSpPr>
+          <p:cNvPr id="9" name="Textfeld 8">
             <a:extLst>
               <a:ext uri="{FF2B5EF4-FFF2-40B4-BE49-F238E27FC236}">
-                <a16:creationId xmlns:a16="http://schemas.microsoft.com/office/drawing/2014/main" id="{EA0075F2-7C93-4B61-BF85-FE307B868A0E}"/>
+                <a16:creationId xmlns:a16="http://schemas.microsoft.com/office/drawing/2014/main" id="{5B5071EC-513B-48D9-8FEE-30E83F79D2C9}"/>
               </a:ext>
             </a:extLst>
           </p:cNvPr>
-          <p:cNvPicPr>
-            <a:picLocks noChangeAspect="1"/>
-          </p:cNvPicPr>
+          <p:cNvSpPr txBox="1"/>
           <p:nvPr/>
-        </p:nvPicPr>
-        <p:blipFill>
-          <a:blip r:embed="rId3"/>
-          <a:stretch>
-            <a:fillRect/>
-          </a:stretch>
-        </p:blipFill>
+        </p:nvSpPr>
         <p:spPr>
           <a:xfrm>
-            <a:off x="586297" y="3386138"/>
-            <a:ext cx="9006096" cy="2707158"/>
+            <a:off x="4079776" y="1273296"/>
+            <a:ext cx="7416824" cy="4616648"/>
           </a:xfrm>
           <a:prstGeom prst="rect">
             <a:avLst/>
           </a:prstGeom>
+          <a:noFill/>
         </p:spPr>
-      </p:pic>
+        <p:txBody>
+          <a:bodyPr wrap="square">
+            <a:spAutoFit/>
+          </a:bodyPr>
+          <a:lstStyle/>
+          <a:p>
+            <a:r>
+              <a:rPr lang="de-CH" sz="1600" dirty="0" err="1">
+                <a:solidFill>
+                  <a:schemeClr val="tx2"/>
+                </a:solidFill>
+              </a:rPr>
+              <a:t>Example</a:t>
+            </a:r>
+            <a:r>
+              <a:rPr lang="de-CH" sz="1600" dirty="0">
+                <a:solidFill>
+                  <a:schemeClr val="tx2"/>
+                </a:solidFill>
+              </a:rPr>
+              <a:t> (incl. </a:t>
+            </a:r>
+            <a:r>
+              <a:rPr lang="de-CH" sz="1600" dirty="0" err="1">
+                <a:solidFill>
+                  <a:schemeClr val="tx2"/>
+                </a:solidFill>
+              </a:rPr>
+              <a:t>short</a:t>
+            </a:r>
+            <a:r>
+              <a:rPr lang="de-CH" sz="1600" dirty="0">
+                <a:solidFill>
+                  <a:schemeClr val="tx2"/>
+                </a:solidFill>
+              </a:rPr>
+              <a:t> </a:t>
+            </a:r>
+            <a:r>
+              <a:rPr lang="de-CH" sz="1600" dirty="0" err="1">
+                <a:solidFill>
+                  <a:schemeClr val="tx2"/>
+                </a:solidFill>
+              </a:rPr>
+              <a:t>demo</a:t>
+            </a:r>
+            <a:r>
+              <a:rPr lang="de-CH" sz="1600" dirty="0">
+                <a:solidFill>
+                  <a:schemeClr val="tx2"/>
+                </a:solidFill>
+              </a:rPr>
+              <a:t> in R)</a:t>
+            </a:r>
+          </a:p>
+          <a:p>
+            <a:endParaRPr lang="de-CH" sz="1200" dirty="0">
+              <a:latin typeface="Courier New" panose="02070309020205020404" pitchFamily="49" charset="0"/>
+              <a:cs typeface="Courier New" panose="02070309020205020404" pitchFamily="49" charset="0"/>
+            </a:endParaRPr>
+          </a:p>
+          <a:p>
+            <a:r>
+              <a:rPr lang="de-CH" sz="1400" dirty="0">
+                <a:solidFill>
+                  <a:schemeClr val="accent3">
+                    <a:lumMod val="50000"/>
+                  </a:schemeClr>
+                </a:solidFill>
+                <a:latin typeface="Courier New" panose="02070309020205020404" pitchFamily="49" charset="0"/>
+                <a:cs typeface="Courier New" panose="02070309020205020404" pitchFamily="49" charset="0"/>
+              </a:rPr>
+              <a:t>#' Scatterplot </a:t>
+            </a:r>
+            <a:r>
+              <a:rPr lang="de-CH" sz="1400" dirty="0" err="1">
+                <a:solidFill>
+                  <a:schemeClr val="accent3">
+                    <a:lumMod val="50000"/>
+                  </a:schemeClr>
+                </a:solidFill>
+                <a:latin typeface="Courier New" panose="02070309020205020404" pitchFamily="49" charset="0"/>
+                <a:cs typeface="Courier New" panose="02070309020205020404" pitchFamily="49" charset="0"/>
+              </a:rPr>
+              <a:t>for</a:t>
+            </a:r>
+            <a:r>
+              <a:rPr lang="de-CH" sz="1400" dirty="0">
+                <a:solidFill>
+                  <a:schemeClr val="accent3">
+                    <a:lumMod val="50000"/>
+                  </a:schemeClr>
+                </a:solidFill>
+                <a:latin typeface="Courier New" panose="02070309020205020404" pitchFamily="49" charset="0"/>
+                <a:cs typeface="Courier New" panose="02070309020205020404" pitchFamily="49" charset="0"/>
+              </a:rPr>
+              <a:t> </a:t>
+            </a:r>
+            <a:r>
+              <a:rPr lang="de-CH" sz="1400" dirty="0" err="1">
+                <a:solidFill>
+                  <a:schemeClr val="accent3">
+                    <a:lumMod val="50000"/>
+                  </a:schemeClr>
+                </a:solidFill>
+                <a:latin typeface="Courier New" panose="02070309020205020404" pitchFamily="49" charset="0"/>
+                <a:cs typeface="Courier New" panose="02070309020205020404" pitchFamily="49" charset="0"/>
+              </a:rPr>
+              <a:t>iris</a:t>
+            </a:r>
+            <a:r>
+              <a:rPr lang="de-CH" sz="1400" dirty="0">
+                <a:solidFill>
+                  <a:schemeClr val="accent3">
+                    <a:lumMod val="50000"/>
+                  </a:schemeClr>
+                </a:solidFill>
+                <a:latin typeface="Courier New" panose="02070309020205020404" pitchFamily="49" charset="0"/>
+                <a:cs typeface="Courier New" panose="02070309020205020404" pitchFamily="49" charset="0"/>
+              </a:rPr>
+              <a:t> </a:t>
+            </a:r>
+            <a:r>
+              <a:rPr lang="de-CH" sz="1400" dirty="0" err="1">
+                <a:solidFill>
+                  <a:schemeClr val="accent3">
+                    <a:lumMod val="50000"/>
+                  </a:schemeClr>
+                </a:solidFill>
+                <a:latin typeface="Courier New" panose="02070309020205020404" pitchFamily="49" charset="0"/>
+                <a:cs typeface="Courier New" panose="02070309020205020404" pitchFamily="49" charset="0"/>
+              </a:rPr>
+              <a:t>data</a:t>
+            </a:r>
+            <a:endParaRPr lang="de-CH" sz="1400" dirty="0">
+              <a:solidFill>
+                <a:schemeClr val="accent3">
+                  <a:lumMod val="50000"/>
+                </a:schemeClr>
+              </a:solidFill>
+              <a:latin typeface="Courier New" panose="02070309020205020404" pitchFamily="49" charset="0"/>
+              <a:cs typeface="Courier New" panose="02070309020205020404" pitchFamily="49" charset="0"/>
+            </a:endParaRPr>
+          </a:p>
+          <a:p>
+            <a:r>
+              <a:rPr lang="de-CH" sz="1400" dirty="0">
+                <a:solidFill>
+                  <a:schemeClr val="accent3">
+                    <a:lumMod val="50000"/>
+                  </a:schemeClr>
+                </a:solidFill>
+                <a:latin typeface="Courier New" panose="02070309020205020404" pitchFamily="49" charset="0"/>
+                <a:cs typeface="Courier New" panose="02070309020205020404" pitchFamily="49" charset="0"/>
+              </a:rPr>
+              <a:t>#' </a:t>
+            </a:r>
+          </a:p>
+          <a:p>
+            <a:r>
+              <a:rPr lang="de-CH" sz="1400" dirty="0">
+                <a:solidFill>
+                  <a:schemeClr val="accent3">
+                    <a:lumMod val="50000"/>
+                  </a:schemeClr>
+                </a:solidFill>
+                <a:latin typeface="Courier New" panose="02070309020205020404" pitchFamily="49" charset="0"/>
+                <a:cs typeface="Courier New" panose="02070309020205020404" pitchFamily="49" charset="0"/>
+              </a:rPr>
+              <a:t>#' This </a:t>
+            </a:r>
+            <a:r>
+              <a:rPr lang="de-CH" sz="1400" dirty="0" err="1">
+                <a:solidFill>
+                  <a:schemeClr val="accent3">
+                    <a:lumMod val="50000"/>
+                  </a:schemeClr>
+                </a:solidFill>
+                <a:latin typeface="Courier New" panose="02070309020205020404" pitchFamily="49" charset="0"/>
+                <a:cs typeface="Courier New" panose="02070309020205020404" pitchFamily="49" charset="0"/>
+              </a:rPr>
+              <a:t>function</a:t>
+            </a:r>
+            <a:r>
+              <a:rPr lang="de-CH" sz="1400" dirty="0">
+                <a:solidFill>
+                  <a:schemeClr val="accent3">
+                    <a:lumMod val="50000"/>
+                  </a:schemeClr>
+                </a:solidFill>
+                <a:latin typeface="Courier New" panose="02070309020205020404" pitchFamily="49" charset="0"/>
+                <a:cs typeface="Courier New" panose="02070309020205020404" pitchFamily="49" charset="0"/>
+              </a:rPr>
+              <a:t> </a:t>
+            </a:r>
+            <a:r>
+              <a:rPr lang="de-CH" sz="1400" dirty="0" err="1">
+                <a:solidFill>
+                  <a:schemeClr val="accent3">
+                    <a:lumMod val="50000"/>
+                  </a:schemeClr>
+                </a:solidFill>
+                <a:latin typeface="Courier New" panose="02070309020205020404" pitchFamily="49" charset="0"/>
+                <a:cs typeface="Courier New" panose="02070309020205020404" pitchFamily="49" charset="0"/>
+              </a:rPr>
+              <a:t>creates</a:t>
+            </a:r>
+            <a:r>
+              <a:rPr lang="de-CH" sz="1400" dirty="0">
+                <a:solidFill>
+                  <a:schemeClr val="accent3">
+                    <a:lumMod val="50000"/>
+                  </a:schemeClr>
+                </a:solidFill>
+                <a:latin typeface="Courier New" panose="02070309020205020404" pitchFamily="49" charset="0"/>
+                <a:cs typeface="Courier New" panose="02070309020205020404" pitchFamily="49" charset="0"/>
+              </a:rPr>
+              <a:t> a </a:t>
+            </a:r>
+            <a:r>
+              <a:rPr lang="de-CH" sz="1400" dirty="0" err="1">
+                <a:solidFill>
+                  <a:schemeClr val="accent3">
+                    <a:lumMod val="50000"/>
+                  </a:schemeClr>
+                </a:solidFill>
+                <a:latin typeface="Courier New" panose="02070309020205020404" pitchFamily="49" charset="0"/>
+                <a:cs typeface="Courier New" panose="02070309020205020404" pitchFamily="49" charset="0"/>
+              </a:rPr>
+              <a:t>scatterplot</a:t>
+            </a:r>
+            <a:r>
+              <a:rPr lang="de-CH" sz="1400" dirty="0">
+                <a:solidFill>
+                  <a:schemeClr val="accent3">
+                    <a:lumMod val="50000"/>
+                  </a:schemeClr>
+                </a:solidFill>
+                <a:latin typeface="Courier New" panose="02070309020205020404" pitchFamily="49" charset="0"/>
+                <a:cs typeface="Courier New" panose="02070309020205020404" pitchFamily="49" charset="0"/>
+              </a:rPr>
+              <a:t> </a:t>
+            </a:r>
+            <a:r>
+              <a:rPr lang="de-CH" sz="1400" dirty="0" err="1">
+                <a:solidFill>
+                  <a:schemeClr val="accent3">
+                    <a:lumMod val="50000"/>
+                  </a:schemeClr>
+                </a:solidFill>
+                <a:latin typeface="Courier New" panose="02070309020205020404" pitchFamily="49" charset="0"/>
+                <a:cs typeface="Courier New" panose="02070309020205020404" pitchFamily="49" charset="0"/>
+              </a:rPr>
+              <a:t>of</a:t>
+            </a:r>
+            <a:r>
+              <a:rPr lang="de-CH" sz="1400" dirty="0">
+                <a:solidFill>
+                  <a:schemeClr val="accent3">
+                    <a:lumMod val="50000"/>
+                  </a:schemeClr>
+                </a:solidFill>
+                <a:latin typeface="Courier New" panose="02070309020205020404" pitchFamily="49" charset="0"/>
+                <a:cs typeface="Courier New" panose="02070309020205020404" pitchFamily="49" charset="0"/>
+              </a:rPr>
+              <a:t> </a:t>
+            </a:r>
+            <a:r>
+              <a:rPr lang="de-CH" sz="1400" dirty="0" err="1">
+                <a:solidFill>
+                  <a:schemeClr val="accent3">
+                    <a:lumMod val="50000"/>
+                  </a:schemeClr>
+                </a:solidFill>
+                <a:latin typeface="Courier New" panose="02070309020205020404" pitchFamily="49" charset="0"/>
+                <a:cs typeface="Courier New" panose="02070309020205020404" pitchFamily="49" charset="0"/>
+              </a:rPr>
+              <a:t>two</a:t>
+            </a:r>
+            <a:r>
+              <a:rPr lang="de-CH" sz="1400" dirty="0">
+                <a:solidFill>
+                  <a:schemeClr val="accent3">
+                    <a:lumMod val="50000"/>
+                  </a:schemeClr>
+                </a:solidFill>
+                <a:latin typeface="Courier New" panose="02070309020205020404" pitchFamily="49" charset="0"/>
+                <a:cs typeface="Courier New" panose="02070309020205020404" pitchFamily="49" charset="0"/>
+              </a:rPr>
+              <a:t> </a:t>
+            </a:r>
+            <a:r>
+              <a:rPr lang="de-CH" sz="1400" dirty="0" err="1">
+                <a:solidFill>
+                  <a:schemeClr val="accent3">
+                    <a:lumMod val="50000"/>
+                  </a:schemeClr>
+                </a:solidFill>
+                <a:latin typeface="Courier New" panose="02070309020205020404" pitchFamily="49" charset="0"/>
+                <a:cs typeface="Courier New" panose="02070309020205020404" pitchFamily="49" charset="0"/>
+              </a:rPr>
+              <a:t>numeric</a:t>
+            </a:r>
+            <a:r>
+              <a:rPr lang="de-CH" sz="1400" dirty="0">
+                <a:solidFill>
+                  <a:schemeClr val="accent3">
+                    <a:lumMod val="50000"/>
+                  </a:schemeClr>
+                </a:solidFill>
+                <a:latin typeface="Courier New" panose="02070309020205020404" pitchFamily="49" charset="0"/>
+                <a:cs typeface="Courier New" panose="02070309020205020404" pitchFamily="49" charset="0"/>
+              </a:rPr>
+              <a:t> variables </a:t>
+            </a:r>
+          </a:p>
+          <a:p>
+            <a:r>
+              <a:rPr lang="de-CH" sz="1400" dirty="0">
+                <a:solidFill>
+                  <a:schemeClr val="accent3">
+                    <a:lumMod val="50000"/>
+                  </a:schemeClr>
+                </a:solidFill>
+                <a:latin typeface="Courier New" panose="02070309020205020404" pitchFamily="49" charset="0"/>
+                <a:cs typeface="Courier New" panose="02070309020205020404" pitchFamily="49" charset="0"/>
+              </a:rPr>
+              <a:t>#' </a:t>
+            </a:r>
+            <a:r>
+              <a:rPr lang="de-CH" sz="1400" dirty="0" err="1">
+                <a:solidFill>
+                  <a:schemeClr val="accent3">
+                    <a:lumMod val="50000"/>
+                  </a:schemeClr>
+                </a:solidFill>
+                <a:latin typeface="Courier New" panose="02070309020205020404" pitchFamily="49" charset="0"/>
+                <a:cs typeface="Courier New" panose="02070309020205020404" pitchFamily="49" charset="0"/>
+              </a:rPr>
+              <a:t>from</a:t>
+            </a:r>
+            <a:r>
+              <a:rPr lang="de-CH" sz="1400" dirty="0">
+                <a:solidFill>
+                  <a:schemeClr val="accent3">
+                    <a:lumMod val="50000"/>
+                  </a:schemeClr>
+                </a:solidFill>
+                <a:latin typeface="Courier New" panose="02070309020205020404" pitchFamily="49" charset="0"/>
+                <a:cs typeface="Courier New" panose="02070309020205020404" pitchFamily="49" charset="0"/>
+              </a:rPr>
+              <a:t> </a:t>
+            </a:r>
+            <a:r>
+              <a:rPr lang="de-CH" sz="1400" dirty="0" err="1">
+                <a:solidFill>
+                  <a:schemeClr val="accent3">
+                    <a:lumMod val="50000"/>
+                  </a:schemeClr>
+                </a:solidFill>
+                <a:latin typeface="Courier New" panose="02070309020205020404" pitchFamily="49" charset="0"/>
+                <a:cs typeface="Courier New" panose="02070309020205020404" pitchFamily="49" charset="0"/>
+              </a:rPr>
+              <a:t>the</a:t>
+            </a:r>
+            <a:r>
+              <a:rPr lang="de-CH" sz="1400" dirty="0">
+                <a:solidFill>
+                  <a:schemeClr val="accent3">
+                    <a:lumMod val="50000"/>
+                  </a:schemeClr>
+                </a:solidFill>
+                <a:latin typeface="Courier New" panose="02070309020205020404" pitchFamily="49" charset="0"/>
+                <a:cs typeface="Courier New" panose="02070309020205020404" pitchFamily="49" charset="0"/>
+              </a:rPr>
+              <a:t> </a:t>
+            </a:r>
+            <a:r>
+              <a:rPr lang="de-CH" sz="1400" dirty="0">
+                <a:solidFill>
+                  <a:srgbClr val="002060"/>
+                </a:solidFill>
+                <a:latin typeface="Courier New" panose="02070309020205020404" pitchFamily="49" charset="0"/>
+                <a:cs typeface="Courier New" panose="02070309020205020404" pitchFamily="49" charset="0"/>
+              </a:rPr>
+              <a:t>\code</a:t>
+            </a:r>
+            <a:r>
+              <a:rPr lang="de-CH" sz="1400" dirty="0">
+                <a:solidFill>
+                  <a:schemeClr val="accent3">
+                    <a:lumMod val="50000"/>
+                  </a:schemeClr>
+                </a:solidFill>
+                <a:latin typeface="Courier New" panose="02070309020205020404" pitchFamily="49" charset="0"/>
+                <a:cs typeface="Courier New" panose="02070309020205020404" pitchFamily="49" charset="0"/>
+              </a:rPr>
+              <a:t>{</a:t>
+            </a:r>
+            <a:r>
+              <a:rPr lang="de-CH" sz="1400" dirty="0" err="1">
+                <a:solidFill>
+                  <a:schemeClr val="accent3">
+                    <a:lumMod val="50000"/>
+                  </a:schemeClr>
+                </a:solidFill>
+                <a:latin typeface="Courier New" panose="02070309020205020404" pitchFamily="49" charset="0"/>
+                <a:cs typeface="Courier New" panose="02070309020205020404" pitchFamily="49" charset="0"/>
+              </a:rPr>
+              <a:t>iris</a:t>
+            </a:r>
+            <a:r>
+              <a:rPr lang="de-CH" sz="1400" dirty="0">
+                <a:solidFill>
+                  <a:schemeClr val="accent3">
+                    <a:lumMod val="50000"/>
+                  </a:schemeClr>
+                </a:solidFill>
+                <a:latin typeface="Courier New" panose="02070309020205020404" pitchFamily="49" charset="0"/>
+                <a:cs typeface="Courier New" panose="02070309020205020404" pitchFamily="49" charset="0"/>
+              </a:rPr>
+              <a:t>} </a:t>
+            </a:r>
+            <a:r>
+              <a:rPr lang="de-CH" sz="1400" dirty="0" err="1">
+                <a:solidFill>
+                  <a:schemeClr val="accent3">
+                    <a:lumMod val="50000"/>
+                  </a:schemeClr>
+                </a:solidFill>
+                <a:latin typeface="Courier New" panose="02070309020205020404" pitchFamily="49" charset="0"/>
+                <a:cs typeface="Courier New" panose="02070309020205020404" pitchFamily="49" charset="0"/>
+              </a:rPr>
+              <a:t>dataset</a:t>
+            </a:r>
+            <a:r>
+              <a:rPr lang="de-CH" sz="1400" dirty="0">
+                <a:solidFill>
+                  <a:schemeClr val="accent3">
+                    <a:lumMod val="50000"/>
+                  </a:schemeClr>
+                </a:solidFill>
+                <a:latin typeface="Courier New" panose="02070309020205020404" pitchFamily="49" charset="0"/>
+                <a:cs typeface="Courier New" panose="02070309020205020404" pitchFamily="49" charset="0"/>
+              </a:rPr>
+              <a:t>, </a:t>
+            </a:r>
+            <a:r>
+              <a:rPr lang="de-CH" sz="1400" dirty="0" err="1">
+                <a:solidFill>
+                  <a:schemeClr val="accent3">
+                    <a:lumMod val="50000"/>
+                  </a:schemeClr>
+                </a:solidFill>
+                <a:latin typeface="Courier New" panose="02070309020205020404" pitchFamily="49" charset="0"/>
+                <a:cs typeface="Courier New" panose="02070309020205020404" pitchFamily="49" charset="0"/>
+              </a:rPr>
+              <a:t>color</a:t>
+            </a:r>
+            <a:r>
+              <a:rPr lang="de-CH" sz="1400" dirty="0">
+                <a:solidFill>
+                  <a:schemeClr val="accent3">
+                    <a:lumMod val="50000"/>
+                  </a:schemeClr>
+                </a:solidFill>
+                <a:latin typeface="Courier New" panose="02070309020205020404" pitchFamily="49" charset="0"/>
+                <a:cs typeface="Courier New" panose="02070309020205020404" pitchFamily="49" charset="0"/>
+              </a:rPr>
+              <a:t> </a:t>
+            </a:r>
+            <a:r>
+              <a:rPr lang="de-CH" sz="1400" dirty="0" err="1">
+                <a:solidFill>
+                  <a:schemeClr val="accent3">
+                    <a:lumMod val="50000"/>
+                  </a:schemeClr>
+                </a:solidFill>
+                <a:latin typeface="Courier New" panose="02070309020205020404" pitchFamily="49" charset="0"/>
+                <a:cs typeface="Courier New" panose="02070309020205020404" pitchFamily="49" charset="0"/>
+              </a:rPr>
+              <a:t>highlighting</a:t>
+            </a:r>
+            <a:r>
+              <a:rPr lang="de-CH" sz="1400" dirty="0">
+                <a:solidFill>
+                  <a:schemeClr val="accent3">
+                    <a:lumMod val="50000"/>
+                  </a:schemeClr>
+                </a:solidFill>
+                <a:latin typeface="Courier New" panose="02070309020205020404" pitchFamily="49" charset="0"/>
+                <a:cs typeface="Courier New" panose="02070309020205020404" pitchFamily="49" charset="0"/>
+              </a:rPr>
+              <a:t> </a:t>
+            </a:r>
+            <a:r>
+              <a:rPr lang="de-CH" sz="1400" dirty="0">
+                <a:solidFill>
+                  <a:srgbClr val="002060"/>
+                </a:solidFill>
+                <a:latin typeface="Courier New" panose="02070309020205020404" pitchFamily="49" charset="0"/>
+                <a:cs typeface="Courier New" panose="02070309020205020404" pitchFamily="49" charset="0"/>
+              </a:rPr>
+              <a:t>\code</a:t>
+            </a:r>
+            <a:r>
+              <a:rPr lang="de-CH" sz="1400" dirty="0">
+                <a:solidFill>
+                  <a:schemeClr val="accent3">
+                    <a:lumMod val="50000"/>
+                  </a:schemeClr>
+                </a:solidFill>
+                <a:latin typeface="Courier New" panose="02070309020205020404" pitchFamily="49" charset="0"/>
+                <a:cs typeface="Courier New" panose="02070309020205020404" pitchFamily="49" charset="0"/>
+              </a:rPr>
+              <a:t>{</a:t>
+            </a:r>
+            <a:r>
+              <a:rPr lang="de-CH" sz="1400" dirty="0" err="1">
+                <a:solidFill>
+                  <a:schemeClr val="accent3">
+                    <a:lumMod val="50000"/>
+                  </a:schemeClr>
+                </a:solidFill>
+                <a:latin typeface="Courier New" panose="02070309020205020404" pitchFamily="49" charset="0"/>
+                <a:cs typeface="Courier New" panose="02070309020205020404" pitchFamily="49" charset="0"/>
+              </a:rPr>
+              <a:t>Species</a:t>
+            </a:r>
+            <a:r>
+              <a:rPr lang="de-CH" sz="1400" dirty="0">
+                <a:solidFill>
+                  <a:schemeClr val="accent3">
+                    <a:lumMod val="50000"/>
+                  </a:schemeClr>
+                </a:solidFill>
+                <a:latin typeface="Courier New" panose="02070309020205020404" pitchFamily="49" charset="0"/>
+                <a:cs typeface="Courier New" panose="02070309020205020404" pitchFamily="49" charset="0"/>
+              </a:rPr>
+              <a:t>}.</a:t>
+            </a:r>
+          </a:p>
+          <a:p>
+            <a:r>
+              <a:rPr lang="de-CH" sz="1400" dirty="0">
+                <a:solidFill>
+                  <a:schemeClr val="accent3">
+                    <a:lumMod val="50000"/>
+                  </a:schemeClr>
+                </a:solidFill>
+                <a:latin typeface="Courier New" panose="02070309020205020404" pitchFamily="49" charset="0"/>
+                <a:cs typeface="Courier New" panose="02070309020205020404" pitchFamily="49" charset="0"/>
+              </a:rPr>
+              <a:t>#' </a:t>
+            </a:r>
+          </a:p>
+          <a:p>
+            <a:r>
+              <a:rPr lang="de-CH" sz="1400" dirty="0">
+                <a:solidFill>
+                  <a:schemeClr val="accent3">
+                    <a:lumMod val="50000"/>
+                  </a:schemeClr>
+                </a:solidFill>
+                <a:latin typeface="Courier New" panose="02070309020205020404" pitchFamily="49" charset="0"/>
+                <a:cs typeface="Courier New" panose="02070309020205020404" pitchFamily="49" charset="0"/>
+              </a:rPr>
+              <a:t>#' </a:t>
+            </a:r>
+            <a:r>
+              <a:rPr lang="de-CH" sz="1400" dirty="0">
+                <a:solidFill>
+                  <a:srgbClr val="002060"/>
+                </a:solidFill>
+                <a:latin typeface="Courier New" panose="02070309020205020404" pitchFamily="49" charset="0"/>
+                <a:cs typeface="Courier New" panose="02070309020205020404" pitchFamily="49" charset="0"/>
+              </a:rPr>
+              <a:t>@param </a:t>
+            </a:r>
+            <a:r>
+              <a:rPr lang="de-CH" sz="1400" dirty="0">
+                <a:solidFill>
+                  <a:schemeClr val="accent3">
+                    <a:lumMod val="50000"/>
+                  </a:schemeClr>
+                </a:solidFill>
+                <a:latin typeface="Courier New" panose="02070309020205020404" pitchFamily="49" charset="0"/>
+                <a:cs typeface="Courier New" panose="02070309020205020404" pitchFamily="49" charset="0"/>
+              </a:rPr>
+              <a:t>x Variable </a:t>
+            </a:r>
+            <a:r>
+              <a:rPr lang="de-CH" sz="1400" dirty="0" err="1">
+                <a:solidFill>
+                  <a:schemeClr val="accent3">
+                    <a:lumMod val="50000"/>
+                  </a:schemeClr>
+                </a:solidFill>
+                <a:latin typeface="Courier New" panose="02070309020205020404" pitchFamily="49" charset="0"/>
+                <a:cs typeface="Courier New" panose="02070309020205020404" pitchFamily="49" charset="0"/>
+              </a:rPr>
+              <a:t>name</a:t>
+            </a:r>
+            <a:r>
+              <a:rPr lang="de-CH" sz="1400" dirty="0">
+                <a:solidFill>
+                  <a:schemeClr val="accent3">
+                    <a:lumMod val="50000"/>
+                  </a:schemeClr>
+                </a:solidFill>
+                <a:latin typeface="Courier New" panose="02070309020205020404" pitchFamily="49" charset="0"/>
+                <a:cs typeface="Courier New" panose="02070309020205020404" pitchFamily="49" charset="0"/>
+              </a:rPr>
+              <a:t> on x </a:t>
+            </a:r>
+            <a:r>
+              <a:rPr lang="de-CH" sz="1400" dirty="0" err="1">
+                <a:solidFill>
+                  <a:schemeClr val="accent3">
+                    <a:lumMod val="50000"/>
+                  </a:schemeClr>
+                </a:solidFill>
+                <a:latin typeface="Courier New" panose="02070309020205020404" pitchFamily="49" charset="0"/>
+                <a:cs typeface="Courier New" panose="02070309020205020404" pitchFamily="49" charset="0"/>
+              </a:rPr>
+              <a:t>axis</a:t>
+            </a:r>
+            <a:r>
+              <a:rPr lang="de-CH" sz="1400" dirty="0">
+                <a:solidFill>
+                  <a:schemeClr val="accent3">
+                    <a:lumMod val="50000"/>
+                  </a:schemeClr>
+                </a:solidFill>
+                <a:latin typeface="Courier New" panose="02070309020205020404" pitchFamily="49" charset="0"/>
+                <a:cs typeface="Courier New" panose="02070309020205020404" pitchFamily="49" charset="0"/>
+              </a:rPr>
+              <a:t>.</a:t>
+            </a:r>
+          </a:p>
+          <a:p>
+            <a:r>
+              <a:rPr lang="de-CH" sz="1400" dirty="0">
+                <a:solidFill>
+                  <a:schemeClr val="accent3">
+                    <a:lumMod val="50000"/>
+                  </a:schemeClr>
+                </a:solidFill>
+                <a:latin typeface="Courier New" panose="02070309020205020404" pitchFamily="49" charset="0"/>
+                <a:cs typeface="Courier New" panose="02070309020205020404" pitchFamily="49" charset="0"/>
+              </a:rPr>
+              <a:t>#' </a:t>
+            </a:r>
+            <a:r>
+              <a:rPr lang="de-CH" sz="1400" dirty="0">
+                <a:solidFill>
+                  <a:srgbClr val="002060"/>
+                </a:solidFill>
+                <a:latin typeface="Courier New" panose="02070309020205020404" pitchFamily="49" charset="0"/>
+                <a:cs typeface="Courier New" panose="02070309020205020404" pitchFamily="49" charset="0"/>
+              </a:rPr>
+              <a:t>@param </a:t>
+            </a:r>
+            <a:r>
+              <a:rPr lang="de-CH" sz="1400" dirty="0">
+                <a:solidFill>
+                  <a:schemeClr val="accent3">
+                    <a:lumMod val="50000"/>
+                  </a:schemeClr>
+                </a:solidFill>
+                <a:latin typeface="Courier New" panose="02070309020205020404" pitchFamily="49" charset="0"/>
+                <a:cs typeface="Courier New" panose="02070309020205020404" pitchFamily="49" charset="0"/>
+              </a:rPr>
+              <a:t>y Variable </a:t>
+            </a:r>
+            <a:r>
+              <a:rPr lang="de-CH" sz="1400" dirty="0" err="1">
+                <a:solidFill>
+                  <a:schemeClr val="accent3">
+                    <a:lumMod val="50000"/>
+                  </a:schemeClr>
+                </a:solidFill>
+                <a:latin typeface="Courier New" panose="02070309020205020404" pitchFamily="49" charset="0"/>
+                <a:cs typeface="Courier New" panose="02070309020205020404" pitchFamily="49" charset="0"/>
+              </a:rPr>
+              <a:t>name</a:t>
+            </a:r>
+            <a:r>
+              <a:rPr lang="de-CH" sz="1400" dirty="0">
+                <a:solidFill>
+                  <a:schemeClr val="accent3">
+                    <a:lumMod val="50000"/>
+                  </a:schemeClr>
+                </a:solidFill>
+                <a:latin typeface="Courier New" panose="02070309020205020404" pitchFamily="49" charset="0"/>
+                <a:cs typeface="Courier New" panose="02070309020205020404" pitchFamily="49" charset="0"/>
+              </a:rPr>
+              <a:t> on y </a:t>
+            </a:r>
+            <a:r>
+              <a:rPr lang="de-CH" sz="1400" dirty="0" err="1">
+                <a:solidFill>
+                  <a:schemeClr val="accent3">
+                    <a:lumMod val="50000"/>
+                  </a:schemeClr>
+                </a:solidFill>
+                <a:latin typeface="Courier New" panose="02070309020205020404" pitchFamily="49" charset="0"/>
+                <a:cs typeface="Courier New" panose="02070309020205020404" pitchFamily="49" charset="0"/>
+              </a:rPr>
+              <a:t>axis</a:t>
+            </a:r>
+            <a:r>
+              <a:rPr lang="de-CH" sz="1400" dirty="0">
+                <a:solidFill>
+                  <a:schemeClr val="accent3">
+                    <a:lumMod val="50000"/>
+                  </a:schemeClr>
+                </a:solidFill>
+                <a:latin typeface="Courier New" panose="02070309020205020404" pitchFamily="49" charset="0"/>
+                <a:cs typeface="Courier New" panose="02070309020205020404" pitchFamily="49" charset="0"/>
+              </a:rPr>
+              <a:t>.</a:t>
+            </a:r>
+          </a:p>
+          <a:p>
+            <a:r>
+              <a:rPr lang="de-CH" sz="1400" dirty="0">
+                <a:solidFill>
+                  <a:schemeClr val="accent3">
+                    <a:lumMod val="50000"/>
+                  </a:schemeClr>
+                </a:solidFill>
+                <a:latin typeface="Courier New" panose="02070309020205020404" pitchFamily="49" charset="0"/>
+                <a:cs typeface="Courier New" panose="02070309020205020404" pitchFamily="49" charset="0"/>
+              </a:rPr>
+              <a:t>#' </a:t>
+            </a:r>
+            <a:r>
+              <a:rPr lang="de-CH" sz="1400" dirty="0">
+                <a:solidFill>
+                  <a:srgbClr val="002060"/>
+                </a:solidFill>
+                <a:latin typeface="Courier New" panose="02070309020205020404" pitchFamily="49" charset="0"/>
+                <a:cs typeface="Courier New" panose="02070309020205020404" pitchFamily="49" charset="0"/>
+              </a:rPr>
+              <a:t>@return </a:t>
+            </a:r>
+            <a:r>
+              <a:rPr lang="de-CH" sz="1400" dirty="0">
+                <a:solidFill>
+                  <a:schemeClr val="accent3">
+                    <a:lumMod val="50000"/>
+                  </a:schemeClr>
+                </a:solidFill>
+                <a:latin typeface="Courier New" panose="02070309020205020404" pitchFamily="49" charset="0"/>
+                <a:cs typeface="Courier New" panose="02070309020205020404" pitchFamily="49" charset="0"/>
+              </a:rPr>
+              <a:t>An </a:t>
+            </a:r>
+            <a:r>
+              <a:rPr lang="de-CH" sz="1400" dirty="0" err="1">
+                <a:solidFill>
+                  <a:schemeClr val="accent3">
+                    <a:lumMod val="50000"/>
+                  </a:schemeClr>
+                </a:solidFill>
+                <a:latin typeface="Courier New" panose="02070309020205020404" pitchFamily="49" charset="0"/>
+                <a:cs typeface="Courier New" panose="02070309020205020404" pitchFamily="49" charset="0"/>
+              </a:rPr>
+              <a:t>object</a:t>
+            </a:r>
+            <a:r>
+              <a:rPr lang="de-CH" sz="1400" dirty="0">
+                <a:solidFill>
+                  <a:schemeClr val="accent3">
+                    <a:lumMod val="50000"/>
+                  </a:schemeClr>
+                </a:solidFill>
+                <a:latin typeface="Courier New" panose="02070309020205020404" pitchFamily="49" charset="0"/>
+                <a:cs typeface="Courier New" panose="02070309020205020404" pitchFamily="49" charset="0"/>
+              </a:rPr>
+              <a:t> </a:t>
+            </a:r>
+            <a:r>
+              <a:rPr lang="de-CH" sz="1400" dirty="0" err="1">
+                <a:solidFill>
+                  <a:schemeClr val="accent3">
+                    <a:lumMod val="50000"/>
+                  </a:schemeClr>
+                </a:solidFill>
+                <a:latin typeface="Courier New" panose="02070309020205020404" pitchFamily="49" charset="0"/>
+                <a:cs typeface="Courier New" panose="02070309020205020404" pitchFamily="49" charset="0"/>
+              </a:rPr>
+              <a:t>of</a:t>
+            </a:r>
+            <a:r>
+              <a:rPr lang="de-CH" sz="1400" dirty="0">
+                <a:solidFill>
+                  <a:schemeClr val="accent3">
+                    <a:lumMod val="50000"/>
+                  </a:schemeClr>
+                </a:solidFill>
+                <a:latin typeface="Courier New" panose="02070309020205020404" pitchFamily="49" charset="0"/>
+                <a:cs typeface="Courier New" panose="02070309020205020404" pitchFamily="49" charset="0"/>
+              </a:rPr>
+              <a:t> </a:t>
+            </a:r>
+            <a:r>
+              <a:rPr lang="de-CH" sz="1400" dirty="0" err="1">
+                <a:solidFill>
+                  <a:schemeClr val="accent3">
+                    <a:lumMod val="50000"/>
+                  </a:schemeClr>
+                </a:solidFill>
+                <a:latin typeface="Courier New" panose="02070309020205020404" pitchFamily="49" charset="0"/>
+                <a:cs typeface="Courier New" panose="02070309020205020404" pitchFamily="49" charset="0"/>
+              </a:rPr>
+              <a:t>class</a:t>
+            </a:r>
+            <a:r>
+              <a:rPr lang="de-CH" sz="1400" dirty="0">
+                <a:solidFill>
+                  <a:schemeClr val="accent3">
+                    <a:lumMod val="50000"/>
+                  </a:schemeClr>
+                </a:solidFill>
+                <a:latin typeface="Courier New" panose="02070309020205020404" pitchFamily="49" charset="0"/>
+                <a:cs typeface="Courier New" panose="02070309020205020404" pitchFamily="49" charset="0"/>
+              </a:rPr>
+              <a:t> </a:t>
+            </a:r>
+            <a:r>
+              <a:rPr lang="de-CH" sz="1400" dirty="0">
+                <a:solidFill>
+                  <a:srgbClr val="002060"/>
+                </a:solidFill>
+                <a:latin typeface="Courier New" panose="02070309020205020404" pitchFamily="49" charset="0"/>
+                <a:cs typeface="Courier New" panose="02070309020205020404" pitchFamily="49" charset="0"/>
+              </a:rPr>
+              <a:t>\code</a:t>
+            </a:r>
+            <a:r>
+              <a:rPr lang="de-CH" sz="1400" dirty="0">
+                <a:solidFill>
+                  <a:schemeClr val="accent3">
+                    <a:lumMod val="50000"/>
+                  </a:schemeClr>
+                </a:solidFill>
+                <a:latin typeface="Courier New" panose="02070309020205020404" pitchFamily="49" charset="0"/>
+                <a:cs typeface="Courier New" panose="02070309020205020404" pitchFamily="49" charset="0"/>
+              </a:rPr>
+              <a:t>{</a:t>
+            </a:r>
+            <a:r>
+              <a:rPr lang="de-CH" sz="1400" dirty="0" err="1">
+                <a:solidFill>
+                  <a:schemeClr val="accent3">
+                    <a:lumMod val="50000"/>
+                  </a:schemeClr>
+                </a:solidFill>
+                <a:latin typeface="Courier New" panose="02070309020205020404" pitchFamily="49" charset="0"/>
+                <a:cs typeface="Courier New" panose="02070309020205020404" pitchFamily="49" charset="0"/>
+              </a:rPr>
+              <a:t>ggplot</a:t>
+            </a:r>
+            <a:r>
+              <a:rPr lang="de-CH" sz="1400" dirty="0">
+                <a:solidFill>
+                  <a:schemeClr val="accent3">
+                    <a:lumMod val="50000"/>
+                  </a:schemeClr>
+                </a:solidFill>
+                <a:latin typeface="Courier New" panose="02070309020205020404" pitchFamily="49" charset="0"/>
+                <a:cs typeface="Courier New" panose="02070309020205020404" pitchFamily="49" charset="0"/>
+              </a:rPr>
+              <a:t>}.</a:t>
+            </a:r>
+          </a:p>
+          <a:p>
+            <a:r>
+              <a:rPr lang="de-CH" sz="1400" dirty="0">
+                <a:solidFill>
+                  <a:schemeClr val="accent3">
+                    <a:lumMod val="50000"/>
+                  </a:schemeClr>
+                </a:solidFill>
+                <a:latin typeface="Courier New" panose="02070309020205020404" pitchFamily="49" charset="0"/>
+                <a:cs typeface="Courier New" panose="02070309020205020404" pitchFamily="49" charset="0"/>
+              </a:rPr>
+              <a:t>#' </a:t>
+            </a:r>
+          </a:p>
+          <a:p>
+            <a:r>
+              <a:rPr lang="de-CH" sz="1400" dirty="0">
+                <a:solidFill>
+                  <a:schemeClr val="accent3">
+                    <a:lumMod val="50000"/>
+                  </a:schemeClr>
+                </a:solidFill>
+                <a:latin typeface="Courier New" panose="02070309020205020404" pitchFamily="49" charset="0"/>
+                <a:cs typeface="Courier New" panose="02070309020205020404" pitchFamily="49" charset="0"/>
+              </a:rPr>
+              <a:t>#' </a:t>
+            </a:r>
+            <a:r>
+              <a:rPr lang="de-CH" sz="1400" dirty="0">
+                <a:solidFill>
+                  <a:srgbClr val="002060"/>
+                </a:solidFill>
+                <a:latin typeface="Courier New" panose="02070309020205020404" pitchFamily="49" charset="0"/>
+                <a:cs typeface="Courier New" panose="02070309020205020404" pitchFamily="49" charset="0"/>
+              </a:rPr>
+              <a:t>@examples </a:t>
+            </a:r>
+          </a:p>
+          <a:p>
+            <a:r>
+              <a:rPr lang="de-CH" sz="1400" dirty="0">
+                <a:solidFill>
+                  <a:schemeClr val="accent3">
+                    <a:lumMod val="50000"/>
+                  </a:schemeClr>
+                </a:solidFill>
+                <a:latin typeface="Courier New" panose="02070309020205020404" pitchFamily="49" charset="0"/>
+                <a:cs typeface="Courier New" panose="02070309020205020404" pitchFamily="49" charset="0"/>
+              </a:rPr>
+              <a:t>#' </a:t>
+            </a:r>
+            <a:r>
+              <a:rPr lang="de-CH" sz="1400" dirty="0" err="1">
+                <a:solidFill>
+                  <a:schemeClr val="accent3">
+                    <a:lumMod val="50000"/>
+                  </a:schemeClr>
+                </a:solidFill>
+                <a:latin typeface="Courier New" panose="02070309020205020404" pitchFamily="49" charset="0"/>
+                <a:cs typeface="Courier New" panose="02070309020205020404" pitchFamily="49" charset="0"/>
+              </a:rPr>
+              <a:t>scatter</a:t>
+            </a:r>
+            <a:r>
+              <a:rPr lang="de-CH" sz="1400" dirty="0">
+                <a:solidFill>
+                  <a:schemeClr val="accent3">
+                    <a:lumMod val="50000"/>
+                  </a:schemeClr>
+                </a:solidFill>
+                <a:latin typeface="Courier New" panose="02070309020205020404" pitchFamily="49" charset="0"/>
+                <a:cs typeface="Courier New" panose="02070309020205020404" pitchFamily="49" charset="0"/>
+              </a:rPr>
+              <a:t>("</a:t>
+            </a:r>
+            <a:r>
+              <a:rPr lang="de-CH" sz="1400" dirty="0" err="1">
+                <a:solidFill>
+                  <a:schemeClr val="accent3">
+                    <a:lumMod val="50000"/>
+                  </a:schemeClr>
+                </a:solidFill>
+                <a:latin typeface="Courier New" panose="02070309020205020404" pitchFamily="49" charset="0"/>
+                <a:cs typeface="Courier New" panose="02070309020205020404" pitchFamily="49" charset="0"/>
+              </a:rPr>
+              <a:t>Sepal.Width</a:t>
+            </a:r>
+            <a:r>
+              <a:rPr lang="de-CH" sz="1400" dirty="0">
+                <a:solidFill>
+                  <a:schemeClr val="accent3">
+                    <a:lumMod val="50000"/>
+                  </a:schemeClr>
+                </a:solidFill>
+                <a:latin typeface="Courier New" panose="02070309020205020404" pitchFamily="49" charset="0"/>
+                <a:cs typeface="Courier New" panose="02070309020205020404" pitchFamily="49" charset="0"/>
+              </a:rPr>
+              <a:t>")</a:t>
+            </a:r>
+          </a:p>
+          <a:p>
+            <a:r>
+              <a:rPr lang="de-CH" sz="1400" dirty="0">
+                <a:solidFill>
+                  <a:schemeClr val="accent3">
+                    <a:lumMod val="50000"/>
+                  </a:schemeClr>
+                </a:solidFill>
+                <a:latin typeface="Courier New" panose="02070309020205020404" pitchFamily="49" charset="0"/>
+                <a:cs typeface="Courier New" panose="02070309020205020404" pitchFamily="49" charset="0"/>
+              </a:rPr>
+              <a:t>#' </a:t>
+            </a:r>
+          </a:p>
+          <a:p>
+            <a:r>
+              <a:rPr lang="de-CH" sz="1400" dirty="0">
+                <a:solidFill>
+                  <a:schemeClr val="accent3">
+                    <a:lumMod val="50000"/>
+                  </a:schemeClr>
+                </a:solidFill>
+                <a:latin typeface="Courier New" panose="02070309020205020404" pitchFamily="49" charset="0"/>
+                <a:cs typeface="Courier New" panose="02070309020205020404" pitchFamily="49" charset="0"/>
+              </a:rPr>
+              <a:t>#' </a:t>
+            </a:r>
+            <a:r>
+              <a:rPr lang="de-CH" sz="1400" dirty="0">
+                <a:solidFill>
+                  <a:srgbClr val="002060"/>
+                </a:solidFill>
+                <a:latin typeface="Courier New" panose="02070309020205020404" pitchFamily="49" charset="0"/>
+                <a:cs typeface="Courier New" panose="02070309020205020404" pitchFamily="49" charset="0"/>
+              </a:rPr>
+              <a:t>@import </a:t>
+            </a:r>
+            <a:r>
+              <a:rPr lang="de-CH" sz="1400" dirty="0">
+                <a:solidFill>
+                  <a:schemeClr val="accent3">
+                    <a:lumMod val="50000"/>
+                  </a:schemeClr>
+                </a:solidFill>
+                <a:latin typeface="Courier New" panose="02070309020205020404" pitchFamily="49" charset="0"/>
+                <a:cs typeface="Courier New" panose="02070309020205020404" pitchFamily="49" charset="0"/>
+              </a:rPr>
+              <a:t>ggplot2</a:t>
+            </a:r>
+          </a:p>
+          <a:p>
+            <a:r>
+              <a:rPr lang="de-CH" sz="1400" dirty="0">
+                <a:solidFill>
+                  <a:schemeClr val="accent3">
+                    <a:lumMod val="50000"/>
+                  </a:schemeClr>
+                </a:solidFill>
+                <a:latin typeface="Courier New" panose="02070309020205020404" pitchFamily="49" charset="0"/>
+                <a:cs typeface="Courier New" panose="02070309020205020404" pitchFamily="49" charset="0"/>
+              </a:rPr>
+              <a:t>#' </a:t>
+            </a:r>
+            <a:r>
+              <a:rPr lang="de-CH" sz="1400" dirty="0">
+                <a:solidFill>
+                  <a:srgbClr val="002060"/>
+                </a:solidFill>
+                <a:latin typeface="Courier New" panose="02070309020205020404" pitchFamily="49" charset="0"/>
+                <a:cs typeface="Courier New" panose="02070309020205020404" pitchFamily="49" charset="0"/>
+              </a:rPr>
+              <a:t>@export</a:t>
+            </a:r>
+          </a:p>
+          <a:p>
+            <a:r>
+              <a:rPr lang="de-CH" sz="1400" dirty="0" err="1">
+                <a:latin typeface="Courier New" panose="02070309020205020404" pitchFamily="49" charset="0"/>
+                <a:cs typeface="Courier New" panose="02070309020205020404" pitchFamily="49" charset="0"/>
+              </a:rPr>
+              <a:t>scatter</a:t>
+            </a:r>
+            <a:r>
+              <a:rPr lang="de-CH" sz="1400" dirty="0">
+                <a:latin typeface="Courier New" panose="02070309020205020404" pitchFamily="49" charset="0"/>
+                <a:cs typeface="Courier New" panose="02070309020205020404" pitchFamily="49" charset="0"/>
+              </a:rPr>
+              <a:t> &lt;- </a:t>
+            </a:r>
+            <a:r>
+              <a:rPr lang="de-CH" sz="1400" dirty="0" err="1">
+                <a:latin typeface="Courier New" panose="02070309020205020404" pitchFamily="49" charset="0"/>
+                <a:cs typeface="Courier New" panose="02070309020205020404" pitchFamily="49" charset="0"/>
+              </a:rPr>
+              <a:t>function</a:t>
+            </a:r>
+            <a:r>
+              <a:rPr lang="de-CH" sz="1400" dirty="0">
+                <a:latin typeface="Courier New" panose="02070309020205020404" pitchFamily="49" charset="0"/>
+                <a:cs typeface="Courier New" panose="02070309020205020404" pitchFamily="49" charset="0"/>
+              </a:rPr>
+              <a:t>(x, y = "</a:t>
+            </a:r>
+            <a:r>
+              <a:rPr lang="de-CH" sz="1400" dirty="0" err="1">
+                <a:latin typeface="Courier New" panose="02070309020205020404" pitchFamily="49" charset="0"/>
+                <a:cs typeface="Courier New" panose="02070309020205020404" pitchFamily="49" charset="0"/>
+              </a:rPr>
+              <a:t>Petal.Width</a:t>
+            </a:r>
+            <a:r>
+              <a:rPr lang="de-CH" sz="1400" dirty="0">
+                <a:latin typeface="Courier New" panose="02070309020205020404" pitchFamily="49" charset="0"/>
+                <a:cs typeface="Courier New" panose="02070309020205020404" pitchFamily="49" charset="0"/>
+              </a:rPr>
+              <a:t>") {</a:t>
+            </a:r>
+          </a:p>
+          <a:p>
+            <a:r>
+              <a:rPr lang="de-CH" sz="1400" dirty="0">
+                <a:latin typeface="Courier New" panose="02070309020205020404" pitchFamily="49" charset="0"/>
+                <a:cs typeface="Courier New" panose="02070309020205020404" pitchFamily="49" charset="0"/>
+              </a:rPr>
+              <a:t>  </a:t>
+            </a:r>
+            <a:r>
+              <a:rPr lang="de-CH" sz="1400" dirty="0" err="1">
+                <a:latin typeface="Courier New" panose="02070309020205020404" pitchFamily="49" charset="0"/>
+                <a:cs typeface="Courier New" panose="02070309020205020404" pitchFamily="49" charset="0"/>
+              </a:rPr>
+              <a:t>ggplot</a:t>
+            </a:r>
+            <a:r>
+              <a:rPr lang="de-CH" sz="1400" dirty="0">
+                <a:latin typeface="Courier New" panose="02070309020205020404" pitchFamily="49" charset="0"/>
+                <a:cs typeface="Courier New" panose="02070309020205020404" pitchFamily="49" charset="0"/>
+              </a:rPr>
+              <a:t>(</a:t>
+            </a:r>
+            <a:r>
+              <a:rPr lang="de-CH" sz="1400" dirty="0" err="1">
+                <a:latin typeface="Courier New" panose="02070309020205020404" pitchFamily="49" charset="0"/>
+                <a:cs typeface="Courier New" panose="02070309020205020404" pitchFamily="49" charset="0"/>
+              </a:rPr>
+              <a:t>iris</a:t>
+            </a:r>
+            <a:r>
+              <a:rPr lang="de-CH" sz="1400" dirty="0">
+                <a:latin typeface="Courier New" panose="02070309020205020404" pitchFamily="49" charset="0"/>
+                <a:cs typeface="Courier New" panose="02070309020205020404" pitchFamily="49" charset="0"/>
+              </a:rPr>
+              <a:t>, </a:t>
+            </a:r>
+            <a:r>
+              <a:rPr lang="de-CH" sz="1400" dirty="0" err="1">
+                <a:latin typeface="Courier New" panose="02070309020205020404" pitchFamily="49" charset="0"/>
+                <a:cs typeface="Courier New" panose="02070309020205020404" pitchFamily="49" charset="0"/>
+              </a:rPr>
+              <a:t>aes_string</a:t>
+            </a:r>
+            <a:r>
+              <a:rPr lang="de-CH" sz="1400" dirty="0">
+                <a:latin typeface="Courier New" panose="02070309020205020404" pitchFamily="49" charset="0"/>
+                <a:cs typeface="Courier New" panose="02070309020205020404" pitchFamily="49" charset="0"/>
+              </a:rPr>
+              <a:t>(x = x, y = y)) +</a:t>
+            </a:r>
+          </a:p>
+          <a:p>
+            <a:r>
+              <a:rPr lang="de-CH" sz="1400" dirty="0">
+                <a:latin typeface="Courier New" panose="02070309020205020404" pitchFamily="49" charset="0"/>
+                <a:cs typeface="Courier New" panose="02070309020205020404" pitchFamily="49" charset="0"/>
+              </a:rPr>
+              <a:t>    </a:t>
+            </a:r>
+            <a:r>
+              <a:rPr lang="de-CH" sz="1400" dirty="0" err="1">
+                <a:latin typeface="Courier New" panose="02070309020205020404" pitchFamily="49" charset="0"/>
+                <a:cs typeface="Courier New" panose="02070309020205020404" pitchFamily="49" charset="0"/>
+              </a:rPr>
+              <a:t>geom_point</a:t>
+            </a:r>
+            <a:r>
+              <a:rPr lang="de-CH" sz="1400" dirty="0">
+                <a:latin typeface="Courier New" panose="02070309020205020404" pitchFamily="49" charset="0"/>
+                <a:cs typeface="Courier New" panose="02070309020205020404" pitchFamily="49" charset="0"/>
+              </a:rPr>
+              <a:t>(</a:t>
+            </a:r>
+            <a:r>
+              <a:rPr lang="de-CH" sz="1400" dirty="0" err="1">
+                <a:latin typeface="Courier New" panose="02070309020205020404" pitchFamily="49" charset="0"/>
+                <a:cs typeface="Courier New" panose="02070309020205020404" pitchFamily="49" charset="0"/>
+              </a:rPr>
+              <a:t>aes</a:t>
+            </a:r>
+            <a:r>
+              <a:rPr lang="de-CH" sz="1400" dirty="0">
+                <a:latin typeface="Courier New" panose="02070309020205020404" pitchFamily="49" charset="0"/>
+                <a:cs typeface="Courier New" panose="02070309020205020404" pitchFamily="49" charset="0"/>
+              </a:rPr>
+              <a:t>(</a:t>
+            </a:r>
+            <a:r>
+              <a:rPr lang="de-CH" sz="1400" dirty="0" err="1">
+                <a:latin typeface="Courier New" panose="02070309020205020404" pitchFamily="49" charset="0"/>
+                <a:cs typeface="Courier New" panose="02070309020205020404" pitchFamily="49" charset="0"/>
+              </a:rPr>
+              <a:t>color</a:t>
+            </a:r>
+            <a:r>
+              <a:rPr lang="de-CH" sz="1400" dirty="0">
+                <a:latin typeface="Courier New" panose="02070309020205020404" pitchFamily="49" charset="0"/>
+                <a:cs typeface="Courier New" panose="02070309020205020404" pitchFamily="49" charset="0"/>
+              </a:rPr>
+              <a:t> = </a:t>
+            </a:r>
+            <a:r>
+              <a:rPr lang="de-CH" sz="1400" dirty="0" err="1">
+                <a:latin typeface="Courier New" panose="02070309020205020404" pitchFamily="49" charset="0"/>
+                <a:cs typeface="Courier New" panose="02070309020205020404" pitchFamily="49" charset="0"/>
+              </a:rPr>
+              <a:t>Species</a:t>
+            </a:r>
+            <a:r>
+              <a:rPr lang="de-CH" sz="1400" dirty="0">
+                <a:latin typeface="Courier New" panose="02070309020205020404" pitchFamily="49" charset="0"/>
+                <a:cs typeface="Courier New" panose="02070309020205020404" pitchFamily="49" charset="0"/>
+              </a:rPr>
+              <a:t>)) +</a:t>
+            </a:r>
+          </a:p>
+          <a:p>
+            <a:r>
+              <a:rPr lang="de-CH" sz="1400" dirty="0">
+                <a:latin typeface="Courier New" panose="02070309020205020404" pitchFamily="49" charset="0"/>
+                <a:cs typeface="Courier New" panose="02070309020205020404" pitchFamily="49" charset="0"/>
+              </a:rPr>
+              <a:t>    </a:t>
+            </a:r>
+            <a:r>
+              <a:rPr lang="de-CH" sz="1400" dirty="0" err="1">
+                <a:latin typeface="Courier New" panose="02070309020205020404" pitchFamily="49" charset="0"/>
+                <a:cs typeface="Courier New" panose="02070309020205020404" pitchFamily="49" charset="0"/>
+              </a:rPr>
+              <a:t>theme_classic</a:t>
+            </a:r>
+            <a:r>
+              <a:rPr lang="de-CH" sz="1400" dirty="0">
+                <a:latin typeface="Courier New" panose="02070309020205020404" pitchFamily="49" charset="0"/>
+                <a:cs typeface="Courier New" panose="02070309020205020404" pitchFamily="49" charset="0"/>
+              </a:rPr>
+              <a:t>(</a:t>
+            </a:r>
+            <a:r>
+              <a:rPr lang="de-CH" sz="1400" dirty="0" err="1">
+                <a:latin typeface="Courier New" panose="02070309020205020404" pitchFamily="49" charset="0"/>
+                <a:cs typeface="Courier New" panose="02070309020205020404" pitchFamily="49" charset="0"/>
+              </a:rPr>
+              <a:t>base_size</a:t>
+            </a:r>
+            <a:r>
+              <a:rPr lang="de-CH" sz="1400" dirty="0">
+                <a:latin typeface="Courier New" panose="02070309020205020404" pitchFamily="49" charset="0"/>
+                <a:cs typeface="Courier New" panose="02070309020205020404" pitchFamily="49" charset="0"/>
+              </a:rPr>
+              <a:t> = 12)</a:t>
+            </a:r>
+          </a:p>
+          <a:p>
+            <a:r>
+              <a:rPr lang="de-CH" sz="1400" dirty="0">
+                <a:latin typeface="Courier New" panose="02070309020205020404" pitchFamily="49" charset="0"/>
+                <a:cs typeface="Courier New" panose="02070309020205020404" pitchFamily="49" charset="0"/>
+              </a:rPr>
+              <a:t>}</a:t>
+            </a:r>
+          </a:p>
+        </p:txBody>
+      </p:sp>
     </p:spTree>
     <p:extLst>
       <p:ext uri="{BB962C8B-B14F-4D97-AF65-F5344CB8AC3E}">
@@ -9952,7 +11905,7 @@
           <a:p>
             <a:fld id="{1AB4C5C6-AF87-45AC-AA88-6A0A0087A591}" type="datetime1">
               <a:rPr lang="de-CH" smtClean="0"/>
-              <a:t>09.02.2022</a:t>
+              <a:t>11.02.2022</a:t>
             </a:fld>
             <a:endParaRPr lang="fr-CH" dirty="0"/>
           </a:p>
@@ -10036,75 +11989,147 @@
               <a:buNone/>
             </a:pPr>
             <a:r>
-              <a:rPr lang="de-CH" dirty="0" err="1"/>
+              <a:rPr lang="de-CH" dirty="0" err="1">
+                <a:solidFill>
+                  <a:schemeClr val="tx2"/>
+                </a:solidFill>
+              </a:rPr>
               <a:t>When</a:t>
             </a:r>
             <a:r>
-              <a:rPr lang="de-CH" dirty="0"/>
+              <a:rPr lang="de-CH" dirty="0">
+                <a:solidFill>
+                  <a:schemeClr val="tx2"/>
+                </a:solidFill>
+              </a:rPr>
               <a:t> </a:t>
             </a:r>
             <a:r>
-              <a:rPr lang="de-CH" dirty="0" err="1"/>
+              <a:rPr lang="de-CH" dirty="0" err="1">
+                <a:solidFill>
+                  <a:schemeClr val="tx2"/>
+                </a:solidFill>
+              </a:rPr>
               <a:t>is</a:t>
             </a:r>
             <a:r>
-              <a:rPr lang="de-CH" dirty="0"/>
+              <a:rPr lang="de-CH" dirty="0">
+                <a:solidFill>
+                  <a:schemeClr val="tx2"/>
+                </a:solidFill>
+              </a:rPr>
               <a:t> </a:t>
             </a:r>
             <a:r>
-              <a:rPr lang="de-CH" dirty="0" err="1"/>
+              <a:rPr lang="de-CH" dirty="0" err="1">
+                <a:solidFill>
+                  <a:schemeClr val="tx2"/>
+                </a:solidFill>
+              </a:rPr>
               <a:t>it</a:t>
             </a:r>
             <a:r>
-              <a:rPr lang="de-CH" dirty="0"/>
+              <a:rPr lang="de-CH" dirty="0">
+                <a:solidFill>
+                  <a:schemeClr val="tx2"/>
+                </a:solidFill>
+              </a:rPr>
               <a:t> </a:t>
             </a:r>
             <a:r>
-              <a:rPr lang="de-CH" dirty="0" err="1"/>
+              <a:rPr lang="de-CH" dirty="0" err="1">
+                <a:solidFill>
+                  <a:schemeClr val="tx2"/>
+                </a:solidFill>
+              </a:rPr>
               <a:t>worth</a:t>
             </a:r>
             <a:r>
-              <a:rPr lang="de-CH" dirty="0"/>
+              <a:rPr lang="de-CH" dirty="0">
+                <a:solidFill>
+                  <a:schemeClr val="tx2"/>
+                </a:solidFill>
+              </a:rPr>
               <a:t> </a:t>
             </a:r>
             <a:r>
-              <a:rPr lang="de-CH" dirty="0" err="1"/>
+              <a:rPr lang="de-CH" dirty="0" err="1">
+                <a:solidFill>
+                  <a:schemeClr val="tx2"/>
+                </a:solidFill>
+              </a:rPr>
               <a:t>to</a:t>
             </a:r>
             <a:r>
-              <a:rPr lang="de-CH" dirty="0"/>
+              <a:rPr lang="de-CH" dirty="0">
+                <a:solidFill>
+                  <a:schemeClr val="tx2"/>
+                </a:solidFill>
+              </a:rPr>
               <a:t> turn a "</a:t>
             </a:r>
             <a:r>
-              <a:rPr lang="de-CH" dirty="0" err="1"/>
+              <a:rPr lang="de-CH" dirty="0" err="1">
+                <a:solidFill>
+                  <a:schemeClr val="tx2"/>
+                </a:solidFill>
+              </a:rPr>
               <a:t>functions.R</a:t>
             </a:r>
             <a:r>
-              <a:rPr lang="de-CH" dirty="0"/>
+              <a:rPr lang="de-CH" dirty="0">
+                <a:solidFill>
+                  <a:schemeClr val="tx2"/>
+                </a:solidFill>
+              </a:rPr>
               <a:t>" </a:t>
             </a:r>
             <a:r>
-              <a:rPr lang="de-CH" dirty="0" err="1"/>
+              <a:rPr lang="de-CH" dirty="0" err="1">
+                <a:solidFill>
+                  <a:schemeClr val="tx2"/>
+                </a:solidFill>
+              </a:rPr>
               <a:t>script</a:t>
             </a:r>
             <a:r>
-              <a:rPr lang="de-CH" dirty="0"/>
+              <a:rPr lang="de-CH" dirty="0">
+                <a:solidFill>
+                  <a:schemeClr val="tx2"/>
+                </a:solidFill>
+              </a:rPr>
               <a:t> </a:t>
             </a:r>
             <a:r>
-              <a:rPr lang="de-CH" dirty="0" err="1"/>
+              <a:rPr lang="de-CH" dirty="0" err="1">
+                <a:solidFill>
+                  <a:schemeClr val="tx2"/>
+                </a:solidFill>
+              </a:rPr>
               <a:t>into</a:t>
             </a:r>
             <a:r>
-              <a:rPr lang="de-CH" dirty="0"/>
+              <a:rPr lang="de-CH" dirty="0">
+                <a:solidFill>
+                  <a:schemeClr val="tx2"/>
+                </a:solidFill>
+              </a:rPr>
               <a:t> a </a:t>
             </a:r>
             <a:r>
-              <a:rPr lang="de-CH" dirty="0" err="1"/>
+              <a:rPr lang="de-CH" dirty="0" err="1">
+                <a:solidFill>
+                  <a:schemeClr val="tx2"/>
+                </a:solidFill>
+              </a:rPr>
               <a:t>package</a:t>
             </a:r>
             <a:r>
-              <a:rPr lang="de-CH" dirty="0"/>
+              <a:rPr lang="de-CH" dirty="0">
+                <a:solidFill>
+                  <a:schemeClr val="tx2"/>
+                </a:solidFill>
+              </a:rPr>
               <a:t>?</a:t>
             </a:r>
           </a:p>
@@ -10299,7 +12324,7 @@
             <a:r>
               <a:rPr lang="de-CH" dirty="0" err="1">
                 <a:solidFill>
-                  <a:srgbClr val="C00000"/>
+                  <a:schemeClr val="tx2"/>
                 </a:solidFill>
               </a:rPr>
               <a:t>Typical</a:t>
@@ -10307,15 +12332,31 @@
             <a:r>
               <a:rPr lang="de-CH" dirty="0">
                 <a:solidFill>
-                  <a:srgbClr val="C00000"/>
-                </a:solidFill>
-              </a:rPr>
-              <a:t> Content </a:t>
+                  <a:schemeClr val="tx2"/>
+                </a:solidFill>
+              </a:rPr>
+              <a:t> </a:t>
             </a:r>
             <a:r>
               <a:rPr lang="de-CH" dirty="0" err="1">
                 <a:solidFill>
-                  <a:srgbClr val="C00000"/>
+                  <a:schemeClr val="tx2"/>
+                </a:solidFill>
+              </a:rPr>
+              <a:t>content</a:t>
+            </a:r>
+            <a:r>
+              <a:rPr lang="de-CH" dirty="0">
+                <a:solidFill>
+                  <a:schemeClr val="tx2"/>
+                </a:solidFill>
+              </a:rPr>
+              <a:t> </a:t>
+            </a:r>
+            <a:r>
+              <a:rPr lang="de-CH" dirty="0" err="1">
+                <a:solidFill>
+                  <a:schemeClr val="tx2"/>
                 </a:solidFill>
               </a:rPr>
               <a:t>of</a:t>
@@ -10323,7 +12364,7 @@
             <a:r>
               <a:rPr lang="de-CH" dirty="0">
                 <a:solidFill>
-                  <a:srgbClr val="C00000"/>
+                  <a:schemeClr val="tx2"/>
                 </a:solidFill>
               </a:rPr>
               <a:t> an R </a:t>
@@ -10331,14 +12372,14 @@
             <a:r>
               <a:rPr lang="de-CH" dirty="0" err="1">
                 <a:solidFill>
-                  <a:srgbClr val="C00000"/>
+                  <a:schemeClr val="tx2"/>
                 </a:solidFill>
               </a:rPr>
               <a:t>package</a:t>
             </a:r>
             <a:endParaRPr lang="de-CH" dirty="0">
               <a:solidFill>
-                <a:srgbClr val="C00000"/>
+                <a:schemeClr val="tx2"/>
               </a:solidFill>
             </a:endParaRPr>
           </a:p>
@@ -10391,7 +12432,7 @@
             <a:r>
               <a:rPr lang="de-CH" dirty="0">
                 <a:solidFill>
-                  <a:srgbClr val="C00000"/>
+                  <a:schemeClr val="tx2"/>
                 </a:solidFill>
               </a:rPr>
               <a:t>Demo </a:t>
@@ -10399,7 +12440,7 @@
             <a:r>
               <a:rPr lang="de-CH" dirty="0" err="1">
                 <a:solidFill>
-                  <a:srgbClr val="C00000"/>
+                  <a:schemeClr val="tx2"/>
                 </a:solidFill>
               </a:rPr>
               <a:t>of</a:t>
@@ -10407,7 +12448,7 @@
             <a:r>
               <a:rPr lang="de-CH" dirty="0">
                 <a:solidFill>
-                  <a:srgbClr val="C00000"/>
+                  <a:schemeClr val="tx2"/>
                 </a:solidFill>
               </a:rPr>
               <a:t> "</a:t>
@@ -10415,7 +12456,7 @@
             <a:r>
               <a:rPr lang="de-CH" dirty="0" err="1">
                 <a:solidFill>
-                  <a:srgbClr val="C00000"/>
+                  <a:schemeClr val="tx2"/>
                 </a:solidFill>
               </a:rPr>
               <a:t>apero</a:t>
@@ -10423,7 +12464,7 @@
             <a:r>
               <a:rPr lang="de-CH" dirty="0">
                 <a:solidFill>
-                  <a:srgbClr val="C00000"/>
+                  <a:schemeClr val="tx2"/>
                 </a:solidFill>
               </a:rPr>
               <a:t>" </a:t>
@@ -10431,7 +12472,7 @@
             <a:r>
               <a:rPr lang="de-CH" dirty="0" err="1">
                 <a:solidFill>
-                  <a:srgbClr val="C00000"/>
+                  <a:schemeClr val="tx2"/>
                 </a:solidFill>
               </a:rPr>
               <a:t>package</a:t>
@@ -10439,7 +12480,7 @@
             <a:r>
               <a:rPr lang="de-CH" dirty="0">
                 <a:solidFill>
-                  <a:srgbClr val="C00000"/>
+                  <a:schemeClr val="tx2"/>
                 </a:solidFill>
               </a:rPr>
               <a:t>. </a:t>
@@ -10447,14 +12488,14 @@
             <a:br>
               <a:rPr lang="de-CH" dirty="0">
                 <a:solidFill>
-                  <a:srgbClr val="C00000"/>
+                  <a:schemeClr val="tx2"/>
                 </a:solidFill>
               </a:rPr>
             </a:br>
             <a:r>
               <a:rPr lang="de-CH" dirty="0">
                 <a:solidFill>
-                  <a:srgbClr val="C00000"/>
+                  <a:schemeClr val="tx2"/>
                 </a:solidFill>
               </a:rPr>
               <a:t>Note: In </a:t>
@@ -10462,7 +12503,7 @@
             <a:r>
               <a:rPr lang="de-CH" dirty="0" err="1">
                 <a:solidFill>
-                  <a:srgbClr val="C00000"/>
+                  <a:schemeClr val="tx2"/>
                 </a:solidFill>
               </a:rPr>
               <a:t>Switzerland</a:t>
@@ -10470,7 +12511,7 @@
             <a:r>
               <a:rPr lang="de-CH" dirty="0">
                 <a:solidFill>
-                  <a:srgbClr val="C00000"/>
+                  <a:schemeClr val="tx2"/>
                 </a:solidFill>
               </a:rPr>
               <a:t>, </a:t>
@@ -10478,7 +12519,7 @@
             <a:r>
               <a:rPr lang="de-CH" dirty="0" err="1">
                 <a:solidFill>
-                  <a:srgbClr val="C00000"/>
+                  <a:schemeClr val="tx2"/>
                 </a:solidFill>
               </a:rPr>
               <a:t>we</a:t>
@@ -10486,7 +12527,7 @@
             <a:r>
               <a:rPr lang="de-CH" dirty="0">
                 <a:solidFill>
-                  <a:srgbClr val="C00000"/>
+                  <a:schemeClr val="tx2"/>
                 </a:solidFill>
               </a:rPr>
               <a:t> </a:t>
@@ -10494,7 +12535,7 @@
             <a:r>
               <a:rPr lang="de-CH" dirty="0" err="1">
                 <a:solidFill>
-                  <a:srgbClr val="C00000"/>
+                  <a:schemeClr val="tx2"/>
                 </a:solidFill>
               </a:rPr>
               <a:t>have</a:t>
@@ -10502,7 +12543,7 @@
             <a:r>
               <a:rPr lang="de-CH" dirty="0">
                 <a:solidFill>
-                  <a:srgbClr val="C00000"/>
+                  <a:schemeClr val="tx2"/>
                 </a:solidFill>
               </a:rPr>
               <a:t> "Apéro" all </a:t>
@@ -10510,7 +12551,7 @@
             <a:r>
               <a:rPr lang="de-CH" dirty="0" err="1">
                 <a:solidFill>
-                  <a:srgbClr val="C00000"/>
+                  <a:schemeClr val="tx2"/>
                 </a:solidFill>
               </a:rPr>
               <a:t>the</a:t>
@@ -10518,7 +12559,7 @@
             <a:r>
               <a:rPr lang="de-CH" dirty="0">
                 <a:solidFill>
-                  <a:srgbClr val="C00000"/>
+                  <a:schemeClr val="tx2"/>
                 </a:solidFill>
               </a:rPr>
               <a:t> time…</a:t>
@@ -10820,7 +12861,7 @@
           <a:p>
             <a:fld id="{F3F6CB59-E58D-41F2-8112-AD0E20BFAE57}" type="datetime1">
               <a:rPr lang="de-CH" smtClean="0"/>
-              <a:t>09.02.2022</a:t>
+              <a:t>11.02.2022</a:t>
             </a:fld>
             <a:endParaRPr lang="fr-CH" dirty="0"/>
           </a:p>
@@ -10888,7 +12929,12 @@
             <p:ph idx="1"/>
           </p:nvPr>
         </p:nvSpPr>
-        <p:spPr/>
+        <p:spPr>
+          <a:xfrm>
+            <a:off x="2063552" y="1412776"/>
+            <a:ext cx="7209260" cy="4376288"/>
+          </a:xfrm>
+        </p:spPr>
         <p:txBody>
           <a:bodyPr>
             <a:normAutofit fontScale="92500" lnSpcReduction="20000"/>
@@ -10970,9 +13016,12 @@
               </a:rPr>
               <a:t>functions</a:t>
             </a:r>
-            <a:endParaRPr lang="de-CH" dirty="0">
-              <a:cs typeface="Courier New" panose="02070309020205020404" pitchFamily="49" charset="0"/>
-            </a:endParaRPr>
+            <a:r>
+              <a:rPr lang="de-CH" dirty="0">
+                <a:cs typeface="Courier New" panose="02070309020205020404" pitchFamily="49" charset="0"/>
+              </a:rPr>
+              <a:t> (S3)</a:t>
+            </a:r>
           </a:p>
           <a:p>
             <a:pPr marL="0" indent="0">
@@ -10989,7 +13038,7 @@
             <a:r>
               <a:rPr lang="de-CH" dirty="0" err="1">
                 <a:solidFill>
-                  <a:srgbClr val="C00000"/>
+                  <a:schemeClr val="tx2"/>
                 </a:solidFill>
                 <a:cs typeface="Courier New" panose="02070309020205020404" pitchFamily="49" charset="0"/>
               </a:rPr>
@@ -10998,7 +13047,7 @@
             <a:r>
               <a:rPr lang="de-CH" dirty="0">
                 <a:solidFill>
-                  <a:srgbClr val="C00000"/>
+                  <a:schemeClr val="tx2"/>
                 </a:solidFill>
                 <a:cs typeface="Courier New" panose="02070309020205020404" pitchFamily="49" charset="0"/>
               </a:rPr>
@@ -11118,7 +13167,7 @@
             <a:r>
               <a:rPr lang="de-CH" dirty="0" err="1">
                 <a:solidFill>
-                  <a:srgbClr val="C00000"/>
+                  <a:schemeClr val="tx2"/>
                 </a:solidFill>
                 <a:cs typeface="Courier New" panose="02070309020205020404" pitchFamily="49" charset="0"/>
               </a:rPr>
@@ -11127,7 +13176,7 @@
             <a:r>
               <a:rPr lang="de-CH" dirty="0">
                 <a:solidFill>
-                  <a:srgbClr val="C00000"/>
+                  <a:schemeClr val="tx2"/>
                 </a:solidFill>
                 <a:cs typeface="Courier New" panose="02070309020205020404" pitchFamily="49" charset="0"/>
               </a:rPr>
@@ -11136,7 +13185,7 @@
             <a:r>
               <a:rPr lang="de-CH" dirty="0" err="1">
                 <a:solidFill>
-                  <a:srgbClr val="C00000"/>
+                  <a:schemeClr val="tx2"/>
                 </a:solidFill>
                 <a:cs typeface="Courier New" panose="02070309020205020404" pitchFamily="49" charset="0"/>
               </a:rPr>
@@ -11145,7 +13194,7 @@
             <a:r>
               <a:rPr lang="de-CH" dirty="0">
                 <a:solidFill>
-                  <a:srgbClr val="C00000"/>
+                  <a:schemeClr val="tx2"/>
                 </a:solidFill>
                 <a:cs typeface="Courier New" panose="02070309020205020404" pitchFamily="49" charset="0"/>
               </a:rPr>
@@ -11154,27 +13203,57 @@
             <a:r>
               <a:rPr lang="de-CH" dirty="0" err="1">
                 <a:solidFill>
-                  <a:srgbClr val="C00000"/>
+                  <a:schemeClr val="tx2"/>
                 </a:solidFill>
                 <a:cs typeface="Courier New" panose="02070309020205020404" pitchFamily="49" charset="0"/>
               </a:rPr>
               <a:t>to</a:t>
             </a:r>
             <a:r>
-              <a:rPr lang="de-CH">
-                <a:solidFill>
-                  <a:srgbClr val="C00000"/>
-                </a:solidFill>
-                <a:cs typeface="Courier New" panose="02070309020205020404" pitchFamily="49" charset="0"/>
-              </a:rPr>
-              <a:t> R)</a:t>
-            </a:r>
-            <a:endParaRPr lang="de-CH" dirty="0">
-              <a:solidFill>
-                <a:srgbClr val="C00000"/>
-              </a:solidFill>
-              <a:cs typeface="Courier New" panose="02070309020205020404" pitchFamily="49" charset="0"/>
-            </a:endParaRPr>
+              <a:rPr lang="de-CH" dirty="0">
+                <a:solidFill>
+                  <a:schemeClr val="tx2"/>
+                </a:solidFill>
+                <a:cs typeface="Courier New" panose="02070309020205020404" pitchFamily="49" charset="0"/>
+              </a:rPr>
+              <a:t> R and </a:t>
+            </a:r>
+            <a:r>
+              <a:rPr lang="de-CH" dirty="0" err="1">
+                <a:solidFill>
+                  <a:schemeClr val="tx2"/>
+                </a:solidFill>
+                <a:cs typeface="Courier New" panose="02070309020205020404" pitchFamily="49" charset="0"/>
+              </a:rPr>
+              <a:t>short</a:t>
+            </a:r>
+            <a:r>
+              <a:rPr lang="de-CH" dirty="0">
+                <a:solidFill>
+                  <a:schemeClr val="tx2"/>
+                </a:solidFill>
+                <a:cs typeface="Courier New" panose="02070309020205020404" pitchFamily="49" charset="0"/>
+              </a:rPr>
+              <a:t> </a:t>
+            </a:r>
+            <a:r>
+              <a:rPr lang="de-CH" dirty="0" err="1">
+                <a:solidFill>
+                  <a:schemeClr val="tx2"/>
+                </a:solidFill>
+                <a:cs typeface="Courier New" panose="02070309020205020404" pitchFamily="49" charset="0"/>
+              </a:rPr>
+              <a:t>demo</a:t>
+            </a:r>
+            <a:r>
+              <a:rPr lang="de-CH" dirty="0">
+                <a:solidFill>
+                  <a:schemeClr val="tx2"/>
+                </a:solidFill>
+                <a:cs typeface="Courier New" panose="02070309020205020404" pitchFamily="49" charset="0"/>
+              </a:rPr>
+              <a:t>)</a:t>
+            </a:r>
           </a:p>
           <a:p>
             <a:pPr marL="0" indent="0">
@@ -11189,11 +13268,21 @@
               <a:buNone/>
             </a:pPr>
             <a:r>
+              <a:rPr lang="en-US" sz="1400" b="1" dirty="0">
+                <a:solidFill>
+                  <a:schemeClr val="tx2"/>
+                </a:solidFill>
+                <a:latin typeface="Courier New" panose="02070309020205020404" pitchFamily="49" charset="0"/>
+                <a:cs typeface="Courier New" panose="02070309020205020404" pitchFamily="49" charset="0"/>
+              </a:rPr>
+              <a:t>employee</a:t>
+            </a:r>
+            <a:r>
               <a:rPr lang="en-US" sz="1400" dirty="0">
                 <a:latin typeface="Courier New" panose="02070309020205020404" pitchFamily="49" charset="0"/>
                 <a:cs typeface="Courier New" panose="02070309020205020404" pitchFamily="49" charset="0"/>
               </a:rPr>
-              <a:t>employee &lt;- function(</a:t>
+              <a:t> &lt;- function(</a:t>
             </a:r>
             <a:r>
               <a:rPr lang="en-US" sz="1400" dirty="0" err="1">
@@ -11337,7 +13426,7 @@
               <a:t>  </a:t>
             </a:r>
             <a:r>
-              <a:rPr lang="en-US" sz="1400" dirty="0">
+              <a:rPr lang="en-US" sz="1400" b="1" dirty="0">
                 <a:solidFill>
                   <a:srgbClr val="C00000"/>
                 </a:solidFill>
@@ -11392,7 +13481,7 @@
               <a:t>print</a:t>
             </a:r>
             <a:r>
-              <a:rPr lang="en-US" sz="1400" dirty="0" err="1">
+              <a:rPr lang="en-US" sz="1400" b="1" dirty="0" err="1">
                 <a:solidFill>
                   <a:srgbClr val="C00000"/>
                 </a:solidFill>
@@ -11402,7 +13491,7 @@
               <a:t>.employee</a:t>
             </a:r>
             <a:r>
-              <a:rPr lang="en-US" sz="1400" dirty="0">
+              <a:rPr lang="en-US" sz="1400" b="1" dirty="0">
                 <a:solidFill>
                   <a:srgbClr val="C00000"/>
                 </a:solidFill>
@@ -11598,7 +13687,7 @@
           <a:p>
             <a:fld id="{5BFE5645-FFB5-47FD-B669-EE82B30CEDEC}" type="datetime1">
               <a:rPr lang="de-CH" smtClean="0"/>
-              <a:t>09.02.2022</a:t>
+              <a:t>11.02.2022</a:t>
             </a:fld>
             <a:endParaRPr lang="fr-CH" dirty="0"/>
           </a:p>
@@ -11796,7 +13885,10 @@
           </a:p>
           <a:p>
             <a:r>
-              <a:rPr lang="de-CH" dirty="0" err="1">
+              <a:rPr lang="de-CH" b="1" dirty="0" err="1">
+                <a:solidFill>
+                  <a:schemeClr val="tx2"/>
+                </a:solidFill>
                 <a:latin typeface="Courier New" panose="02070309020205020404" pitchFamily="49" charset="0"/>
                 <a:cs typeface="Courier New" panose="02070309020205020404" pitchFamily="49" charset="0"/>
               </a:rPr>
@@ -11871,7 +13963,10 @@
           </a:p>
           <a:p>
             <a:r>
-              <a:rPr lang="de-CH" dirty="0" err="1">
+              <a:rPr lang="de-CH" b="1" dirty="0" err="1">
+                <a:solidFill>
+                  <a:schemeClr val="tx2"/>
+                </a:solidFill>
                 <a:latin typeface="Courier New" panose="02070309020205020404" pitchFamily="49" charset="0"/>
                 <a:cs typeface="Courier New" panose="02070309020205020404" pitchFamily="49" charset="0"/>
               </a:rPr>
@@ -11935,7 +14030,7 @@
             <a:r>
               <a:rPr lang="de-CH" dirty="0" err="1">
                 <a:solidFill>
-                  <a:srgbClr val="C00000"/>
+                  <a:schemeClr val="tx2"/>
                 </a:solidFill>
                 <a:cs typeface="Courier New" panose="02070309020205020404" pitchFamily="49" charset="0"/>
               </a:rPr>
@@ -11943,7 +14038,7 @@
             </a:r>
             <a:endParaRPr lang="de-CH" dirty="0">
               <a:solidFill>
-                <a:srgbClr val="C00000"/>
+                <a:schemeClr val="tx2"/>
               </a:solidFill>
               <a:cs typeface="Courier New" panose="02070309020205020404" pitchFamily="49" charset="0"/>
             </a:endParaRPr>
@@ -11971,10 +14066,28 @@
               <a:rPr lang="de-CH" dirty="0">
                 <a:cs typeface="Courier New" panose="02070309020205020404" pitchFamily="49" charset="0"/>
               </a:rPr>
-              <a:t> R, </a:t>
+              <a:t> </a:t>
+            </a:r>
+            <a:r>
+              <a:rPr lang="de-CH" dirty="0">
+                <a:solidFill>
+                  <a:schemeClr val="tx2"/>
+                </a:solidFill>
+                <a:cs typeface="Courier New" panose="02070309020205020404" pitchFamily="49" charset="0"/>
+              </a:rPr>
+              <a:t>R</a:t>
+            </a:r>
+            <a:r>
+              <a:rPr lang="de-CH" dirty="0">
+                <a:cs typeface="Courier New" panose="02070309020205020404" pitchFamily="49" charset="0"/>
+              </a:rPr>
+              <a:t>, </a:t>
             </a:r>
             <a:r>
               <a:rPr lang="de-CH" dirty="0" err="1">
+                <a:solidFill>
+                  <a:schemeClr val="tx2"/>
+                </a:solidFill>
                 <a:cs typeface="Courier New" panose="02070309020205020404" pitchFamily="49" charset="0"/>
               </a:rPr>
               <a:t>RStudio</a:t>
@@ -11987,6 +14100,9 @@
             </a:r>
             <a:r>
               <a:rPr lang="de-CH" dirty="0" err="1">
+                <a:solidFill>
+                  <a:schemeClr val="tx2"/>
+                </a:solidFill>
                 <a:cs typeface="Courier New" panose="02070309020205020404" pitchFamily="49" charset="0"/>
               </a:rPr>
               <a:t>RTools</a:t>
@@ -12236,7 +14352,7 @@
         <p:spPr>
           <a:xfrm>
             <a:off x="5827729" y="1861144"/>
-            <a:ext cx="2431756" cy="255391"/>
+            <a:ext cx="3274935" cy="255391"/>
           </a:xfrm>
           <a:prstGeom prst="rect">
             <a:avLst/>
@@ -12256,7 +14372,15 @@
             </a:pPr>
             <a:r>
               <a:rPr lang="de-CH" sz="1600" dirty="0"/>
-              <a:t>By Prof. Jenny Bryan et al.</a:t>
+              <a:t>By Prof. Jenny Bryan, </a:t>
+            </a:r>
+            <a:r>
+              <a:rPr lang="de-CH" sz="1600" dirty="0" err="1"/>
+              <a:t>RStudio</a:t>
+            </a:r>
+            <a:r>
+              <a:rPr lang="de-CH" sz="1600" dirty="0"/>
+              <a:t> et al.</a:t>
             </a:r>
           </a:p>
         </p:txBody>
@@ -12393,7 +14517,7 @@
           <a:p>
             <a:fld id="{AC5354E2-64B9-4772-9397-C2841773751B}" type="datetime1">
               <a:rPr lang="de-CH" smtClean="0"/>
-              <a:t>09.02.2022</a:t>
+              <a:t>11.02.2022</a:t>
             </a:fld>
             <a:endParaRPr lang="fr-CH" dirty="0"/>
           </a:p>
@@ -12612,7 +14736,7 @@
             <a:r>
               <a:rPr lang="fr-CH" sz="3200" dirty="0">
                 <a:solidFill>
-                  <a:srgbClr val="C00000"/>
+                  <a:schemeClr val="tx2"/>
                 </a:solidFill>
               </a:rPr>
               <a:t>Test with your own code!</a:t>

--- a/RPackage_en.pptx
+++ b/RPackage_en.pptx
@@ -228,7 +228,7 @@
               <a:rPr lang="de-CH" smtClean="0">
                 <a:latin typeface="Arial" panose="020B0604020202020204" pitchFamily="34" charset="0"/>
               </a:rPr>
-              <a:t>11.02.2022</a:t>
+              <a:t>20.02.2022</a:t>
             </a:fld>
             <a:endParaRPr lang="de-CH" dirty="0">
               <a:latin typeface="Arial" panose="020B0604020202020204" pitchFamily="34" charset="0"/>
@@ -406,7 +406,7 @@
             <a:fld id="{5991B98F-1650-405D-9DF5-D564DF2E9405}" type="datetimeFigureOut">
               <a:rPr lang="de-CH" smtClean="0"/>
               <a:pPr/>
-              <a:t>11.02.2022</a:t>
+              <a:t>20.02.2022</a:t>
             </a:fld>
             <a:endParaRPr lang="de-CH" dirty="0"/>
           </a:p>
@@ -937,7 +937,7 @@
           <a:p>
             <a:fld id="{E740862B-F753-4A74-A9C3-E9DDA495171F}" type="datetime1">
               <a:rPr lang="de-CH" smtClean="0"/>
-              <a:t>11.02.2022</a:t>
+              <a:t>20.02.2022</a:t>
             </a:fld>
             <a:endParaRPr lang="fr-CH" dirty="0"/>
           </a:p>
@@ -1138,7 +1138,7 @@
           <a:p>
             <a:fld id="{322A823A-C061-4C09-A423-1C486B957565}" type="datetime1">
               <a:rPr lang="de-CH" smtClean="0"/>
-              <a:t>11.02.2022</a:t>
+              <a:t>20.02.2022</a:t>
             </a:fld>
             <a:endParaRPr lang="fr-CH" dirty="0"/>
           </a:p>
@@ -1339,7 +1339,7 @@
           <a:p>
             <a:fld id="{6F40CD7E-2D4A-4D7A-843D-6D90BA790C77}" type="datetime1">
               <a:rPr lang="de-CH" smtClean="0"/>
-              <a:t>11.02.2022</a:t>
+              <a:t>20.02.2022</a:t>
             </a:fld>
             <a:endParaRPr lang="fr-CH" dirty="0"/>
           </a:p>
@@ -1540,7 +1540,7 @@
           <a:p>
             <a:fld id="{1964E26F-0851-4BD7-828A-DDF163727273}" type="datetime1">
               <a:rPr lang="de-CH" smtClean="0"/>
-              <a:t>11.02.2022</a:t>
+              <a:t>20.02.2022</a:t>
             </a:fld>
             <a:endParaRPr lang="fr-CH" dirty="0"/>
           </a:p>
@@ -1741,7 +1741,7 @@
           <a:p>
             <a:fld id="{6C2D6A15-5615-4C46-908A-BBF3C061BF07}" type="datetime1">
               <a:rPr lang="de-CH" smtClean="0"/>
-              <a:t>11.02.2022</a:t>
+              <a:t>20.02.2022</a:t>
             </a:fld>
             <a:endParaRPr lang="fr-CH" dirty="0"/>
           </a:p>
@@ -1887,7 +1887,7 @@
           <a:p>
             <a:fld id="{7345CE87-CE41-420C-BFE3-A50DE9122969}" type="datetime1">
               <a:rPr lang="de-CH" smtClean="0"/>
-              <a:t>11.02.2022</a:t>
+              <a:t>20.02.2022</a:t>
             </a:fld>
             <a:endParaRPr lang="fr-CH" dirty="0"/>
           </a:p>
@@ -2043,7 +2043,7 @@
           <a:p>
             <a:fld id="{144741D9-BBCD-4A5E-8F75-DB38F8C9223A}" type="datetime1">
               <a:rPr lang="de-CH" smtClean="0"/>
-              <a:t>11.02.2022</a:t>
+              <a:t>20.02.2022</a:t>
             </a:fld>
             <a:endParaRPr lang="fr-CH" dirty="0"/>
           </a:p>
@@ -2230,7 +2230,7 @@
           <a:p>
             <a:fld id="{590323A2-A89B-4232-8144-E1B984358244}" type="datetime1">
               <a:rPr lang="de-CH" smtClean="0"/>
-              <a:t>11.02.2022</a:t>
+              <a:t>20.02.2022</a:t>
             </a:fld>
             <a:endParaRPr lang="fr-CH" dirty="0"/>
           </a:p>
@@ -2370,7 +2370,7 @@
           <a:p>
             <a:fld id="{10E6F3AA-70B5-4C81-B19F-9375D1896B4A}" type="datetime1">
               <a:rPr lang="de-CH" smtClean="0"/>
-              <a:t>11.02.2022</a:t>
+              <a:t>20.02.2022</a:t>
             </a:fld>
             <a:endParaRPr lang="fr-CH" dirty="0"/>
           </a:p>
@@ -2510,7 +2510,7 @@
           <a:p>
             <a:fld id="{4DACBA1C-6C88-462E-B4BF-9929FD547BFF}" type="datetime1">
               <a:rPr lang="de-CH" smtClean="0"/>
-              <a:t>11.02.2022</a:t>
+              <a:t>20.02.2022</a:t>
             </a:fld>
             <a:endParaRPr lang="fr-CH" dirty="0"/>
           </a:p>
@@ -2945,7 +2945,7 @@
           <a:p>
             <a:fld id="{BE2D5AED-D2E5-4683-BA53-CE031DFD36F7}" type="datetime1">
               <a:rPr lang="de-CH" smtClean="0"/>
-              <a:t>11.02.2022</a:t>
+              <a:t>20.02.2022</a:t>
             </a:fld>
             <a:endParaRPr lang="fr-CH" dirty="0"/>
           </a:p>
@@ -3243,7 +3243,7 @@
           <a:p>
             <a:fld id="{2901940B-835C-4E14-9765-B00BA93465B8}" type="datetime1">
               <a:rPr lang="de-CH" smtClean="0"/>
-              <a:t>11.02.2022</a:t>
+              <a:t>20.02.2022</a:t>
             </a:fld>
             <a:endParaRPr lang="fr-CH" dirty="0"/>
           </a:p>
@@ -3579,7 +3579,7 @@
           <a:p>
             <a:fld id="{0ED2030C-75A9-4FAF-B3FB-013DBBD37E56}" type="datetime1">
               <a:rPr lang="de-CH" smtClean="0"/>
-              <a:t>11.02.2022</a:t>
+              <a:t>20.02.2022</a:t>
             </a:fld>
             <a:endParaRPr lang="fr-CH" dirty="0"/>
           </a:p>
@@ -4091,7 +4091,7 @@
           <a:p>
             <a:fld id="{771DE1CA-CDE7-4CB5-8FF3-CFA7C49F3DAC}" type="datetime1">
               <a:rPr lang="de-CH" smtClean="0"/>
-              <a:t>11.02.2022</a:t>
+              <a:t>20.02.2022</a:t>
             </a:fld>
             <a:endParaRPr lang="fr-CH" dirty="0"/>
           </a:p>
@@ -4313,7 +4313,7 @@
           <a:p>
             <a:fld id="{610489CE-FBB6-480E-B489-CE91A0A4A37D}" type="datetime1">
               <a:rPr lang="de-CH" smtClean="0"/>
-              <a:t>11.02.2022</a:t>
+              <a:t>20.02.2022</a:t>
             </a:fld>
             <a:endParaRPr lang="fr-CH" dirty="0"/>
           </a:p>
@@ -4491,7 +4491,7 @@
           <a:p>
             <a:fld id="{647C40AA-CA50-40CE-9CC4-07C3161D2D94}" type="datetime1">
               <a:rPr lang="de-CH" smtClean="0"/>
-              <a:t>11.02.2022</a:t>
+              <a:t>20.02.2022</a:t>
             </a:fld>
             <a:endParaRPr lang="fr-CH" dirty="0"/>
           </a:p>
@@ -4750,7 +4750,7 @@
           <a:p>
             <a:fld id="{97951D55-766C-4073-B6D6-F844DD2AD6BD}" type="datetime1">
               <a:rPr lang="de-CH" smtClean="0"/>
-              <a:t>11.02.2022</a:t>
+              <a:t>20.02.2022</a:t>
             </a:fld>
             <a:endParaRPr lang="fr-CH" dirty="0"/>
           </a:p>
@@ -4898,7 +4898,7 @@
           <a:p>
             <a:fld id="{A494620C-7B72-43D0-9AB8-7532B2719D4E}" type="datetime1">
               <a:rPr lang="de-CH" smtClean="0"/>
-              <a:t>11.02.2022</a:t>
+              <a:t>20.02.2022</a:t>
             </a:fld>
             <a:endParaRPr lang="fr-CH" dirty="0"/>
           </a:p>
@@ -5040,7 +5040,7 @@
           <a:p>
             <a:fld id="{0C485A22-3884-4195-8C09-C1ADD9DB16DA}" type="datetime1">
               <a:rPr lang="de-CH" smtClean="0"/>
-              <a:t>11.02.2022</a:t>
+              <a:t>20.02.2022</a:t>
             </a:fld>
             <a:endParaRPr lang="fr-CH" dirty="0"/>
           </a:p>
@@ -5281,7 +5281,7 @@
           <a:p>
             <a:fld id="{E81CF062-5697-4CAB-A913-E646257F8F9E}" type="datetime1">
               <a:rPr lang="de-CH" smtClean="0"/>
-              <a:t>11.02.2022</a:t>
+              <a:t>20.02.2022</a:t>
             </a:fld>
             <a:endParaRPr lang="fr-CH" dirty="0"/>
           </a:p>
@@ -5657,7 +5657,7 @@
           <a:p>
             <a:fld id="{78FE72B2-31B8-4ABB-B926-99823DABB20B}" type="datetime1">
               <a:rPr lang="de-CH" smtClean="0"/>
-              <a:t>11.02.2022</a:t>
+              <a:t>20.02.2022</a:t>
             </a:fld>
             <a:endParaRPr lang="fr-CH" dirty="0"/>
           </a:p>
@@ -5902,7 +5902,7 @@
           <a:p>
             <a:fld id="{9B14CB66-76A4-4740-A994-08456E8DCAEB}" type="datetime1">
               <a:rPr lang="de-CH" smtClean="0"/>
-              <a:t>11.02.2022</a:t>
+              <a:t>20.02.2022</a:t>
             </a:fld>
             <a:endParaRPr lang="fr-CH" dirty="0"/>
           </a:p>
@@ -6171,7 +6171,7 @@
           <a:p>
             <a:fld id="{1DD2F9DE-E085-465A-AFCD-9143BC0CE701}" type="datetime1">
               <a:rPr lang="de-CH" smtClean="0"/>
-              <a:t>11.02.2022</a:t>
+              <a:t>20.02.2022</a:t>
             </a:fld>
             <a:endParaRPr lang="fr-CH" dirty="0"/>
           </a:p>
@@ -6402,7 +6402,7 @@
           <a:p>
             <a:fld id="{DE81F515-B529-4E53-B041-9174A301693D}" type="datetime1">
               <a:rPr lang="de-CH" smtClean="0"/>
-              <a:t>11.02.2022</a:t>
+              <a:t>20.02.2022</a:t>
             </a:fld>
             <a:endParaRPr lang="fr-CH" dirty="0"/>
           </a:p>
@@ -6679,7 +6679,7 @@
           <a:p>
             <a:fld id="{6766DAFF-4DD6-4136-BB56-356AC4CE71A7}" type="datetime1">
               <a:rPr lang="de-CH" smtClean="0"/>
-              <a:t>11.02.2022</a:t>
+              <a:t>20.02.2022</a:t>
             </a:fld>
             <a:endParaRPr lang="fr-CH" dirty="0"/>
           </a:p>
@@ -6936,7 +6936,7 @@
           <a:p>
             <a:fld id="{86B5E76D-0E3A-401B-B7FA-66C67C98CFE9}" type="datetime1">
               <a:rPr lang="de-CH" smtClean="0"/>
-              <a:t>11.02.2022</a:t>
+              <a:t>20.02.2022</a:t>
             </a:fld>
             <a:endParaRPr lang="fr-CH" dirty="0"/>
           </a:p>
@@ -7137,7 +7137,7 @@
           <a:p>
             <a:fld id="{EEAB6B76-9E8E-4349-8B67-30BA00A05EA6}" type="datetime1">
               <a:rPr lang="de-CH" smtClean="0"/>
-              <a:t>11.02.2022</a:t>
+              <a:t>20.02.2022</a:t>
             </a:fld>
             <a:endParaRPr lang="fr-CH" dirty="0"/>
           </a:p>
@@ -7402,7 +7402,7 @@
           <a:p>
             <a:fld id="{01FAA826-5F5E-4E1E-AAE4-E43658568A6E}" type="datetime1">
               <a:rPr lang="de-CH" smtClean="0"/>
-              <a:t>11.02.2022</a:t>
+              <a:t>20.02.2022</a:t>
             </a:fld>
             <a:endParaRPr lang="fr-CH" dirty="0"/>
           </a:p>
@@ -8134,7 +8134,7 @@
           <a:p>
             <a:fld id="{9968C99E-1E27-4D09-BCD4-A3391F8E8EE9}" type="datetime1">
               <a:rPr lang="de-CH" smtClean="0"/>
-              <a:t>11.02.2022</a:t>
+              <a:t>20.02.2022</a:t>
             </a:fld>
             <a:endParaRPr lang="fr-CH" dirty="0"/>
           </a:p>
@@ -9244,7 +9244,7 @@
           <a:p>
             <a:fld id="{4C38BF51-FD12-4780-9282-8B4B82423C53}" type="datetime1">
               <a:rPr lang="de-CH" smtClean="0"/>
-              <a:t>11.02.2022</a:t>
+              <a:t>20.02.2022</a:t>
             </a:fld>
             <a:endParaRPr lang="fr-CH" dirty="0"/>
           </a:p>
@@ -10148,7 +10148,7 @@
           <a:p>
             <a:fld id="{76AA5BC4-8BF6-4DDD-B3E1-1D2BF7222D22}" type="datetime1">
               <a:rPr lang="de-CH" smtClean="0"/>
-              <a:t>11.02.2022</a:t>
+              <a:t>20.02.2022</a:t>
             </a:fld>
             <a:endParaRPr lang="fr-CH" dirty="0"/>
           </a:p>
@@ -11905,7 +11905,7 @@
           <a:p>
             <a:fld id="{1AB4C5C6-AF87-45AC-AA88-6A0A0087A591}" type="datetime1">
               <a:rPr lang="de-CH" smtClean="0"/>
-              <a:t>11.02.2022</a:t>
+              <a:t>20.02.2022</a:t>
             </a:fld>
             <a:endParaRPr lang="fr-CH" dirty="0"/>
           </a:p>
@@ -12861,7 +12861,7 @@
           <a:p>
             <a:fld id="{F3F6CB59-E58D-41F2-8112-AD0E20BFAE57}" type="datetime1">
               <a:rPr lang="de-CH" smtClean="0"/>
-              <a:t>11.02.2022</a:t>
+              <a:t>20.02.2022</a:t>
             </a:fld>
             <a:endParaRPr lang="fr-CH" dirty="0"/>
           </a:p>
@@ -13687,7 +13687,7 @@
           <a:p>
             <a:fld id="{5BFE5645-FFB5-47FD-B669-EE82B30CEDEC}" type="datetime1">
               <a:rPr lang="de-CH" smtClean="0"/>
-              <a:t>11.02.2022</a:t>
+              <a:t>20.02.2022</a:t>
             </a:fld>
             <a:endParaRPr lang="fr-CH" dirty="0"/>
           </a:p>
@@ -14517,7 +14517,7 @@
           <a:p>
             <a:fld id="{AC5354E2-64B9-4772-9397-C2841773751B}" type="datetime1">
               <a:rPr lang="de-CH" smtClean="0"/>
-              <a:t>11.02.2022</a:t>
+              <a:t>20.02.2022</a:t>
             </a:fld>
             <a:endParaRPr lang="fr-CH" dirty="0"/>
           </a:p>
@@ -14585,7 +14585,12 @@
             <p:ph idx="1"/>
           </p:nvPr>
         </p:nvSpPr>
-        <p:spPr/>
+        <p:spPr>
+          <a:xfrm>
+            <a:off x="542925" y="1412776"/>
+            <a:ext cx="5553075" cy="4392712"/>
+          </a:xfrm>
+        </p:spPr>
         <p:txBody>
           <a:bodyPr>
             <a:normAutofit/>
@@ -14615,6 +14620,8 @@
               <a:rPr lang="de-CH" dirty="0"/>
               <a:t>, </a:t>
             </a:r>
+          </a:p>
+          <a:p>
             <a:r>
               <a:rPr lang="de-CH" dirty="0" err="1"/>
               <a:t>never</a:t>
@@ -14635,68 +14642,80 @@
               <a:rPr lang="de-CH" dirty="0" err="1"/>
               <a:t>use</a:t>
             </a:r>
+            <a:r>
+              <a:rPr lang="de-CH" dirty="0"/>
+              <a:t> </a:t>
+            </a:r>
+            <a:r>
+              <a:rPr lang="de-CH" dirty="0">
+                <a:latin typeface="Courier New" panose="02070309020205020404" pitchFamily="49" charset="0"/>
+                <a:cs typeface="Courier New" panose="02070309020205020404" pitchFamily="49" charset="0"/>
+              </a:rPr>
+              <a:t>source(), </a:t>
+            </a:r>
+            <a:r>
+              <a:rPr lang="de-CH" dirty="0" err="1">
+                <a:latin typeface="Courier New" panose="02070309020205020404" pitchFamily="49" charset="0"/>
+                <a:cs typeface="Courier New" panose="02070309020205020404" pitchFamily="49" charset="0"/>
+              </a:rPr>
+              <a:t>setwd</a:t>
+            </a:r>
+            <a:r>
+              <a:rPr lang="de-CH" dirty="0">
+                <a:latin typeface="Courier New" panose="02070309020205020404" pitchFamily="49" charset="0"/>
+                <a:cs typeface="Courier New" panose="02070309020205020404" pitchFamily="49" charset="0"/>
+              </a:rPr>
+              <a:t>(),</a:t>
+            </a:r>
+            <a:br>
+              <a:rPr lang="de-CH" dirty="0">
+                <a:latin typeface="Courier New" panose="02070309020205020404" pitchFamily="49" charset="0"/>
+                <a:cs typeface="Courier New" panose="02070309020205020404" pitchFamily="49" charset="0"/>
+              </a:rPr>
+            </a:br>
+            <a:r>
+              <a:rPr lang="de-CH" dirty="0" err="1">
+                <a:latin typeface="Courier New" panose="02070309020205020404" pitchFamily="49" charset="0"/>
+                <a:cs typeface="Courier New" panose="02070309020205020404" pitchFamily="49" charset="0"/>
+              </a:rPr>
+              <a:t>library</a:t>
+            </a:r>
+            <a:r>
+              <a:rPr lang="de-CH" dirty="0">
+                <a:latin typeface="Courier New" panose="02070309020205020404" pitchFamily="49" charset="0"/>
+                <a:cs typeface="Courier New" panose="02070309020205020404" pitchFamily="49" charset="0"/>
+              </a:rPr>
+              <a:t>(), </a:t>
+            </a:r>
+            <a:r>
+              <a:rPr lang="de-CH" dirty="0" err="1">
+                <a:latin typeface="Courier New" panose="02070309020205020404" pitchFamily="49" charset="0"/>
+                <a:cs typeface="Courier New" panose="02070309020205020404" pitchFamily="49" charset="0"/>
+              </a:rPr>
+              <a:t>require</a:t>
+            </a:r>
+            <a:r>
+              <a:rPr lang="de-CH" dirty="0">
+                <a:latin typeface="Courier New" panose="02070309020205020404" pitchFamily="49" charset="0"/>
+                <a:cs typeface="Courier New" panose="02070309020205020404" pitchFamily="49" charset="0"/>
+              </a:rPr>
+              <a:t>()</a:t>
+            </a:r>
+          </a:p>
+          <a:p>
+            <a:r>
+              <a:rPr lang="de-CH" dirty="0" err="1"/>
+              <a:t>use</a:t>
+            </a:r>
+            <a:r>
+              <a:rPr lang="de-CH" dirty="0"/>
+              <a:t> defensive </a:t>
+            </a:r>
+            <a:r>
+              <a:rPr lang="de-CH" dirty="0" err="1"/>
+              <a:t>programming</a:t>
+            </a:r>
             <a:endParaRPr lang="de-CH" dirty="0"/>
-          </a:p>
-          <a:p>
-            <a:r>
-              <a:rPr lang="de-CH" dirty="0">
-                <a:latin typeface="Courier New" panose="02070309020205020404" pitchFamily="49" charset="0"/>
-                <a:cs typeface="Courier New" panose="02070309020205020404" pitchFamily="49" charset="0"/>
-              </a:rPr>
-              <a:t>source()</a:t>
-            </a:r>
-          </a:p>
-          <a:p>
-            <a:r>
-              <a:rPr lang="de-CH" dirty="0" err="1">
-                <a:latin typeface="Courier New" panose="02070309020205020404" pitchFamily="49" charset="0"/>
-                <a:cs typeface="Courier New" panose="02070309020205020404" pitchFamily="49" charset="0"/>
-              </a:rPr>
-              <a:t>library</a:t>
-            </a:r>
-            <a:r>
-              <a:rPr lang="de-CH" dirty="0">
-                <a:latin typeface="Courier New" panose="02070309020205020404" pitchFamily="49" charset="0"/>
-                <a:cs typeface="Courier New" panose="02070309020205020404" pitchFamily="49" charset="0"/>
-              </a:rPr>
-              <a:t>(), </a:t>
-            </a:r>
-            <a:r>
-              <a:rPr lang="de-CH" dirty="0" err="1">
-                <a:latin typeface="Courier New" panose="02070309020205020404" pitchFamily="49" charset="0"/>
-                <a:cs typeface="Courier New" panose="02070309020205020404" pitchFamily="49" charset="0"/>
-              </a:rPr>
-              <a:t>require</a:t>
-            </a:r>
-            <a:r>
-              <a:rPr lang="de-CH" dirty="0">
-                <a:latin typeface="Courier New" panose="02070309020205020404" pitchFamily="49" charset="0"/>
-                <a:cs typeface="Courier New" panose="02070309020205020404" pitchFamily="49" charset="0"/>
-              </a:rPr>
-              <a:t>()</a:t>
-            </a:r>
-          </a:p>
-          <a:p>
-            <a:r>
-              <a:rPr lang="de-CH" dirty="0" err="1">
-                <a:latin typeface="Courier New" panose="02070309020205020404" pitchFamily="49" charset="0"/>
-                <a:cs typeface="Courier New" panose="02070309020205020404" pitchFamily="49" charset="0"/>
-              </a:rPr>
-              <a:t>setwd</a:t>
-            </a:r>
-            <a:r>
-              <a:rPr lang="de-CH" dirty="0">
-                <a:latin typeface="Courier New" panose="02070309020205020404" pitchFamily="49" charset="0"/>
-                <a:cs typeface="Courier New" panose="02070309020205020404" pitchFamily="49" charset="0"/>
-              </a:rPr>
-              <a:t>()</a:t>
-            </a:r>
-          </a:p>
-          <a:p>
-            <a:endParaRPr lang="de-CH" dirty="0">
-              <a:latin typeface="Courier New" panose="02070309020205020404" pitchFamily="49" charset="0"/>
-              <a:cs typeface="Courier New" panose="02070309020205020404" pitchFamily="49" charset="0"/>
-            </a:endParaRPr>
           </a:p>
         </p:txBody>
       </p:sp>

--- a/RPackage_en.pptx
+++ b/RPackage_en.pptx
@@ -228,7 +228,7 @@
               <a:rPr lang="de-CH" smtClean="0">
                 <a:latin typeface="Arial" panose="020B0604020202020204" pitchFamily="34" charset="0"/>
               </a:rPr>
-              <a:t>20.02.2022</a:t>
+              <a:t>08.08.2022</a:t>
             </a:fld>
             <a:endParaRPr lang="de-CH" dirty="0">
               <a:latin typeface="Arial" panose="020B0604020202020204" pitchFamily="34" charset="0"/>
@@ -406,7 +406,7 @@
             <a:fld id="{5991B98F-1650-405D-9DF5-D564DF2E9405}" type="datetimeFigureOut">
               <a:rPr lang="de-CH" smtClean="0"/>
               <a:pPr/>
-              <a:t>20.02.2022</a:t>
+              <a:t>08.08.2022</a:t>
             </a:fld>
             <a:endParaRPr lang="de-CH" dirty="0"/>
           </a:p>
@@ -937,7 +937,7 @@
           <a:p>
             <a:fld id="{E740862B-F753-4A74-A9C3-E9DDA495171F}" type="datetime1">
               <a:rPr lang="de-CH" smtClean="0"/>
-              <a:t>20.02.2022</a:t>
+              <a:t>08.08.2022</a:t>
             </a:fld>
             <a:endParaRPr lang="fr-CH" dirty="0"/>
           </a:p>
@@ -1138,7 +1138,7 @@
           <a:p>
             <a:fld id="{322A823A-C061-4C09-A423-1C486B957565}" type="datetime1">
               <a:rPr lang="de-CH" smtClean="0"/>
-              <a:t>20.02.2022</a:t>
+              <a:t>08.08.2022</a:t>
             </a:fld>
             <a:endParaRPr lang="fr-CH" dirty="0"/>
           </a:p>
@@ -1339,7 +1339,7 @@
           <a:p>
             <a:fld id="{6F40CD7E-2D4A-4D7A-843D-6D90BA790C77}" type="datetime1">
               <a:rPr lang="de-CH" smtClean="0"/>
-              <a:t>20.02.2022</a:t>
+              <a:t>08.08.2022</a:t>
             </a:fld>
             <a:endParaRPr lang="fr-CH" dirty="0"/>
           </a:p>
@@ -1540,7 +1540,7 @@
           <a:p>
             <a:fld id="{1964E26F-0851-4BD7-828A-DDF163727273}" type="datetime1">
               <a:rPr lang="de-CH" smtClean="0"/>
-              <a:t>20.02.2022</a:t>
+              <a:t>08.08.2022</a:t>
             </a:fld>
             <a:endParaRPr lang="fr-CH" dirty="0"/>
           </a:p>
@@ -1741,7 +1741,7 @@
           <a:p>
             <a:fld id="{6C2D6A15-5615-4C46-908A-BBF3C061BF07}" type="datetime1">
               <a:rPr lang="de-CH" smtClean="0"/>
-              <a:t>20.02.2022</a:t>
+              <a:t>08.08.2022</a:t>
             </a:fld>
             <a:endParaRPr lang="fr-CH" dirty="0"/>
           </a:p>
@@ -1887,7 +1887,7 @@
           <a:p>
             <a:fld id="{7345CE87-CE41-420C-BFE3-A50DE9122969}" type="datetime1">
               <a:rPr lang="de-CH" smtClean="0"/>
-              <a:t>20.02.2022</a:t>
+              <a:t>08.08.2022</a:t>
             </a:fld>
             <a:endParaRPr lang="fr-CH" dirty="0"/>
           </a:p>
@@ -2043,7 +2043,7 @@
           <a:p>
             <a:fld id="{144741D9-BBCD-4A5E-8F75-DB38F8C9223A}" type="datetime1">
               <a:rPr lang="de-CH" smtClean="0"/>
-              <a:t>20.02.2022</a:t>
+              <a:t>08.08.2022</a:t>
             </a:fld>
             <a:endParaRPr lang="fr-CH" dirty="0"/>
           </a:p>
@@ -2230,7 +2230,7 @@
           <a:p>
             <a:fld id="{590323A2-A89B-4232-8144-E1B984358244}" type="datetime1">
               <a:rPr lang="de-CH" smtClean="0"/>
-              <a:t>20.02.2022</a:t>
+              <a:t>08.08.2022</a:t>
             </a:fld>
             <a:endParaRPr lang="fr-CH" dirty="0"/>
           </a:p>
@@ -2370,7 +2370,7 @@
           <a:p>
             <a:fld id="{10E6F3AA-70B5-4C81-B19F-9375D1896B4A}" type="datetime1">
               <a:rPr lang="de-CH" smtClean="0"/>
-              <a:t>20.02.2022</a:t>
+              <a:t>08.08.2022</a:t>
             </a:fld>
             <a:endParaRPr lang="fr-CH" dirty="0"/>
           </a:p>
@@ -2510,7 +2510,7 @@
           <a:p>
             <a:fld id="{4DACBA1C-6C88-462E-B4BF-9929FD547BFF}" type="datetime1">
               <a:rPr lang="de-CH" smtClean="0"/>
-              <a:t>20.02.2022</a:t>
+              <a:t>08.08.2022</a:t>
             </a:fld>
             <a:endParaRPr lang="fr-CH" dirty="0"/>
           </a:p>
@@ -2945,7 +2945,7 @@
           <a:p>
             <a:fld id="{BE2D5AED-D2E5-4683-BA53-CE031DFD36F7}" type="datetime1">
               <a:rPr lang="de-CH" smtClean="0"/>
-              <a:t>20.02.2022</a:t>
+              <a:t>08.08.2022</a:t>
             </a:fld>
             <a:endParaRPr lang="fr-CH" dirty="0"/>
           </a:p>
@@ -3243,7 +3243,7 @@
           <a:p>
             <a:fld id="{2901940B-835C-4E14-9765-B00BA93465B8}" type="datetime1">
               <a:rPr lang="de-CH" smtClean="0"/>
-              <a:t>20.02.2022</a:t>
+              <a:t>08.08.2022</a:t>
             </a:fld>
             <a:endParaRPr lang="fr-CH" dirty="0"/>
           </a:p>
@@ -3579,7 +3579,7 @@
           <a:p>
             <a:fld id="{0ED2030C-75A9-4FAF-B3FB-013DBBD37E56}" type="datetime1">
               <a:rPr lang="de-CH" smtClean="0"/>
-              <a:t>20.02.2022</a:t>
+              <a:t>08.08.2022</a:t>
             </a:fld>
             <a:endParaRPr lang="fr-CH" dirty="0"/>
           </a:p>
@@ -4091,7 +4091,7 @@
           <a:p>
             <a:fld id="{771DE1CA-CDE7-4CB5-8FF3-CFA7C49F3DAC}" type="datetime1">
               <a:rPr lang="de-CH" smtClean="0"/>
-              <a:t>20.02.2022</a:t>
+              <a:t>08.08.2022</a:t>
             </a:fld>
             <a:endParaRPr lang="fr-CH" dirty="0"/>
           </a:p>
@@ -4313,7 +4313,7 @@
           <a:p>
             <a:fld id="{610489CE-FBB6-480E-B489-CE91A0A4A37D}" type="datetime1">
               <a:rPr lang="de-CH" smtClean="0"/>
-              <a:t>20.02.2022</a:t>
+              <a:t>08.08.2022</a:t>
             </a:fld>
             <a:endParaRPr lang="fr-CH" dirty="0"/>
           </a:p>
@@ -4491,7 +4491,7 @@
           <a:p>
             <a:fld id="{647C40AA-CA50-40CE-9CC4-07C3161D2D94}" type="datetime1">
               <a:rPr lang="de-CH" smtClean="0"/>
-              <a:t>20.02.2022</a:t>
+              <a:t>08.08.2022</a:t>
             </a:fld>
             <a:endParaRPr lang="fr-CH" dirty="0"/>
           </a:p>
@@ -4750,7 +4750,7 @@
           <a:p>
             <a:fld id="{97951D55-766C-4073-B6D6-F844DD2AD6BD}" type="datetime1">
               <a:rPr lang="de-CH" smtClean="0"/>
-              <a:t>20.02.2022</a:t>
+              <a:t>08.08.2022</a:t>
             </a:fld>
             <a:endParaRPr lang="fr-CH" dirty="0"/>
           </a:p>
@@ -4898,7 +4898,7 @@
           <a:p>
             <a:fld id="{A494620C-7B72-43D0-9AB8-7532B2719D4E}" type="datetime1">
               <a:rPr lang="de-CH" smtClean="0"/>
-              <a:t>20.02.2022</a:t>
+              <a:t>08.08.2022</a:t>
             </a:fld>
             <a:endParaRPr lang="fr-CH" dirty="0"/>
           </a:p>
@@ -5040,7 +5040,7 @@
           <a:p>
             <a:fld id="{0C485A22-3884-4195-8C09-C1ADD9DB16DA}" type="datetime1">
               <a:rPr lang="de-CH" smtClean="0"/>
-              <a:t>20.02.2022</a:t>
+              <a:t>08.08.2022</a:t>
             </a:fld>
             <a:endParaRPr lang="fr-CH" dirty="0"/>
           </a:p>
@@ -5281,7 +5281,7 @@
           <a:p>
             <a:fld id="{E81CF062-5697-4CAB-A913-E646257F8F9E}" type="datetime1">
               <a:rPr lang="de-CH" smtClean="0"/>
-              <a:t>20.02.2022</a:t>
+              <a:t>08.08.2022</a:t>
             </a:fld>
             <a:endParaRPr lang="fr-CH" dirty="0"/>
           </a:p>
@@ -5657,7 +5657,7 @@
           <a:p>
             <a:fld id="{78FE72B2-31B8-4ABB-B926-99823DABB20B}" type="datetime1">
               <a:rPr lang="de-CH" smtClean="0"/>
-              <a:t>20.02.2022</a:t>
+              <a:t>08.08.2022</a:t>
             </a:fld>
             <a:endParaRPr lang="fr-CH" dirty="0"/>
           </a:p>
@@ -5902,7 +5902,7 @@
           <a:p>
             <a:fld id="{9B14CB66-76A4-4740-A994-08456E8DCAEB}" type="datetime1">
               <a:rPr lang="de-CH" smtClean="0"/>
-              <a:t>20.02.2022</a:t>
+              <a:t>08.08.2022</a:t>
             </a:fld>
             <a:endParaRPr lang="fr-CH" dirty="0"/>
           </a:p>
@@ -6171,7 +6171,7 @@
           <a:p>
             <a:fld id="{1DD2F9DE-E085-465A-AFCD-9143BC0CE701}" type="datetime1">
               <a:rPr lang="de-CH" smtClean="0"/>
-              <a:t>20.02.2022</a:t>
+              <a:t>08.08.2022</a:t>
             </a:fld>
             <a:endParaRPr lang="fr-CH" dirty="0"/>
           </a:p>
@@ -6402,7 +6402,7 @@
           <a:p>
             <a:fld id="{DE81F515-B529-4E53-B041-9174A301693D}" type="datetime1">
               <a:rPr lang="de-CH" smtClean="0"/>
-              <a:t>20.02.2022</a:t>
+              <a:t>08.08.2022</a:t>
             </a:fld>
             <a:endParaRPr lang="fr-CH" dirty="0"/>
           </a:p>
@@ -6679,7 +6679,7 @@
           <a:p>
             <a:fld id="{6766DAFF-4DD6-4136-BB56-356AC4CE71A7}" type="datetime1">
               <a:rPr lang="de-CH" smtClean="0"/>
-              <a:t>20.02.2022</a:t>
+              <a:t>08.08.2022</a:t>
             </a:fld>
             <a:endParaRPr lang="fr-CH" dirty="0"/>
           </a:p>
@@ -6936,7 +6936,7 @@
           <a:p>
             <a:fld id="{86B5E76D-0E3A-401B-B7FA-66C67C98CFE9}" type="datetime1">
               <a:rPr lang="de-CH" smtClean="0"/>
-              <a:t>20.02.2022</a:t>
+              <a:t>08.08.2022</a:t>
             </a:fld>
             <a:endParaRPr lang="fr-CH" dirty="0"/>
           </a:p>
@@ -7137,7 +7137,7 @@
           <a:p>
             <a:fld id="{EEAB6B76-9E8E-4349-8B67-30BA00A05EA6}" type="datetime1">
               <a:rPr lang="de-CH" smtClean="0"/>
-              <a:t>20.02.2022</a:t>
+              <a:t>08.08.2022</a:t>
             </a:fld>
             <a:endParaRPr lang="fr-CH" dirty="0"/>
           </a:p>
@@ -7402,7 +7402,7 @@
           <a:p>
             <a:fld id="{01FAA826-5F5E-4E1E-AAE4-E43658568A6E}" type="datetime1">
               <a:rPr lang="de-CH" smtClean="0"/>
-              <a:t>20.02.2022</a:t>
+              <a:t>08.08.2022</a:t>
             </a:fld>
             <a:endParaRPr lang="fr-CH" dirty="0"/>
           </a:p>
@@ -8110,10 +8110,7 @@
               <a:rPr lang="fr-CH" dirty="0" err="1"/>
               <a:t>Functions</a:t>
             </a:r>
-            <a:r>
-              <a:rPr lang="fr-CH" dirty="0"/>
-              <a:t> are the Basis of R</a:t>
-            </a:r>
+            <a:endParaRPr lang="fr-CH" dirty="0"/>
           </a:p>
         </p:txBody>
       </p:sp>
@@ -8134,7 +8131,7 @@
           <a:p>
             <a:fld id="{9968C99E-1E27-4D09-BCD4-A3391F8E8EE9}" type="datetime1">
               <a:rPr lang="de-CH" smtClean="0"/>
-              <a:t>20.02.2022</a:t>
+              <a:t>08.08.2022</a:t>
             </a:fld>
             <a:endParaRPr lang="fr-CH" dirty="0"/>
           </a:p>
@@ -8204,13 +8201,129 @@
         </p:nvSpPr>
         <p:spPr>
           <a:xfrm>
-            <a:off x="695400" y="1115053"/>
-            <a:ext cx="6777212" cy="1152128"/>
+            <a:off x="767408" y="1114471"/>
+            <a:ext cx="7056784" cy="1377843"/>
           </a:xfrm>
         </p:spPr>
         <p:txBody>
-          <a:bodyPr/>
+          <a:bodyPr>
+            <a:normAutofit fontScale="92500" lnSpcReduction="20000"/>
+          </a:bodyPr>
           <a:lstStyle/>
+          <a:p>
+            <a:r>
+              <a:rPr lang="de-CH" dirty="0"/>
+              <a:t>In R, </a:t>
+            </a:r>
+            <a:r>
+              <a:rPr lang="de-CH" dirty="0" err="1"/>
+              <a:t>everything</a:t>
+            </a:r>
+            <a:r>
+              <a:rPr lang="de-CH" dirty="0"/>
+              <a:t> </a:t>
+            </a:r>
+            <a:r>
+              <a:rPr lang="de-CH" dirty="0" err="1"/>
+              <a:t>is</a:t>
+            </a:r>
+            <a:r>
+              <a:rPr lang="de-CH" dirty="0"/>
+              <a:t> an </a:t>
+            </a:r>
+            <a:r>
+              <a:rPr lang="de-CH" dirty="0" err="1"/>
+              <a:t>object</a:t>
+            </a:r>
+            <a:endParaRPr lang="de-CH" dirty="0"/>
+          </a:p>
+          <a:p>
+            <a:r>
+              <a:rPr lang="de-CH" dirty="0"/>
+              <a:t>Most </a:t>
+            </a:r>
+            <a:r>
+              <a:rPr lang="de-CH" dirty="0" err="1"/>
+              <a:t>objects</a:t>
+            </a:r>
+            <a:r>
+              <a:rPr lang="de-CH" dirty="0"/>
+              <a:t> </a:t>
+            </a:r>
+            <a:r>
+              <a:rPr lang="de-CH" dirty="0" err="1"/>
+              <a:t>are</a:t>
+            </a:r>
+            <a:r>
+              <a:rPr lang="de-CH" dirty="0"/>
+              <a:t> </a:t>
+            </a:r>
+            <a:r>
+              <a:rPr lang="de-CH" dirty="0" err="1"/>
+              <a:t>functions</a:t>
+            </a:r>
+            <a:r>
+              <a:rPr lang="de-CH" dirty="0"/>
+              <a:t> </a:t>
+            </a:r>
+            <a:r>
+              <a:rPr lang="de-CH" dirty="0">
+                <a:solidFill>
+                  <a:srgbClr val="C00000"/>
+                </a:solidFill>
+              </a:rPr>
+              <a:t>(</a:t>
+            </a:r>
+            <a:r>
+              <a:rPr lang="de-CH" dirty="0" err="1">
+                <a:solidFill>
+                  <a:srgbClr val="C00000"/>
+                </a:solidFill>
+              </a:rPr>
+              <a:t>demo</a:t>
+            </a:r>
+            <a:r>
+              <a:rPr lang="de-CH" dirty="0">
+                <a:solidFill>
+                  <a:srgbClr val="C00000"/>
+                </a:solidFill>
+              </a:rPr>
+              <a:t>: </a:t>
+            </a:r>
+            <a:r>
+              <a:rPr lang="de-CH" dirty="0" err="1">
+                <a:solidFill>
+                  <a:srgbClr val="C00000"/>
+                </a:solidFill>
+              </a:rPr>
+              <a:t>t.test</a:t>
+            </a:r>
+            <a:r>
+              <a:rPr lang="de-CH" dirty="0">
+                <a:solidFill>
+                  <a:srgbClr val="C00000"/>
+                </a:solidFill>
+              </a:rPr>
+              <a:t>; +; </a:t>
+            </a:r>
+            <a:r>
+              <a:rPr lang="de-CH" dirty="0" err="1">
+                <a:solidFill>
+                  <a:srgbClr val="C00000"/>
+                </a:solidFill>
+              </a:rPr>
+              <a:t>parenthesis</a:t>
+            </a:r>
+            <a:r>
+              <a:rPr lang="de-CH">
+                <a:solidFill>
+                  <a:srgbClr val="C00000"/>
+                </a:solidFill>
+              </a:rPr>
+              <a:t>, …)</a:t>
+            </a:r>
+            <a:endParaRPr lang="de-CH" dirty="0"/>
+          </a:p>
           <a:p>
             <a:r>
               <a:rPr lang="de-CH" dirty="0"/>
@@ -8243,34 +8356,6 @@
             <a:r>
               <a:rPr lang="de-CH" dirty="0" err="1"/>
               <a:t>functions</a:t>
-            </a:r>
-            <a:r>
-              <a:rPr lang="de-CH" dirty="0"/>
-              <a:t> </a:t>
-            </a:r>
-            <a:r>
-              <a:rPr lang="de-CH" dirty="0">
-                <a:solidFill>
-                  <a:srgbClr val="C00000"/>
-                </a:solidFill>
-              </a:rPr>
-              <a:t>(</a:t>
-            </a:r>
-            <a:r>
-              <a:rPr lang="de-CH" dirty="0" err="1">
-                <a:solidFill>
-                  <a:srgbClr val="C00000"/>
-                </a:solidFill>
-              </a:rPr>
-              <a:t>demo</a:t>
-            </a:r>
-            <a:r>
-              <a:rPr lang="de-CH" dirty="0">
-                <a:solidFill>
-                  <a:srgbClr val="C00000"/>
-                </a:solidFill>
-              </a:rPr>
-              <a:t> in R)</a:t>
             </a:r>
             <a:endParaRPr lang="de-CH" dirty="0"/>
           </a:p>
@@ -9244,7 +9329,7 @@
           <a:p>
             <a:fld id="{4C38BF51-FD12-4780-9282-8B4B82423C53}" type="datetime1">
               <a:rPr lang="de-CH" smtClean="0"/>
-              <a:t>20.02.2022</a:t>
+              <a:t>08.08.2022</a:t>
             </a:fld>
             <a:endParaRPr lang="fr-CH" dirty="0"/>
           </a:p>
@@ -10012,8 +10097,25 @@
                 <a:latin typeface="Courier New" panose="02070309020205020404" pitchFamily="49" charset="0"/>
                 <a:cs typeface="Courier New" panose="02070309020205020404" pitchFamily="49" charset="0"/>
               </a:rPr>
-              <a:t> cool</a:t>
-            </a:r>
+              <a:t> </a:t>
+            </a:r>
+            <a:r>
+              <a:rPr lang="de-CH" b="1" dirty="0" err="1">
+                <a:solidFill>
+                  <a:schemeClr val="tx2"/>
+                </a:solidFill>
+                <a:latin typeface="Courier New" panose="02070309020205020404" pitchFamily="49" charset="0"/>
+                <a:cs typeface="Courier New" panose="02070309020205020404" pitchFamily="49" charset="0"/>
+              </a:rPr>
+              <a:t>fancy</a:t>
+            </a:r>
+            <a:endParaRPr lang="de-CH" b="1" dirty="0">
+              <a:solidFill>
+                <a:schemeClr val="tx2"/>
+              </a:solidFill>
+              <a:latin typeface="Courier New" panose="02070309020205020404" pitchFamily="49" charset="0"/>
+              <a:cs typeface="Courier New" panose="02070309020205020404" pitchFamily="49" charset="0"/>
+            </a:endParaRPr>
           </a:p>
           <a:p>
             <a:pPr marL="0" indent="0">
@@ -10024,7 +10126,7 @@
                 <a:latin typeface="Courier New" panose="02070309020205020404" pitchFamily="49" charset="0"/>
                 <a:cs typeface="Courier New" panose="02070309020205020404" pitchFamily="49" charset="0"/>
               </a:rPr>
-              <a:t>something_cool</a:t>
+              <a:t>something_fancy</a:t>
             </a:r>
             <a:r>
               <a:rPr lang="de-CH" dirty="0">
@@ -10148,7 +10250,7 @@
           <a:p>
             <a:fld id="{76AA5BC4-8BF6-4DDD-B3E1-1D2BF7222D22}" type="datetime1">
               <a:rPr lang="de-CH" smtClean="0"/>
-              <a:t>20.02.2022</a:t>
+              <a:t>08.08.2022</a:t>
             </a:fld>
             <a:endParaRPr lang="fr-CH" dirty="0"/>
           </a:p>
@@ -11905,7 +12007,7 @@
           <a:p>
             <a:fld id="{1AB4C5C6-AF87-45AC-AA88-6A0A0087A591}" type="datetime1">
               <a:rPr lang="de-CH" smtClean="0"/>
-              <a:t>20.02.2022</a:t>
+              <a:t>08.08.2022</a:t>
             </a:fld>
             <a:endParaRPr lang="fr-CH" dirty="0"/>
           </a:p>
@@ -12311,7 +12413,7 @@
             </a:r>
             <a:r>
               <a:rPr lang="de-CH" dirty="0"/>
-              <a:t> CRAN)</a:t>
+              <a:t> CRAN).</a:t>
             </a:r>
           </a:p>
           <a:p>
@@ -12861,7 +12963,7 @@
           <a:p>
             <a:fld id="{F3F6CB59-E58D-41F2-8112-AD0E20BFAE57}" type="datetime1">
               <a:rPr lang="de-CH" smtClean="0"/>
-              <a:t>20.02.2022</a:t>
+              <a:t>08.08.2022</a:t>
             </a:fld>
             <a:endParaRPr lang="fr-CH" dirty="0"/>
           </a:p>
@@ -12932,7 +13034,7 @@
         <p:spPr>
           <a:xfrm>
             <a:off x="2063552" y="1412776"/>
-            <a:ext cx="7209260" cy="4376288"/>
+            <a:ext cx="7209260" cy="4824536"/>
           </a:xfrm>
         </p:spPr>
         <p:txBody>
@@ -13592,6 +13694,62 @@
               </a:rPr>
               <a:t>me  # or print(me)</a:t>
             </a:r>
+          </a:p>
+          <a:p>
+            <a:pPr marL="0" indent="0">
+              <a:buNone/>
+            </a:pPr>
+            <a:endParaRPr lang="en-US" sz="1400" dirty="0">
+              <a:latin typeface="Courier New" panose="02070309020205020404" pitchFamily="49" charset="0"/>
+              <a:cs typeface="Courier New" panose="02070309020205020404" pitchFamily="49" charset="0"/>
+            </a:endParaRPr>
+          </a:p>
+          <a:p>
+            <a:pPr marL="0" indent="0">
+              <a:buNone/>
+            </a:pPr>
+            <a:r>
+              <a:rPr lang="de-CH" dirty="0" err="1">
+                <a:solidFill>
+                  <a:schemeClr val="tx2"/>
+                </a:solidFill>
+                <a:cs typeface="Courier New" panose="02070309020205020404" pitchFamily="49" charset="0"/>
+              </a:rPr>
+              <a:t>Example</a:t>
+            </a:r>
+            <a:r>
+              <a:rPr lang="de-CH" dirty="0">
+                <a:solidFill>
+                  <a:schemeClr val="tx2"/>
+                </a:solidFill>
+                <a:cs typeface="Courier New" panose="02070309020205020404" pitchFamily="49" charset="0"/>
+              </a:rPr>
+              <a:t> 3: </a:t>
+            </a:r>
+            <a:r>
+              <a:rPr lang="de-CH" dirty="0" err="1">
+                <a:solidFill>
+                  <a:schemeClr val="tx2"/>
+                </a:solidFill>
+                <a:cs typeface="Courier New" panose="02070309020205020404" pitchFamily="49" charset="0"/>
+              </a:rPr>
+              <a:t>t.test</a:t>
+            </a:r>
+            <a:r>
+              <a:rPr lang="de-CH" dirty="0">
+                <a:solidFill>
+                  <a:schemeClr val="tx2"/>
+                </a:solidFill>
+                <a:cs typeface="Courier New" panose="02070309020205020404" pitchFamily="49" charset="0"/>
+              </a:rPr>
+              <a:t>()</a:t>
+            </a:r>
+            <a:endParaRPr lang="en-US" dirty="0">
+              <a:solidFill>
+                <a:schemeClr val="tx2"/>
+              </a:solidFill>
+              <a:cs typeface="Courier New" panose="02070309020205020404" pitchFamily="49" charset="0"/>
+            </a:endParaRPr>
           </a:p>
           <a:p>
             <a:pPr marL="0" indent="0">
@@ -13687,7 +13845,7 @@
           <a:p>
             <a:fld id="{5BFE5645-FFB5-47FD-B669-EE82B30CEDEC}" type="datetime1">
               <a:rPr lang="de-CH" smtClean="0"/>
-              <a:t>20.02.2022</a:t>
+              <a:t>08.08.2022</a:t>
             </a:fld>
             <a:endParaRPr lang="fr-CH" dirty="0"/>
           </a:p>
@@ -14517,7 +14675,7 @@
           <a:p>
             <a:fld id="{AC5354E2-64B9-4772-9397-C2841773751B}" type="datetime1">
               <a:rPr lang="de-CH" smtClean="0"/>
-              <a:t>20.02.2022</a:t>
+              <a:t>08.08.2022</a:t>
             </a:fld>
             <a:endParaRPr lang="fr-CH" dirty="0"/>
           </a:p>
@@ -14625,14 +14783,6 @@
             <a:r>
               <a:rPr lang="de-CH" dirty="0" err="1"/>
               <a:t>never</a:t>
-            </a:r>
-            <a:r>
-              <a:rPr lang="de-CH" dirty="0"/>
-              <a:t> </a:t>
-            </a:r>
-            <a:r>
-              <a:rPr lang="de-CH" dirty="0" err="1"/>
-              <a:t>ever</a:t>
             </a:r>
             <a:r>
               <a:rPr lang="de-CH" dirty="0"/>
